--- a/Fase 1/Evidencias Grupales/Presentación Proyecto.pptx
+++ b/Fase 1/Evidencias Grupales/Presentación Proyecto.pptx
@@ -1,17 +1,58 @@
 
 <file path=ppt/presentation.xml><?xml version="1.0" encoding="utf-8"?>
-<p:presentation xmlns:a="http://schemas.openxmlformats.org/drawingml/2006/main" xmlns:r="http://schemas.openxmlformats.org/officeDocument/2006/relationships" xmlns:p="http://schemas.openxmlformats.org/presentationml/2006/main" saveSubsetFonts="1">
+<p:presentation xmlns:a="http://schemas.openxmlformats.org/drawingml/2006/main" xmlns:r="http://schemas.openxmlformats.org/officeDocument/2006/relationships" xmlns:p="http://schemas.openxmlformats.org/presentationml/2006/main" saveSubsetFonts="1" embedTrueTypeFonts="true">
   <p:sldMasterIdLst>
     <p:sldMasterId id="2147483648" r:id="rId1"/>
   </p:sldMasterIdLst>
   <p:sldIdLst>
-    <p:sldId id="256" r:id="rId2"/>
+    <p:sldId id="256" r:id="rId6"/>
+    <p:sldId id="257" r:id="rId7"/>
+    <p:sldId id="258" r:id="rId8"/>
+    <p:sldId id="259" r:id="rId9"/>
+    <p:sldId id="260" r:id="rId10"/>
+    <p:sldId id="261" r:id="rId11"/>
+    <p:sldId id="262" r:id="rId12"/>
+    <p:sldId id="263" r:id="rId13"/>
+    <p:sldId id="264" r:id="rId14"/>
+    <p:sldId id="265" r:id="rId15"/>
+    <p:sldId id="266" r:id="rId16"/>
+    <p:sldId id="267" r:id="rId17"/>
   </p:sldIdLst>
-  <p:sldSz cx="12192000" cy="6858000"/>
+  <p:sldSz cx="18288000" cy="10287000"/>
   <p:notesSz cx="6858000" cy="9144000"/>
+  <p:embeddedFontLst>
+    <p:embeddedFont>
+      <p:font typeface="DM Sans Bold" charset="1" panose="00000000000000000000"/>
+      <p:regular r:id="rId18"/>
+    </p:embeddedFont>
+    <p:embeddedFont>
+      <p:font typeface="DM Sans" charset="1" panose="00000000000000000000"/>
+      <p:regular r:id="rId19"/>
+    </p:embeddedFont>
+    <p:embeddedFont>
+      <p:font typeface="Gill Sans Condensed" charset="1" panose="020B0606020104020203"/>
+      <p:regular r:id="rId20"/>
+    </p:embeddedFont>
+    <p:embeddedFont>
+      <p:font typeface="Handelson Three" charset="1" panose="00000100000000000000"/>
+      <p:regular r:id="rId21"/>
+    </p:embeddedFont>
+    <p:embeddedFont>
+      <p:font typeface="Open Sans" charset="1" panose="020B0606030504020204"/>
+      <p:regular r:id="rId22"/>
+    </p:embeddedFont>
+    <p:embeddedFont>
+      <p:font typeface="TT Chocolates" charset="1" panose="02000503020000020003"/>
+      <p:regular r:id="rId23"/>
+    </p:embeddedFont>
+    <p:embeddedFont>
+      <p:font typeface="TT Chocolates Bold" charset="1" panose="02000803020000020003"/>
+      <p:regular r:id="rId24"/>
+    </p:embeddedFont>
+  </p:embeddedFontLst>
   <p:defaultTextStyle>
     <a:defPPr>
-      <a:defRPr lang="es-CL"/>
+      <a:defRPr lang="en-US"/>
     </a:defPPr>
     <a:lvl1pPr marL="0" algn="l" defTabSz="914400" rtl="0" eaLnBrk="1" latinLnBrk="0" hangingPunct="1">
       <a:defRPr sz="1800" kern="1200">
@@ -109,7 +150,7 @@
 
 <file path=ppt/slideLayouts/slideLayout1.xml><?xml version="1.0" encoding="utf-8"?>
 <p:sldLayout xmlns:a="http://schemas.openxmlformats.org/drawingml/2006/main" xmlns:r="http://schemas.openxmlformats.org/officeDocument/2006/relationships" xmlns:p="http://schemas.openxmlformats.org/presentationml/2006/main" type="title" preserve="1">
-  <p:cSld name="Diapositiva de título">
+  <p:cSld name="Title Slide">
     <p:spTree>
       <p:nvGrpSpPr>
         <p:cNvPr id="1" name=""/>
@@ -126,13 +167,7 @@
       </p:grpSpPr>
       <p:sp>
         <p:nvSpPr>
-          <p:cNvPr id="2" name="Título 1">
-            <a:extLst>
-              <a:ext uri="{FF2B5EF4-FFF2-40B4-BE49-F238E27FC236}">
-                <a16:creationId xmlns:a16="http://schemas.microsoft.com/office/drawing/2014/main" id="{4702D800-4905-C06C-D821-C8314D1DDDF8}"/>
-              </a:ext>
-            </a:extLst>
-          </p:cNvPr>
+          <p:cNvPr id="2" name="Title 1"/>
           <p:cNvSpPr>
             <a:spLocks noGrp="1"/>
           </p:cNvSpPr>
@@ -142,35 +177,25 @@
         </p:nvSpPr>
         <p:spPr>
           <a:xfrm>
-            <a:off x="1524000" y="1122363"/>
-            <a:ext cx="9144000" cy="2387600"/>
-          </a:xfrm>
-        </p:spPr>
-        <p:txBody>
-          <a:bodyPr anchor="b"/>
-          <a:lstStyle>
-            <a:lvl1pPr algn="ctr">
-              <a:defRPr sz="6000"/>
-            </a:lvl1pPr>
-          </a:lstStyle>
-          <a:p>
-            <a:r>
-              <a:rPr lang="es-ES"/>
-              <a:t>Haga clic para modificar el estilo de título del patrón</a:t>
-            </a:r>
-            <a:endParaRPr lang="es-CL"/>
-          </a:p>
-        </p:txBody>
-      </p:sp>
-      <p:sp>
-        <p:nvSpPr>
-          <p:cNvPr id="3" name="Subtítulo 2">
-            <a:extLst>
-              <a:ext uri="{FF2B5EF4-FFF2-40B4-BE49-F238E27FC236}">
-                <a16:creationId xmlns:a16="http://schemas.microsoft.com/office/drawing/2014/main" id="{785CDF06-E89F-1CF4-7C58-68B8D7CF0F16}"/>
-              </a:ext>
-            </a:extLst>
-          </p:cNvPr>
+            <a:off x="685800" y="2130425"/>
+            <a:ext cx="7772400" cy="1470025"/>
+          </a:xfrm>
+        </p:spPr>
+        <p:txBody>
+          <a:bodyPr/>
+          <a:lstStyle/>
+          <a:p>
+            <a:r>
+              <a:rPr lang="en-US" smtClean="0"/>
+              <a:t>Click to edit Master title style</a:t>
+            </a:r>
+            <a:endParaRPr lang="en-US"/>
+          </a:p>
+        </p:txBody>
+      </p:sp>
+      <p:sp>
+        <p:nvSpPr>
+          <p:cNvPr id="3" name="Subtitle 2"/>
           <p:cNvSpPr>
             <a:spLocks noGrp="1"/>
           </p:cNvSpPr>
@@ -180,8 +205,8 @@
         </p:nvSpPr>
         <p:spPr>
           <a:xfrm>
-            <a:off x="1524000" y="3602038"/>
-            <a:ext cx="9144000" cy="1655762"/>
+            <a:off x="1371600" y="3886200"/>
+            <a:ext cx="6400800" cy="1752600"/>
           </a:xfrm>
         </p:spPr>
         <p:txBody>
@@ -189,59 +214,107 @@
           <a:lstStyle>
             <a:lvl1pPr marL="0" indent="0" algn="ctr">
               <a:buNone/>
-              <a:defRPr sz="2400"/>
+              <a:defRPr>
+                <a:solidFill>
+                  <a:schemeClr val="tx1">
+                    <a:tint val="75000"/>
+                  </a:schemeClr>
+                </a:solidFill>
+              </a:defRPr>
             </a:lvl1pPr>
             <a:lvl2pPr marL="457200" indent="0" algn="ctr">
               <a:buNone/>
-              <a:defRPr sz="2000"/>
+              <a:defRPr>
+                <a:solidFill>
+                  <a:schemeClr val="tx1">
+                    <a:tint val="75000"/>
+                  </a:schemeClr>
+                </a:solidFill>
+              </a:defRPr>
             </a:lvl2pPr>
             <a:lvl3pPr marL="914400" indent="0" algn="ctr">
               <a:buNone/>
-              <a:defRPr sz="1800"/>
+              <a:defRPr>
+                <a:solidFill>
+                  <a:schemeClr val="tx1">
+                    <a:tint val="75000"/>
+                  </a:schemeClr>
+                </a:solidFill>
+              </a:defRPr>
             </a:lvl3pPr>
             <a:lvl4pPr marL="1371600" indent="0" algn="ctr">
               <a:buNone/>
-              <a:defRPr sz="1600"/>
+              <a:defRPr>
+                <a:solidFill>
+                  <a:schemeClr val="tx1">
+                    <a:tint val="75000"/>
+                  </a:schemeClr>
+                </a:solidFill>
+              </a:defRPr>
             </a:lvl4pPr>
             <a:lvl5pPr marL="1828800" indent="0" algn="ctr">
               <a:buNone/>
-              <a:defRPr sz="1600"/>
+              <a:defRPr>
+                <a:solidFill>
+                  <a:schemeClr val="tx1">
+                    <a:tint val="75000"/>
+                  </a:schemeClr>
+                </a:solidFill>
+              </a:defRPr>
             </a:lvl5pPr>
             <a:lvl6pPr marL="2286000" indent="0" algn="ctr">
               <a:buNone/>
-              <a:defRPr sz="1600"/>
+              <a:defRPr>
+                <a:solidFill>
+                  <a:schemeClr val="tx1">
+                    <a:tint val="75000"/>
+                  </a:schemeClr>
+                </a:solidFill>
+              </a:defRPr>
             </a:lvl6pPr>
             <a:lvl7pPr marL="2743200" indent="0" algn="ctr">
               <a:buNone/>
-              <a:defRPr sz="1600"/>
+              <a:defRPr>
+                <a:solidFill>
+                  <a:schemeClr val="tx1">
+                    <a:tint val="75000"/>
+                  </a:schemeClr>
+                </a:solidFill>
+              </a:defRPr>
             </a:lvl7pPr>
             <a:lvl8pPr marL="3200400" indent="0" algn="ctr">
               <a:buNone/>
-              <a:defRPr sz="1600"/>
+              <a:defRPr>
+                <a:solidFill>
+                  <a:schemeClr val="tx1">
+                    <a:tint val="75000"/>
+                  </a:schemeClr>
+                </a:solidFill>
+              </a:defRPr>
             </a:lvl8pPr>
             <a:lvl9pPr marL="3657600" indent="0" algn="ctr">
               <a:buNone/>
-              <a:defRPr sz="1600"/>
+              <a:defRPr>
+                <a:solidFill>
+                  <a:schemeClr val="tx1">
+                    <a:tint val="75000"/>
+                  </a:schemeClr>
+                </a:solidFill>
+              </a:defRPr>
             </a:lvl9pPr>
           </a:lstStyle>
           <a:p>
             <a:r>
-              <a:rPr lang="es-ES"/>
-              <a:t>Haga clic para modificar el estilo de subtítulo del patrón</a:t>
-            </a:r>
-            <a:endParaRPr lang="es-CL"/>
-          </a:p>
-        </p:txBody>
-      </p:sp>
-      <p:sp>
-        <p:nvSpPr>
-          <p:cNvPr id="4" name="Marcador de fecha 3">
-            <a:extLst>
-              <a:ext uri="{FF2B5EF4-FFF2-40B4-BE49-F238E27FC236}">
-                <a16:creationId xmlns:a16="http://schemas.microsoft.com/office/drawing/2014/main" id="{A8E11804-E968-A59D-C45E-FE474557E242}"/>
-              </a:ext>
-            </a:extLst>
-          </p:cNvPr>
+              <a:rPr lang="en-US" smtClean="0"/>
+              <a:t>Click to edit Master subtitle style</a:t>
+            </a:r>
+            <a:endParaRPr lang="en-US"/>
+          </a:p>
+        </p:txBody>
+      </p:sp>
+      <p:sp>
+        <p:nvSpPr>
+          <p:cNvPr id="4" name="Date Placeholder 3"/>
           <p:cNvSpPr>
             <a:spLocks noGrp="1"/>
           </p:cNvSpPr>
@@ -254,23 +327,18 @@
           <a:bodyPr/>
           <a:lstStyle/>
           <a:p>
-            <a:fld id="{7111A234-2D8D-487C-BDF8-9ED2BC553A83}" type="datetimeFigureOut">
-              <a:rPr lang="es-CL" smtClean="0"/>
-              <a:t>25-08-2025</a:t>
+            <a:fld id="{1D8BD707-D9CF-40AE-B4C6-C98DA3205C09}" type="datetimeFigureOut">
+              <a:rPr lang="en-US" smtClean="0"/>
+              <a:pPr/>
+              <a:t>8/1/2011</a:t>
             </a:fld>
-            <a:endParaRPr lang="es-CL"/>
-          </a:p>
-        </p:txBody>
-      </p:sp>
-      <p:sp>
-        <p:nvSpPr>
-          <p:cNvPr id="5" name="Marcador de pie de página 4">
-            <a:extLst>
-              <a:ext uri="{FF2B5EF4-FFF2-40B4-BE49-F238E27FC236}">
-                <a16:creationId xmlns:a16="http://schemas.microsoft.com/office/drawing/2014/main" id="{D4892A2A-646C-0F28-4AB2-77DF6F84767A}"/>
-              </a:ext>
-            </a:extLst>
-          </p:cNvPr>
+            <a:endParaRPr lang="en-US"/>
+          </a:p>
+        </p:txBody>
+      </p:sp>
+      <p:sp>
+        <p:nvSpPr>
+          <p:cNvPr id="5" name="Footer Placeholder 4"/>
           <p:cNvSpPr>
             <a:spLocks noGrp="1"/>
           </p:cNvSpPr>
@@ -283,19 +351,13 @@
           <a:bodyPr/>
           <a:lstStyle/>
           <a:p>
-            <a:endParaRPr lang="es-CL"/>
-          </a:p>
-        </p:txBody>
-      </p:sp>
-      <p:sp>
-        <p:nvSpPr>
-          <p:cNvPr id="6" name="Marcador de número de diapositiva 5">
-            <a:extLst>
-              <a:ext uri="{FF2B5EF4-FFF2-40B4-BE49-F238E27FC236}">
-                <a16:creationId xmlns:a16="http://schemas.microsoft.com/office/drawing/2014/main" id="{F7D1FB1D-5617-BA76-890D-A4112625782D}"/>
-              </a:ext>
-            </a:extLst>
-          </p:cNvPr>
+            <a:endParaRPr lang="en-US"/>
+          </a:p>
+        </p:txBody>
+      </p:sp>
+      <p:sp>
+        <p:nvSpPr>
+          <p:cNvPr id="6" name="Slide Number Placeholder 5"/>
           <p:cNvSpPr>
             <a:spLocks noGrp="1"/>
           </p:cNvSpPr>
@@ -308,20 +370,16 @@
           <a:bodyPr/>
           <a:lstStyle/>
           <a:p>
-            <a:fld id="{CBF1477D-EE20-42E8-8C96-F13A1115F218}" type="slidenum">
-              <a:rPr lang="es-CL" smtClean="0"/>
-              <a:t>‹Nº›</a:t>
+            <a:fld id="{B6F15528-21DE-4FAA-801E-634DDDAF4B2B}" type="slidenum">
+              <a:rPr lang="en-US" smtClean="0"/>
+              <a:pPr/>
+              <a:t>‹#›</a:t>
             </a:fld>
-            <a:endParaRPr lang="es-CL"/>
+            <a:endParaRPr lang="en-US"/>
           </a:p>
         </p:txBody>
       </p:sp>
     </p:spTree>
-    <p:extLst>
-      <p:ext uri="{BB962C8B-B14F-4D97-AF65-F5344CB8AC3E}">
-        <p14:creationId xmlns:p14="http://schemas.microsoft.com/office/powerpoint/2010/main" val="3675574441"/>
-      </p:ext>
-    </p:extLst>
   </p:cSld>
   <p:clrMapOvr>
     <a:masterClrMapping/>
@@ -331,7 +389,7 @@
 
 <file path=ppt/slideLayouts/slideLayout10.xml><?xml version="1.0" encoding="utf-8"?>
 <p:sldLayout xmlns:a="http://schemas.openxmlformats.org/drawingml/2006/main" xmlns:r="http://schemas.openxmlformats.org/officeDocument/2006/relationships" xmlns:p="http://schemas.openxmlformats.org/presentationml/2006/main" type="vertTx" preserve="1">
-  <p:cSld name="Título y texto vertical">
+  <p:cSld name="Title and Vertical Text">
     <p:spTree>
       <p:nvGrpSpPr>
         <p:cNvPr id="1" name=""/>
@@ -348,13 +406,7 @@
       </p:grpSpPr>
       <p:sp>
         <p:nvSpPr>
-          <p:cNvPr id="2" name="Título 1">
-            <a:extLst>
-              <a:ext uri="{FF2B5EF4-FFF2-40B4-BE49-F238E27FC236}">
-                <a16:creationId xmlns:a16="http://schemas.microsoft.com/office/drawing/2014/main" id="{96B9B2E4-8D01-67D8-C596-E4D0E36852A4}"/>
-              </a:ext>
-            </a:extLst>
-          </p:cNvPr>
+          <p:cNvPr id="2" name="Title 1"/>
           <p:cNvSpPr>
             <a:spLocks noGrp="1"/>
           </p:cNvSpPr>
@@ -368,22 +420,16 @@
           <a:lstStyle/>
           <a:p>
             <a:r>
-              <a:rPr lang="es-ES"/>
-              <a:t>Haga clic para modificar el estilo de título del patrón</a:t>
-            </a:r>
-            <a:endParaRPr lang="es-CL"/>
-          </a:p>
-        </p:txBody>
-      </p:sp>
-      <p:sp>
-        <p:nvSpPr>
-          <p:cNvPr id="3" name="Marcador de texto vertical 2">
-            <a:extLst>
-              <a:ext uri="{FF2B5EF4-FFF2-40B4-BE49-F238E27FC236}">
-                <a16:creationId xmlns:a16="http://schemas.microsoft.com/office/drawing/2014/main" id="{7DEEB769-5329-4C67-EF28-0029CAE47C7D}"/>
-              </a:ext>
-            </a:extLst>
-          </p:cNvPr>
+              <a:rPr lang="en-US" smtClean="0"/>
+              <a:t>Click to edit Master title style</a:t>
+            </a:r>
+            <a:endParaRPr lang="en-US"/>
+          </a:p>
+        </p:txBody>
+      </p:sp>
+      <p:sp>
+        <p:nvSpPr>
+          <p:cNvPr id="3" name="Vertical Text Placeholder 2"/>
           <p:cNvSpPr>
             <a:spLocks noGrp="1"/>
           </p:cNvSpPr>
@@ -398,50 +444,44 @@
           <a:p>
             <a:pPr lvl="0"/>
             <a:r>
-              <a:rPr lang="es-ES"/>
-              <a:t>Haga clic para modificar los estilos de texto del patrón</a:t>
+              <a:rPr lang="en-US" smtClean="0"/>
+              <a:t>Click to edit Master text styles</a:t>
             </a:r>
           </a:p>
           <a:p>
             <a:pPr lvl="1"/>
             <a:r>
-              <a:rPr lang="es-ES"/>
-              <a:t>Segundo nivel</a:t>
+              <a:rPr lang="en-US" smtClean="0"/>
+              <a:t>Second level</a:t>
             </a:r>
           </a:p>
           <a:p>
             <a:pPr lvl="2"/>
             <a:r>
-              <a:rPr lang="es-ES"/>
-              <a:t>Tercer nivel</a:t>
+              <a:rPr lang="en-US" smtClean="0"/>
+              <a:t>Third level</a:t>
             </a:r>
           </a:p>
           <a:p>
             <a:pPr lvl="3"/>
             <a:r>
-              <a:rPr lang="es-ES"/>
-              <a:t>Cuarto nivel</a:t>
+              <a:rPr lang="en-US" smtClean="0"/>
+              <a:t>Fourth level</a:t>
             </a:r>
           </a:p>
           <a:p>
             <a:pPr lvl="4"/>
             <a:r>
-              <a:rPr lang="es-ES"/>
-              <a:t>Quinto nivel</a:t>
-            </a:r>
-            <a:endParaRPr lang="es-CL"/>
-          </a:p>
-        </p:txBody>
-      </p:sp>
-      <p:sp>
-        <p:nvSpPr>
-          <p:cNvPr id="4" name="Marcador de fecha 3">
-            <a:extLst>
-              <a:ext uri="{FF2B5EF4-FFF2-40B4-BE49-F238E27FC236}">
-                <a16:creationId xmlns:a16="http://schemas.microsoft.com/office/drawing/2014/main" id="{84CF7AC4-A6FA-2DCD-2DAB-D56E479E4362}"/>
-              </a:ext>
-            </a:extLst>
-          </p:cNvPr>
+              <a:rPr lang="en-US" smtClean="0"/>
+              <a:t>Fifth level</a:t>
+            </a:r>
+            <a:endParaRPr lang="en-US"/>
+          </a:p>
+        </p:txBody>
+      </p:sp>
+      <p:sp>
+        <p:nvSpPr>
+          <p:cNvPr id="4" name="Date Placeholder 3"/>
           <p:cNvSpPr>
             <a:spLocks noGrp="1"/>
           </p:cNvSpPr>
@@ -454,23 +494,18 @@
           <a:bodyPr/>
           <a:lstStyle/>
           <a:p>
-            <a:fld id="{7111A234-2D8D-487C-BDF8-9ED2BC553A83}" type="datetimeFigureOut">
-              <a:rPr lang="es-CL" smtClean="0"/>
-              <a:t>25-08-2025</a:t>
+            <a:fld id="{1D8BD707-D9CF-40AE-B4C6-C98DA3205C09}" type="datetimeFigureOut">
+              <a:rPr lang="en-US" smtClean="0"/>
+              <a:pPr/>
+              <a:t>8/1/2011</a:t>
             </a:fld>
-            <a:endParaRPr lang="es-CL"/>
-          </a:p>
-        </p:txBody>
-      </p:sp>
-      <p:sp>
-        <p:nvSpPr>
-          <p:cNvPr id="5" name="Marcador de pie de página 4">
-            <a:extLst>
-              <a:ext uri="{FF2B5EF4-FFF2-40B4-BE49-F238E27FC236}">
-                <a16:creationId xmlns:a16="http://schemas.microsoft.com/office/drawing/2014/main" id="{353C0EE6-EF97-3A22-DB67-84579FFF9193}"/>
-              </a:ext>
-            </a:extLst>
-          </p:cNvPr>
+            <a:endParaRPr lang="en-US"/>
+          </a:p>
+        </p:txBody>
+      </p:sp>
+      <p:sp>
+        <p:nvSpPr>
+          <p:cNvPr id="5" name="Footer Placeholder 4"/>
           <p:cNvSpPr>
             <a:spLocks noGrp="1"/>
           </p:cNvSpPr>
@@ -483,19 +518,13 @@
           <a:bodyPr/>
           <a:lstStyle/>
           <a:p>
-            <a:endParaRPr lang="es-CL"/>
-          </a:p>
-        </p:txBody>
-      </p:sp>
-      <p:sp>
-        <p:nvSpPr>
-          <p:cNvPr id="6" name="Marcador de número de diapositiva 5">
-            <a:extLst>
-              <a:ext uri="{FF2B5EF4-FFF2-40B4-BE49-F238E27FC236}">
-                <a16:creationId xmlns:a16="http://schemas.microsoft.com/office/drawing/2014/main" id="{A7E2260F-75DB-DA0C-8222-215A3D1F1F1B}"/>
-              </a:ext>
-            </a:extLst>
-          </p:cNvPr>
+            <a:endParaRPr lang="en-US"/>
+          </a:p>
+        </p:txBody>
+      </p:sp>
+      <p:sp>
+        <p:nvSpPr>
+          <p:cNvPr id="6" name="Slide Number Placeholder 5"/>
           <p:cNvSpPr>
             <a:spLocks noGrp="1"/>
           </p:cNvSpPr>
@@ -508,20 +537,16 @@
           <a:bodyPr/>
           <a:lstStyle/>
           <a:p>
-            <a:fld id="{CBF1477D-EE20-42E8-8C96-F13A1115F218}" type="slidenum">
-              <a:rPr lang="es-CL" smtClean="0"/>
-              <a:t>‹Nº›</a:t>
+            <a:fld id="{B6F15528-21DE-4FAA-801E-634DDDAF4B2B}" type="slidenum">
+              <a:rPr lang="en-US" smtClean="0"/>
+              <a:pPr/>
+              <a:t>‹#›</a:t>
             </a:fld>
-            <a:endParaRPr lang="es-CL"/>
+            <a:endParaRPr lang="en-US"/>
           </a:p>
         </p:txBody>
       </p:sp>
     </p:spTree>
-    <p:extLst>
-      <p:ext uri="{BB962C8B-B14F-4D97-AF65-F5344CB8AC3E}">
-        <p14:creationId xmlns:p14="http://schemas.microsoft.com/office/powerpoint/2010/main" val="1290213194"/>
-      </p:ext>
-    </p:extLst>
   </p:cSld>
   <p:clrMapOvr>
     <a:masterClrMapping/>
@@ -531,7 +556,7 @@
 
 <file path=ppt/slideLayouts/slideLayout11.xml><?xml version="1.0" encoding="utf-8"?>
 <p:sldLayout xmlns:a="http://schemas.openxmlformats.org/drawingml/2006/main" xmlns:r="http://schemas.openxmlformats.org/officeDocument/2006/relationships" xmlns:p="http://schemas.openxmlformats.org/presentationml/2006/main" type="vertTitleAndTx" preserve="1">
-  <p:cSld name="Título vertical y texto">
+  <p:cSld name="Vertical Title and Text">
     <p:spTree>
       <p:nvGrpSpPr>
         <p:cNvPr id="1" name=""/>
@@ -548,13 +573,7 @@
       </p:grpSpPr>
       <p:sp>
         <p:nvSpPr>
-          <p:cNvPr id="2" name="Título vertical 1">
-            <a:extLst>
-              <a:ext uri="{FF2B5EF4-FFF2-40B4-BE49-F238E27FC236}">
-                <a16:creationId xmlns:a16="http://schemas.microsoft.com/office/drawing/2014/main" id="{9DF4780E-121E-0CBE-865B-E6AE349AC0A0}"/>
-              </a:ext>
-            </a:extLst>
-          </p:cNvPr>
+          <p:cNvPr id="2" name="Vertical Title 1"/>
           <p:cNvSpPr>
             <a:spLocks noGrp="1"/>
           </p:cNvSpPr>
@@ -564,8 +583,8 @@
         </p:nvSpPr>
         <p:spPr>
           <a:xfrm>
-            <a:off x="8724900" y="365125"/>
-            <a:ext cx="2628900" cy="5811838"/>
+            <a:off x="6629400" y="274638"/>
+            <a:ext cx="2057400" cy="5851525"/>
           </a:xfrm>
         </p:spPr>
         <p:txBody>
@@ -573,22 +592,16 @@
           <a:lstStyle/>
           <a:p>
             <a:r>
-              <a:rPr lang="es-ES"/>
-              <a:t>Haga clic para modificar el estilo de título del patrón</a:t>
-            </a:r>
-            <a:endParaRPr lang="es-CL"/>
-          </a:p>
-        </p:txBody>
-      </p:sp>
-      <p:sp>
-        <p:nvSpPr>
-          <p:cNvPr id="3" name="Marcador de texto vertical 2">
-            <a:extLst>
-              <a:ext uri="{FF2B5EF4-FFF2-40B4-BE49-F238E27FC236}">
-                <a16:creationId xmlns:a16="http://schemas.microsoft.com/office/drawing/2014/main" id="{92F9B6E9-C32D-F2EF-C5E8-0AF8894FF688}"/>
-              </a:ext>
-            </a:extLst>
-          </p:cNvPr>
+              <a:rPr lang="en-US" smtClean="0"/>
+              <a:t>Click to edit Master title style</a:t>
+            </a:r>
+            <a:endParaRPr lang="en-US"/>
+          </a:p>
+        </p:txBody>
+      </p:sp>
+      <p:sp>
+        <p:nvSpPr>
+          <p:cNvPr id="3" name="Vertical Text Placeholder 2"/>
           <p:cNvSpPr>
             <a:spLocks noGrp="1"/>
           </p:cNvSpPr>
@@ -598,8 +611,8 @@
         </p:nvSpPr>
         <p:spPr>
           <a:xfrm>
-            <a:off x="838200" y="365125"/>
-            <a:ext cx="7734300" cy="5811838"/>
+            <a:off x="457200" y="274638"/>
+            <a:ext cx="6019800" cy="5851525"/>
           </a:xfrm>
         </p:spPr>
         <p:txBody>
@@ -608,50 +621,44 @@
           <a:p>
             <a:pPr lvl="0"/>
             <a:r>
-              <a:rPr lang="es-ES"/>
-              <a:t>Haga clic para modificar los estilos de texto del patrón</a:t>
+              <a:rPr lang="en-US" smtClean="0"/>
+              <a:t>Click to edit Master text styles</a:t>
             </a:r>
           </a:p>
           <a:p>
             <a:pPr lvl="1"/>
             <a:r>
-              <a:rPr lang="es-ES"/>
-              <a:t>Segundo nivel</a:t>
+              <a:rPr lang="en-US" smtClean="0"/>
+              <a:t>Second level</a:t>
             </a:r>
           </a:p>
           <a:p>
             <a:pPr lvl="2"/>
             <a:r>
-              <a:rPr lang="es-ES"/>
-              <a:t>Tercer nivel</a:t>
+              <a:rPr lang="en-US" smtClean="0"/>
+              <a:t>Third level</a:t>
             </a:r>
           </a:p>
           <a:p>
             <a:pPr lvl="3"/>
             <a:r>
-              <a:rPr lang="es-ES"/>
-              <a:t>Cuarto nivel</a:t>
+              <a:rPr lang="en-US" smtClean="0"/>
+              <a:t>Fourth level</a:t>
             </a:r>
           </a:p>
           <a:p>
             <a:pPr lvl="4"/>
             <a:r>
-              <a:rPr lang="es-ES"/>
-              <a:t>Quinto nivel</a:t>
-            </a:r>
-            <a:endParaRPr lang="es-CL"/>
-          </a:p>
-        </p:txBody>
-      </p:sp>
-      <p:sp>
-        <p:nvSpPr>
-          <p:cNvPr id="4" name="Marcador de fecha 3">
-            <a:extLst>
-              <a:ext uri="{FF2B5EF4-FFF2-40B4-BE49-F238E27FC236}">
-                <a16:creationId xmlns:a16="http://schemas.microsoft.com/office/drawing/2014/main" id="{0861885F-BC81-3D4A-33A1-F46BD8047556}"/>
-              </a:ext>
-            </a:extLst>
-          </p:cNvPr>
+              <a:rPr lang="en-US" smtClean="0"/>
+              <a:t>Fifth level</a:t>
+            </a:r>
+            <a:endParaRPr lang="en-US"/>
+          </a:p>
+        </p:txBody>
+      </p:sp>
+      <p:sp>
+        <p:nvSpPr>
+          <p:cNvPr id="4" name="Date Placeholder 3"/>
           <p:cNvSpPr>
             <a:spLocks noGrp="1"/>
           </p:cNvSpPr>
@@ -664,23 +671,18 @@
           <a:bodyPr/>
           <a:lstStyle/>
           <a:p>
-            <a:fld id="{7111A234-2D8D-487C-BDF8-9ED2BC553A83}" type="datetimeFigureOut">
-              <a:rPr lang="es-CL" smtClean="0"/>
-              <a:t>25-08-2025</a:t>
+            <a:fld id="{1D8BD707-D9CF-40AE-B4C6-C98DA3205C09}" type="datetimeFigureOut">
+              <a:rPr lang="en-US" smtClean="0"/>
+              <a:pPr/>
+              <a:t>8/1/2011</a:t>
             </a:fld>
-            <a:endParaRPr lang="es-CL"/>
-          </a:p>
-        </p:txBody>
-      </p:sp>
-      <p:sp>
-        <p:nvSpPr>
-          <p:cNvPr id="5" name="Marcador de pie de página 4">
-            <a:extLst>
-              <a:ext uri="{FF2B5EF4-FFF2-40B4-BE49-F238E27FC236}">
-                <a16:creationId xmlns:a16="http://schemas.microsoft.com/office/drawing/2014/main" id="{93557343-06AA-C37A-832E-21BF3289EA96}"/>
-              </a:ext>
-            </a:extLst>
-          </p:cNvPr>
+            <a:endParaRPr lang="en-US"/>
+          </a:p>
+        </p:txBody>
+      </p:sp>
+      <p:sp>
+        <p:nvSpPr>
+          <p:cNvPr id="5" name="Footer Placeholder 4"/>
           <p:cNvSpPr>
             <a:spLocks noGrp="1"/>
           </p:cNvSpPr>
@@ -693,19 +695,13 @@
           <a:bodyPr/>
           <a:lstStyle/>
           <a:p>
-            <a:endParaRPr lang="es-CL"/>
-          </a:p>
-        </p:txBody>
-      </p:sp>
-      <p:sp>
-        <p:nvSpPr>
-          <p:cNvPr id="6" name="Marcador de número de diapositiva 5">
-            <a:extLst>
-              <a:ext uri="{FF2B5EF4-FFF2-40B4-BE49-F238E27FC236}">
-                <a16:creationId xmlns:a16="http://schemas.microsoft.com/office/drawing/2014/main" id="{5D981A61-C392-2BB8-FC6E-D941D84B99AC}"/>
-              </a:ext>
-            </a:extLst>
-          </p:cNvPr>
+            <a:endParaRPr lang="en-US"/>
+          </a:p>
+        </p:txBody>
+      </p:sp>
+      <p:sp>
+        <p:nvSpPr>
+          <p:cNvPr id="6" name="Slide Number Placeholder 5"/>
           <p:cNvSpPr>
             <a:spLocks noGrp="1"/>
           </p:cNvSpPr>
@@ -718,20 +714,16 @@
           <a:bodyPr/>
           <a:lstStyle/>
           <a:p>
-            <a:fld id="{CBF1477D-EE20-42E8-8C96-F13A1115F218}" type="slidenum">
-              <a:rPr lang="es-CL" smtClean="0"/>
-              <a:t>‹Nº›</a:t>
+            <a:fld id="{B6F15528-21DE-4FAA-801E-634DDDAF4B2B}" type="slidenum">
+              <a:rPr lang="en-US" smtClean="0"/>
+              <a:pPr/>
+              <a:t>‹#›</a:t>
             </a:fld>
-            <a:endParaRPr lang="es-CL"/>
+            <a:endParaRPr lang="en-US"/>
           </a:p>
         </p:txBody>
       </p:sp>
     </p:spTree>
-    <p:extLst>
-      <p:ext uri="{BB962C8B-B14F-4D97-AF65-F5344CB8AC3E}">
-        <p14:creationId xmlns:p14="http://schemas.microsoft.com/office/powerpoint/2010/main" val="2879841434"/>
-      </p:ext>
-    </p:extLst>
   </p:cSld>
   <p:clrMapOvr>
     <a:masterClrMapping/>
@@ -741,7 +733,7 @@
 
 <file path=ppt/slideLayouts/slideLayout2.xml><?xml version="1.0" encoding="utf-8"?>
 <p:sldLayout xmlns:a="http://schemas.openxmlformats.org/drawingml/2006/main" xmlns:r="http://schemas.openxmlformats.org/officeDocument/2006/relationships" xmlns:p="http://schemas.openxmlformats.org/presentationml/2006/main" type="obj" preserve="1">
-  <p:cSld name="Título y objetos">
+  <p:cSld name="Title and Content">
     <p:spTree>
       <p:nvGrpSpPr>
         <p:cNvPr id="1" name=""/>
@@ -758,13 +750,7 @@
       </p:grpSpPr>
       <p:sp>
         <p:nvSpPr>
-          <p:cNvPr id="2" name="Título 1">
-            <a:extLst>
-              <a:ext uri="{FF2B5EF4-FFF2-40B4-BE49-F238E27FC236}">
-                <a16:creationId xmlns:a16="http://schemas.microsoft.com/office/drawing/2014/main" id="{4EFB8545-FEA5-D14D-8951-8610DEF65853}"/>
-              </a:ext>
-            </a:extLst>
-          </p:cNvPr>
+          <p:cNvPr id="2" name="Title 1"/>
           <p:cNvSpPr>
             <a:spLocks noGrp="1"/>
           </p:cNvSpPr>
@@ -778,22 +764,16 @@
           <a:lstStyle/>
           <a:p>
             <a:r>
-              <a:rPr lang="es-ES"/>
-              <a:t>Haga clic para modificar el estilo de título del patrón</a:t>
-            </a:r>
-            <a:endParaRPr lang="es-CL"/>
-          </a:p>
-        </p:txBody>
-      </p:sp>
-      <p:sp>
-        <p:nvSpPr>
-          <p:cNvPr id="3" name="Marcador de contenido 2">
-            <a:extLst>
-              <a:ext uri="{FF2B5EF4-FFF2-40B4-BE49-F238E27FC236}">
-                <a16:creationId xmlns:a16="http://schemas.microsoft.com/office/drawing/2014/main" id="{80DC77C4-1D96-699D-78F5-76D92A69498E}"/>
-              </a:ext>
-            </a:extLst>
-          </p:cNvPr>
+              <a:rPr lang="en-US" smtClean="0"/>
+              <a:t>Click to edit Master title style</a:t>
+            </a:r>
+            <a:endParaRPr lang="en-US"/>
+          </a:p>
+        </p:txBody>
+      </p:sp>
+      <p:sp>
+        <p:nvSpPr>
+          <p:cNvPr id="3" name="Content Placeholder 2"/>
           <p:cNvSpPr>
             <a:spLocks noGrp="1"/>
           </p:cNvSpPr>
@@ -808,50 +788,44 @@
           <a:p>
             <a:pPr lvl="0"/>
             <a:r>
-              <a:rPr lang="es-ES"/>
-              <a:t>Haga clic para modificar los estilos de texto del patrón</a:t>
+              <a:rPr lang="en-US" smtClean="0"/>
+              <a:t>Click to edit Master text styles</a:t>
             </a:r>
           </a:p>
           <a:p>
             <a:pPr lvl="1"/>
             <a:r>
-              <a:rPr lang="es-ES"/>
-              <a:t>Segundo nivel</a:t>
+              <a:rPr lang="en-US" smtClean="0"/>
+              <a:t>Second level</a:t>
             </a:r>
           </a:p>
           <a:p>
             <a:pPr lvl="2"/>
             <a:r>
-              <a:rPr lang="es-ES"/>
-              <a:t>Tercer nivel</a:t>
+              <a:rPr lang="en-US" smtClean="0"/>
+              <a:t>Third level</a:t>
             </a:r>
           </a:p>
           <a:p>
             <a:pPr lvl="3"/>
             <a:r>
-              <a:rPr lang="es-ES"/>
-              <a:t>Cuarto nivel</a:t>
+              <a:rPr lang="en-US" smtClean="0"/>
+              <a:t>Fourth level</a:t>
             </a:r>
           </a:p>
           <a:p>
             <a:pPr lvl="4"/>
             <a:r>
-              <a:rPr lang="es-ES"/>
-              <a:t>Quinto nivel</a:t>
-            </a:r>
-            <a:endParaRPr lang="es-CL"/>
-          </a:p>
-        </p:txBody>
-      </p:sp>
-      <p:sp>
-        <p:nvSpPr>
-          <p:cNvPr id="4" name="Marcador de fecha 3">
-            <a:extLst>
-              <a:ext uri="{FF2B5EF4-FFF2-40B4-BE49-F238E27FC236}">
-                <a16:creationId xmlns:a16="http://schemas.microsoft.com/office/drawing/2014/main" id="{D9E68B12-B701-B0C3-87DE-E96E68CFD419}"/>
-              </a:ext>
-            </a:extLst>
-          </p:cNvPr>
+              <a:rPr lang="en-US" smtClean="0"/>
+              <a:t>Fifth level</a:t>
+            </a:r>
+            <a:endParaRPr lang="en-US"/>
+          </a:p>
+        </p:txBody>
+      </p:sp>
+      <p:sp>
+        <p:nvSpPr>
+          <p:cNvPr id="4" name="Date Placeholder 3"/>
           <p:cNvSpPr>
             <a:spLocks noGrp="1"/>
           </p:cNvSpPr>
@@ -864,23 +838,18 @@
           <a:bodyPr/>
           <a:lstStyle/>
           <a:p>
-            <a:fld id="{7111A234-2D8D-487C-BDF8-9ED2BC553A83}" type="datetimeFigureOut">
-              <a:rPr lang="es-CL" smtClean="0"/>
-              <a:t>25-08-2025</a:t>
+            <a:fld id="{1D8BD707-D9CF-40AE-B4C6-C98DA3205C09}" type="datetimeFigureOut">
+              <a:rPr lang="en-US" smtClean="0"/>
+              <a:pPr/>
+              <a:t>8/1/2011</a:t>
             </a:fld>
-            <a:endParaRPr lang="es-CL"/>
-          </a:p>
-        </p:txBody>
-      </p:sp>
-      <p:sp>
-        <p:nvSpPr>
-          <p:cNvPr id="5" name="Marcador de pie de página 4">
-            <a:extLst>
-              <a:ext uri="{FF2B5EF4-FFF2-40B4-BE49-F238E27FC236}">
-                <a16:creationId xmlns:a16="http://schemas.microsoft.com/office/drawing/2014/main" id="{3797D886-C357-33A8-54FB-AB27456F02AF}"/>
-              </a:ext>
-            </a:extLst>
-          </p:cNvPr>
+            <a:endParaRPr lang="en-US"/>
+          </a:p>
+        </p:txBody>
+      </p:sp>
+      <p:sp>
+        <p:nvSpPr>
+          <p:cNvPr id="5" name="Footer Placeholder 4"/>
           <p:cNvSpPr>
             <a:spLocks noGrp="1"/>
           </p:cNvSpPr>
@@ -893,19 +862,13 @@
           <a:bodyPr/>
           <a:lstStyle/>
           <a:p>
-            <a:endParaRPr lang="es-CL"/>
-          </a:p>
-        </p:txBody>
-      </p:sp>
-      <p:sp>
-        <p:nvSpPr>
-          <p:cNvPr id="6" name="Marcador de número de diapositiva 5">
-            <a:extLst>
-              <a:ext uri="{FF2B5EF4-FFF2-40B4-BE49-F238E27FC236}">
-                <a16:creationId xmlns:a16="http://schemas.microsoft.com/office/drawing/2014/main" id="{73AAD364-336D-E13B-ACA8-C96902DEC374}"/>
-              </a:ext>
-            </a:extLst>
-          </p:cNvPr>
+            <a:endParaRPr lang="en-US"/>
+          </a:p>
+        </p:txBody>
+      </p:sp>
+      <p:sp>
+        <p:nvSpPr>
+          <p:cNvPr id="6" name="Slide Number Placeholder 5"/>
           <p:cNvSpPr>
             <a:spLocks noGrp="1"/>
           </p:cNvSpPr>
@@ -918,20 +881,16 @@
           <a:bodyPr/>
           <a:lstStyle/>
           <a:p>
-            <a:fld id="{CBF1477D-EE20-42E8-8C96-F13A1115F218}" type="slidenum">
-              <a:rPr lang="es-CL" smtClean="0"/>
-              <a:t>‹Nº›</a:t>
+            <a:fld id="{B6F15528-21DE-4FAA-801E-634DDDAF4B2B}" type="slidenum">
+              <a:rPr lang="en-US" smtClean="0"/>
+              <a:pPr/>
+              <a:t>‹#›</a:t>
             </a:fld>
-            <a:endParaRPr lang="es-CL"/>
+            <a:endParaRPr lang="en-US"/>
           </a:p>
         </p:txBody>
       </p:sp>
     </p:spTree>
-    <p:extLst>
-      <p:ext uri="{BB962C8B-B14F-4D97-AF65-F5344CB8AC3E}">
-        <p14:creationId xmlns:p14="http://schemas.microsoft.com/office/powerpoint/2010/main" val="1027101056"/>
-      </p:ext>
-    </p:extLst>
   </p:cSld>
   <p:clrMapOvr>
     <a:masterClrMapping/>
@@ -941,7 +900,7 @@
 
 <file path=ppt/slideLayouts/slideLayout3.xml><?xml version="1.0" encoding="utf-8"?>
 <p:sldLayout xmlns:a="http://schemas.openxmlformats.org/drawingml/2006/main" xmlns:r="http://schemas.openxmlformats.org/officeDocument/2006/relationships" xmlns:p="http://schemas.openxmlformats.org/presentationml/2006/main" type="secHead" preserve="1">
-  <p:cSld name="Encabezado de sección">
+  <p:cSld name="Section Header">
     <p:spTree>
       <p:nvGrpSpPr>
         <p:cNvPr id="1" name=""/>
@@ -958,13 +917,7 @@
       </p:grpSpPr>
       <p:sp>
         <p:nvSpPr>
-          <p:cNvPr id="2" name="Título 1">
-            <a:extLst>
-              <a:ext uri="{FF2B5EF4-FFF2-40B4-BE49-F238E27FC236}">
-                <a16:creationId xmlns:a16="http://schemas.microsoft.com/office/drawing/2014/main" id="{7484C3E3-934C-605B-F640-74918B443525}"/>
-              </a:ext>
-            </a:extLst>
-          </p:cNvPr>
+          <p:cNvPr id="2" name="Title 1"/>
           <p:cNvSpPr>
             <a:spLocks noGrp="1"/>
           </p:cNvSpPr>
@@ -974,35 +927,29 @@
         </p:nvSpPr>
         <p:spPr>
           <a:xfrm>
-            <a:off x="831850" y="1709738"/>
-            <a:ext cx="10515600" cy="2852737"/>
-          </a:xfrm>
-        </p:spPr>
-        <p:txBody>
-          <a:bodyPr anchor="b"/>
+            <a:off x="722313" y="4406900"/>
+            <a:ext cx="7772400" cy="1362075"/>
+          </a:xfrm>
+        </p:spPr>
+        <p:txBody>
+          <a:bodyPr anchor="t"/>
           <a:lstStyle>
-            <a:lvl1pPr>
-              <a:defRPr sz="6000"/>
+            <a:lvl1pPr algn="l">
+              <a:defRPr sz="4000" b="1" cap="all"/>
             </a:lvl1pPr>
           </a:lstStyle>
           <a:p>
             <a:r>
-              <a:rPr lang="es-ES"/>
-              <a:t>Haga clic para modificar el estilo de título del patrón</a:t>
-            </a:r>
-            <a:endParaRPr lang="es-CL"/>
-          </a:p>
-        </p:txBody>
-      </p:sp>
-      <p:sp>
-        <p:nvSpPr>
-          <p:cNvPr id="3" name="Marcador de texto 2">
-            <a:extLst>
-              <a:ext uri="{FF2B5EF4-FFF2-40B4-BE49-F238E27FC236}">
-                <a16:creationId xmlns:a16="http://schemas.microsoft.com/office/drawing/2014/main" id="{BEE5D79C-0113-3C14-7999-D436631A753F}"/>
-              </a:ext>
-            </a:extLst>
-          </p:cNvPr>
+              <a:rPr lang="en-US" smtClean="0"/>
+              <a:t>Click to edit Master title style</a:t>
+            </a:r>
+            <a:endParaRPr lang="en-US"/>
+          </a:p>
+        </p:txBody>
+      </p:sp>
+      <p:sp>
+        <p:nvSpPr>
+          <p:cNvPr id="3" name="Text Placeholder 2"/>
           <p:cNvSpPr>
             <a:spLocks noGrp="1"/>
           </p:cNvSpPr>
@@ -1012,99 +959,99 @@
         </p:nvSpPr>
         <p:spPr>
           <a:xfrm>
-            <a:off x="831850" y="4589463"/>
-            <a:ext cx="10515600" cy="1500187"/>
-          </a:xfrm>
-        </p:spPr>
-        <p:txBody>
-          <a:bodyPr/>
+            <a:off x="722313" y="2906713"/>
+            <a:ext cx="7772400" cy="1500187"/>
+          </a:xfrm>
+        </p:spPr>
+        <p:txBody>
+          <a:bodyPr anchor="b"/>
           <a:lstStyle>
             <a:lvl1pPr marL="0" indent="0">
               <a:buNone/>
-              <a:defRPr sz="2400">
+              <a:defRPr sz="2000">
                 <a:solidFill>
                   <a:schemeClr val="tx1">
-                    <a:tint val="82000"/>
+                    <a:tint val="75000"/>
                   </a:schemeClr>
                 </a:solidFill>
               </a:defRPr>
             </a:lvl1pPr>
             <a:lvl2pPr marL="457200" indent="0">
               <a:buNone/>
-              <a:defRPr sz="2000">
+              <a:defRPr sz="1800">
                 <a:solidFill>
                   <a:schemeClr val="tx1">
-                    <a:tint val="82000"/>
+                    <a:tint val="75000"/>
                   </a:schemeClr>
                 </a:solidFill>
               </a:defRPr>
             </a:lvl2pPr>
             <a:lvl3pPr marL="914400" indent="0">
               <a:buNone/>
-              <a:defRPr sz="1800">
+              <a:defRPr sz="1600">
                 <a:solidFill>
                   <a:schemeClr val="tx1">
-                    <a:tint val="82000"/>
+                    <a:tint val="75000"/>
                   </a:schemeClr>
                 </a:solidFill>
               </a:defRPr>
             </a:lvl3pPr>
             <a:lvl4pPr marL="1371600" indent="0">
               <a:buNone/>
-              <a:defRPr sz="1600">
+              <a:defRPr sz="1400">
                 <a:solidFill>
                   <a:schemeClr val="tx1">
-                    <a:tint val="82000"/>
+                    <a:tint val="75000"/>
                   </a:schemeClr>
                 </a:solidFill>
               </a:defRPr>
             </a:lvl4pPr>
             <a:lvl5pPr marL="1828800" indent="0">
               <a:buNone/>
-              <a:defRPr sz="1600">
+              <a:defRPr sz="1400">
                 <a:solidFill>
                   <a:schemeClr val="tx1">
-                    <a:tint val="82000"/>
+                    <a:tint val="75000"/>
                   </a:schemeClr>
                 </a:solidFill>
               </a:defRPr>
             </a:lvl5pPr>
             <a:lvl6pPr marL="2286000" indent="0">
               <a:buNone/>
-              <a:defRPr sz="1600">
+              <a:defRPr sz="1400">
                 <a:solidFill>
                   <a:schemeClr val="tx1">
-                    <a:tint val="82000"/>
+                    <a:tint val="75000"/>
                   </a:schemeClr>
                 </a:solidFill>
               </a:defRPr>
             </a:lvl6pPr>
             <a:lvl7pPr marL="2743200" indent="0">
               <a:buNone/>
-              <a:defRPr sz="1600">
+              <a:defRPr sz="1400">
                 <a:solidFill>
                   <a:schemeClr val="tx1">
-                    <a:tint val="82000"/>
+                    <a:tint val="75000"/>
                   </a:schemeClr>
                 </a:solidFill>
               </a:defRPr>
             </a:lvl7pPr>
             <a:lvl8pPr marL="3200400" indent="0">
               <a:buNone/>
-              <a:defRPr sz="1600">
+              <a:defRPr sz="1400">
                 <a:solidFill>
                   <a:schemeClr val="tx1">
-                    <a:tint val="82000"/>
+                    <a:tint val="75000"/>
                   </a:schemeClr>
                 </a:solidFill>
               </a:defRPr>
             </a:lvl8pPr>
             <a:lvl9pPr marL="3657600" indent="0">
               <a:buNone/>
-              <a:defRPr sz="1600">
+              <a:defRPr sz="1400">
                 <a:solidFill>
                   <a:schemeClr val="tx1">
-                    <a:tint val="82000"/>
+                    <a:tint val="75000"/>
                   </a:schemeClr>
                 </a:solidFill>
               </a:defRPr>
@@ -1113,21 +1060,15 @@
           <a:p>
             <a:pPr lvl="0"/>
             <a:r>
-              <a:rPr lang="es-ES"/>
-              <a:t>Haga clic para modificar los estilos de texto del patrón</a:t>
-            </a:r>
-          </a:p>
-        </p:txBody>
-      </p:sp>
-      <p:sp>
-        <p:nvSpPr>
-          <p:cNvPr id="4" name="Marcador de fecha 3">
-            <a:extLst>
-              <a:ext uri="{FF2B5EF4-FFF2-40B4-BE49-F238E27FC236}">
-                <a16:creationId xmlns:a16="http://schemas.microsoft.com/office/drawing/2014/main" id="{4D0D4DD2-D2BC-1EC2-85A8-C370C8873C81}"/>
-              </a:ext>
-            </a:extLst>
-          </p:cNvPr>
+              <a:rPr lang="en-US" smtClean="0"/>
+              <a:t>Click to edit Master text styles</a:t>
+            </a:r>
+          </a:p>
+        </p:txBody>
+      </p:sp>
+      <p:sp>
+        <p:nvSpPr>
+          <p:cNvPr id="4" name="Date Placeholder 3"/>
           <p:cNvSpPr>
             <a:spLocks noGrp="1"/>
           </p:cNvSpPr>
@@ -1140,23 +1081,18 @@
           <a:bodyPr/>
           <a:lstStyle/>
           <a:p>
-            <a:fld id="{7111A234-2D8D-487C-BDF8-9ED2BC553A83}" type="datetimeFigureOut">
-              <a:rPr lang="es-CL" smtClean="0"/>
-              <a:t>25-08-2025</a:t>
+            <a:fld id="{1D8BD707-D9CF-40AE-B4C6-C98DA3205C09}" type="datetimeFigureOut">
+              <a:rPr lang="en-US" smtClean="0"/>
+              <a:pPr/>
+              <a:t>8/1/2011</a:t>
             </a:fld>
-            <a:endParaRPr lang="es-CL"/>
-          </a:p>
-        </p:txBody>
-      </p:sp>
-      <p:sp>
-        <p:nvSpPr>
-          <p:cNvPr id="5" name="Marcador de pie de página 4">
-            <a:extLst>
-              <a:ext uri="{FF2B5EF4-FFF2-40B4-BE49-F238E27FC236}">
-                <a16:creationId xmlns:a16="http://schemas.microsoft.com/office/drawing/2014/main" id="{718C0147-67A3-27FF-DCB5-FCA07C95CD06}"/>
-              </a:ext>
-            </a:extLst>
-          </p:cNvPr>
+            <a:endParaRPr lang="en-US"/>
+          </a:p>
+        </p:txBody>
+      </p:sp>
+      <p:sp>
+        <p:nvSpPr>
+          <p:cNvPr id="5" name="Footer Placeholder 4"/>
           <p:cNvSpPr>
             <a:spLocks noGrp="1"/>
           </p:cNvSpPr>
@@ -1169,19 +1105,13 @@
           <a:bodyPr/>
           <a:lstStyle/>
           <a:p>
-            <a:endParaRPr lang="es-CL"/>
-          </a:p>
-        </p:txBody>
-      </p:sp>
-      <p:sp>
-        <p:nvSpPr>
-          <p:cNvPr id="6" name="Marcador de número de diapositiva 5">
-            <a:extLst>
-              <a:ext uri="{FF2B5EF4-FFF2-40B4-BE49-F238E27FC236}">
-                <a16:creationId xmlns:a16="http://schemas.microsoft.com/office/drawing/2014/main" id="{223B1AD1-5C3F-64DD-74F3-3D9676080097}"/>
-              </a:ext>
-            </a:extLst>
-          </p:cNvPr>
+            <a:endParaRPr lang="en-US"/>
+          </a:p>
+        </p:txBody>
+      </p:sp>
+      <p:sp>
+        <p:nvSpPr>
+          <p:cNvPr id="6" name="Slide Number Placeholder 5"/>
           <p:cNvSpPr>
             <a:spLocks noGrp="1"/>
           </p:cNvSpPr>
@@ -1194,20 +1124,16 @@
           <a:bodyPr/>
           <a:lstStyle/>
           <a:p>
-            <a:fld id="{CBF1477D-EE20-42E8-8C96-F13A1115F218}" type="slidenum">
-              <a:rPr lang="es-CL" smtClean="0"/>
-              <a:t>‹Nº›</a:t>
+            <a:fld id="{B6F15528-21DE-4FAA-801E-634DDDAF4B2B}" type="slidenum">
+              <a:rPr lang="en-US" smtClean="0"/>
+              <a:pPr/>
+              <a:t>‹#›</a:t>
             </a:fld>
-            <a:endParaRPr lang="es-CL"/>
+            <a:endParaRPr lang="en-US"/>
           </a:p>
         </p:txBody>
       </p:sp>
     </p:spTree>
-    <p:extLst>
-      <p:ext uri="{BB962C8B-B14F-4D97-AF65-F5344CB8AC3E}">
-        <p14:creationId xmlns:p14="http://schemas.microsoft.com/office/powerpoint/2010/main" val="949225806"/>
-      </p:ext>
-    </p:extLst>
   </p:cSld>
   <p:clrMapOvr>
     <a:masterClrMapping/>
@@ -1217,7 +1143,7 @@
 
 <file path=ppt/slideLayouts/slideLayout4.xml><?xml version="1.0" encoding="utf-8"?>
 <p:sldLayout xmlns:a="http://schemas.openxmlformats.org/drawingml/2006/main" xmlns:r="http://schemas.openxmlformats.org/officeDocument/2006/relationships" xmlns:p="http://schemas.openxmlformats.org/presentationml/2006/main" type="twoObj" preserve="1">
-  <p:cSld name="Dos objetos">
+  <p:cSld name="Two Content">
     <p:spTree>
       <p:nvGrpSpPr>
         <p:cNvPr id="1" name=""/>
@@ -1234,13 +1160,7 @@
       </p:grpSpPr>
       <p:sp>
         <p:nvSpPr>
-          <p:cNvPr id="2" name="Título 1">
-            <a:extLst>
-              <a:ext uri="{FF2B5EF4-FFF2-40B4-BE49-F238E27FC236}">
-                <a16:creationId xmlns:a16="http://schemas.microsoft.com/office/drawing/2014/main" id="{F2451ED7-8D79-3809-299C-044EF9C331AD}"/>
-              </a:ext>
-            </a:extLst>
-          </p:cNvPr>
+          <p:cNvPr id="2" name="Title 1"/>
           <p:cNvSpPr>
             <a:spLocks noGrp="1"/>
           </p:cNvSpPr>
@@ -1254,22 +1174,16 @@
           <a:lstStyle/>
           <a:p>
             <a:r>
-              <a:rPr lang="es-ES"/>
-              <a:t>Haga clic para modificar el estilo de título del patrón</a:t>
-            </a:r>
-            <a:endParaRPr lang="es-CL"/>
-          </a:p>
-        </p:txBody>
-      </p:sp>
-      <p:sp>
-        <p:nvSpPr>
-          <p:cNvPr id="3" name="Marcador de contenido 2">
-            <a:extLst>
-              <a:ext uri="{FF2B5EF4-FFF2-40B4-BE49-F238E27FC236}">
-                <a16:creationId xmlns:a16="http://schemas.microsoft.com/office/drawing/2014/main" id="{8D71FE44-C786-3528-C3C9-CF574895C63F}"/>
-              </a:ext>
-            </a:extLst>
-          </p:cNvPr>
+              <a:rPr lang="en-US" smtClean="0"/>
+              <a:t>Click to edit Master title style</a:t>
+            </a:r>
+            <a:endParaRPr lang="en-US"/>
+          </a:p>
+        </p:txBody>
+      </p:sp>
+      <p:sp>
+        <p:nvSpPr>
+          <p:cNvPr id="3" name="Content Placeholder 2"/>
           <p:cNvSpPr>
             <a:spLocks noGrp="1"/>
           </p:cNvSpPr>
@@ -1279,60 +1193,82 @@
         </p:nvSpPr>
         <p:spPr>
           <a:xfrm>
-            <a:off x="838200" y="1825625"/>
-            <a:ext cx="5181600" cy="4351338"/>
+            <a:off x="457200" y="1600200"/>
+            <a:ext cx="4038600" cy="4525963"/>
           </a:xfrm>
         </p:spPr>
         <p:txBody>
           <a:bodyPr/>
-          <a:lstStyle/>
+          <a:lstStyle>
+            <a:lvl1pPr>
+              <a:defRPr sz="2800"/>
+            </a:lvl1pPr>
+            <a:lvl2pPr>
+              <a:defRPr sz="2400"/>
+            </a:lvl2pPr>
+            <a:lvl3pPr>
+              <a:defRPr sz="2000"/>
+            </a:lvl3pPr>
+            <a:lvl4pPr>
+              <a:defRPr sz="1800"/>
+            </a:lvl4pPr>
+            <a:lvl5pPr>
+              <a:defRPr sz="1800"/>
+            </a:lvl5pPr>
+            <a:lvl6pPr>
+              <a:defRPr sz="1800"/>
+            </a:lvl6pPr>
+            <a:lvl7pPr>
+              <a:defRPr sz="1800"/>
+            </a:lvl7pPr>
+            <a:lvl8pPr>
+              <a:defRPr sz="1800"/>
+            </a:lvl8pPr>
+            <a:lvl9pPr>
+              <a:defRPr sz="1800"/>
+            </a:lvl9pPr>
+          </a:lstStyle>
           <a:p>
             <a:pPr lvl="0"/>
             <a:r>
-              <a:rPr lang="es-ES"/>
-              <a:t>Haga clic para modificar los estilos de texto del patrón</a:t>
+              <a:rPr lang="en-US" smtClean="0"/>
+              <a:t>Click to edit Master text styles</a:t>
             </a:r>
           </a:p>
           <a:p>
             <a:pPr lvl="1"/>
             <a:r>
-              <a:rPr lang="es-ES"/>
-              <a:t>Segundo nivel</a:t>
+              <a:rPr lang="en-US" smtClean="0"/>
+              <a:t>Second level</a:t>
             </a:r>
           </a:p>
           <a:p>
             <a:pPr lvl="2"/>
             <a:r>
-              <a:rPr lang="es-ES"/>
-              <a:t>Tercer nivel</a:t>
+              <a:rPr lang="en-US" smtClean="0"/>
+              <a:t>Third level</a:t>
             </a:r>
           </a:p>
           <a:p>
             <a:pPr lvl="3"/>
             <a:r>
-              <a:rPr lang="es-ES"/>
-              <a:t>Cuarto nivel</a:t>
+              <a:rPr lang="en-US" smtClean="0"/>
+              <a:t>Fourth level</a:t>
             </a:r>
           </a:p>
           <a:p>
             <a:pPr lvl="4"/>
             <a:r>
-              <a:rPr lang="es-ES"/>
-              <a:t>Quinto nivel</a:t>
-            </a:r>
-            <a:endParaRPr lang="es-CL"/>
-          </a:p>
-        </p:txBody>
-      </p:sp>
-      <p:sp>
-        <p:nvSpPr>
-          <p:cNvPr id="4" name="Marcador de contenido 3">
-            <a:extLst>
-              <a:ext uri="{FF2B5EF4-FFF2-40B4-BE49-F238E27FC236}">
-                <a16:creationId xmlns:a16="http://schemas.microsoft.com/office/drawing/2014/main" id="{9FE002CD-8410-B2E6-55F1-D855640038F6}"/>
-              </a:ext>
-            </a:extLst>
-          </p:cNvPr>
+              <a:rPr lang="en-US" smtClean="0"/>
+              <a:t>Fifth level</a:t>
+            </a:r>
+            <a:endParaRPr lang="en-US"/>
+          </a:p>
+        </p:txBody>
+      </p:sp>
+      <p:sp>
+        <p:nvSpPr>
+          <p:cNvPr id="4" name="Content Placeholder 3"/>
           <p:cNvSpPr>
             <a:spLocks noGrp="1"/>
           </p:cNvSpPr>
@@ -1342,60 +1278,82 @@
         </p:nvSpPr>
         <p:spPr>
           <a:xfrm>
-            <a:off x="6172200" y="1825625"/>
-            <a:ext cx="5181600" cy="4351338"/>
+            <a:off x="4648200" y="1600200"/>
+            <a:ext cx="4038600" cy="4525963"/>
           </a:xfrm>
         </p:spPr>
         <p:txBody>
           <a:bodyPr/>
-          <a:lstStyle/>
+          <a:lstStyle>
+            <a:lvl1pPr>
+              <a:defRPr sz="2800"/>
+            </a:lvl1pPr>
+            <a:lvl2pPr>
+              <a:defRPr sz="2400"/>
+            </a:lvl2pPr>
+            <a:lvl3pPr>
+              <a:defRPr sz="2000"/>
+            </a:lvl3pPr>
+            <a:lvl4pPr>
+              <a:defRPr sz="1800"/>
+            </a:lvl4pPr>
+            <a:lvl5pPr>
+              <a:defRPr sz="1800"/>
+            </a:lvl5pPr>
+            <a:lvl6pPr>
+              <a:defRPr sz="1800"/>
+            </a:lvl6pPr>
+            <a:lvl7pPr>
+              <a:defRPr sz="1800"/>
+            </a:lvl7pPr>
+            <a:lvl8pPr>
+              <a:defRPr sz="1800"/>
+            </a:lvl8pPr>
+            <a:lvl9pPr>
+              <a:defRPr sz="1800"/>
+            </a:lvl9pPr>
+          </a:lstStyle>
           <a:p>
             <a:pPr lvl="0"/>
             <a:r>
-              <a:rPr lang="es-ES"/>
-              <a:t>Haga clic para modificar los estilos de texto del patrón</a:t>
+              <a:rPr lang="en-US" smtClean="0"/>
+              <a:t>Click to edit Master text styles</a:t>
             </a:r>
           </a:p>
           <a:p>
             <a:pPr lvl="1"/>
             <a:r>
-              <a:rPr lang="es-ES"/>
-              <a:t>Segundo nivel</a:t>
+              <a:rPr lang="en-US" smtClean="0"/>
+              <a:t>Second level</a:t>
             </a:r>
           </a:p>
           <a:p>
             <a:pPr lvl="2"/>
             <a:r>
-              <a:rPr lang="es-ES"/>
-              <a:t>Tercer nivel</a:t>
+              <a:rPr lang="en-US" smtClean="0"/>
+              <a:t>Third level</a:t>
             </a:r>
           </a:p>
           <a:p>
             <a:pPr lvl="3"/>
             <a:r>
-              <a:rPr lang="es-ES"/>
-              <a:t>Cuarto nivel</a:t>
+              <a:rPr lang="en-US" smtClean="0"/>
+              <a:t>Fourth level</a:t>
             </a:r>
           </a:p>
           <a:p>
             <a:pPr lvl="4"/>
             <a:r>
-              <a:rPr lang="es-ES"/>
-              <a:t>Quinto nivel</a:t>
-            </a:r>
-            <a:endParaRPr lang="es-CL"/>
-          </a:p>
-        </p:txBody>
-      </p:sp>
-      <p:sp>
-        <p:nvSpPr>
-          <p:cNvPr id="5" name="Marcador de fecha 4">
-            <a:extLst>
-              <a:ext uri="{FF2B5EF4-FFF2-40B4-BE49-F238E27FC236}">
-                <a16:creationId xmlns:a16="http://schemas.microsoft.com/office/drawing/2014/main" id="{442B0DF1-B3E4-BBB5-6F10-37CE176E2B88}"/>
-              </a:ext>
-            </a:extLst>
-          </p:cNvPr>
+              <a:rPr lang="en-US" smtClean="0"/>
+              <a:t>Fifth level</a:t>
+            </a:r>
+            <a:endParaRPr lang="en-US"/>
+          </a:p>
+        </p:txBody>
+      </p:sp>
+      <p:sp>
+        <p:nvSpPr>
+          <p:cNvPr id="5" name="Date Placeholder 4"/>
           <p:cNvSpPr>
             <a:spLocks noGrp="1"/>
           </p:cNvSpPr>
@@ -1408,23 +1366,18 @@
           <a:bodyPr/>
           <a:lstStyle/>
           <a:p>
-            <a:fld id="{7111A234-2D8D-487C-BDF8-9ED2BC553A83}" type="datetimeFigureOut">
-              <a:rPr lang="es-CL" smtClean="0"/>
-              <a:t>25-08-2025</a:t>
+            <a:fld id="{1D8BD707-D9CF-40AE-B4C6-C98DA3205C09}" type="datetimeFigureOut">
+              <a:rPr lang="en-US" smtClean="0"/>
+              <a:pPr/>
+              <a:t>8/1/2011</a:t>
             </a:fld>
-            <a:endParaRPr lang="es-CL"/>
-          </a:p>
-        </p:txBody>
-      </p:sp>
-      <p:sp>
-        <p:nvSpPr>
-          <p:cNvPr id="6" name="Marcador de pie de página 5">
-            <a:extLst>
-              <a:ext uri="{FF2B5EF4-FFF2-40B4-BE49-F238E27FC236}">
-                <a16:creationId xmlns:a16="http://schemas.microsoft.com/office/drawing/2014/main" id="{F87F12F2-387D-C623-8961-736E992C52C4}"/>
-              </a:ext>
-            </a:extLst>
-          </p:cNvPr>
+            <a:endParaRPr lang="en-US"/>
+          </a:p>
+        </p:txBody>
+      </p:sp>
+      <p:sp>
+        <p:nvSpPr>
+          <p:cNvPr id="6" name="Footer Placeholder 5"/>
           <p:cNvSpPr>
             <a:spLocks noGrp="1"/>
           </p:cNvSpPr>
@@ -1437,19 +1390,13 @@
           <a:bodyPr/>
           <a:lstStyle/>
           <a:p>
-            <a:endParaRPr lang="es-CL"/>
-          </a:p>
-        </p:txBody>
-      </p:sp>
-      <p:sp>
-        <p:nvSpPr>
-          <p:cNvPr id="7" name="Marcador de número de diapositiva 6">
-            <a:extLst>
-              <a:ext uri="{FF2B5EF4-FFF2-40B4-BE49-F238E27FC236}">
-                <a16:creationId xmlns:a16="http://schemas.microsoft.com/office/drawing/2014/main" id="{B21C2531-B0D9-8E28-136B-8AE93BC5C444}"/>
-              </a:ext>
-            </a:extLst>
-          </p:cNvPr>
+            <a:endParaRPr lang="en-US"/>
+          </a:p>
+        </p:txBody>
+      </p:sp>
+      <p:sp>
+        <p:nvSpPr>
+          <p:cNvPr id="7" name="Slide Number Placeholder 6"/>
           <p:cNvSpPr>
             <a:spLocks noGrp="1"/>
           </p:cNvSpPr>
@@ -1462,20 +1409,16 @@
           <a:bodyPr/>
           <a:lstStyle/>
           <a:p>
-            <a:fld id="{CBF1477D-EE20-42E8-8C96-F13A1115F218}" type="slidenum">
-              <a:rPr lang="es-CL" smtClean="0"/>
-              <a:t>‹Nº›</a:t>
+            <a:fld id="{B6F15528-21DE-4FAA-801E-634DDDAF4B2B}" type="slidenum">
+              <a:rPr lang="en-US" smtClean="0"/>
+              <a:pPr/>
+              <a:t>‹#›</a:t>
             </a:fld>
-            <a:endParaRPr lang="es-CL"/>
+            <a:endParaRPr lang="en-US"/>
           </a:p>
         </p:txBody>
       </p:sp>
     </p:spTree>
-    <p:extLst>
-      <p:ext uri="{BB962C8B-B14F-4D97-AF65-F5344CB8AC3E}">
-        <p14:creationId xmlns:p14="http://schemas.microsoft.com/office/powerpoint/2010/main" val="2605616526"/>
-      </p:ext>
-    </p:extLst>
   </p:cSld>
   <p:clrMapOvr>
     <a:masterClrMapping/>
@@ -1485,7 +1428,7 @@
 
 <file path=ppt/slideLayouts/slideLayout5.xml><?xml version="1.0" encoding="utf-8"?>
 <p:sldLayout xmlns:a="http://schemas.openxmlformats.org/drawingml/2006/main" xmlns:r="http://schemas.openxmlformats.org/officeDocument/2006/relationships" xmlns:p="http://schemas.openxmlformats.org/presentationml/2006/main" type="twoTxTwoObj" preserve="1">
-  <p:cSld name="Comparación">
+  <p:cSld name="Comparison">
     <p:spTree>
       <p:nvGrpSpPr>
         <p:cNvPr id="1" name=""/>
@@ -1502,13 +1445,7 @@
       </p:grpSpPr>
       <p:sp>
         <p:nvSpPr>
-          <p:cNvPr id="2" name="Título 1">
-            <a:extLst>
-              <a:ext uri="{FF2B5EF4-FFF2-40B4-BE49-F238E27FC236}">
-                <a16:creationId xmlns:a16="http://schemas.microsoft.com/office/drawing/2014/main" id="{236F6F57-2B19-01AC-4E01-E369A802B04D}"/>
-              </a:ext>
-            </a:extLst>
-          </p:cNvPr>
+          <p:cNvPr id="2" name="Title 1"/>
           <p:cNvSpPr>
             <a:spLocks noGrp="1"/>
           </p:cNvSpPr>
@@ -1516,33 +1453,26 @@
             <p:ph type="title"/>
           </p:nvPr>
         </p:nvSpPr>
-        <p:spPr>
-          <a:xfrm>
-            <a:off x="839788" y="365125"/>
-            <a:ext cx="10515600" cy="1325563"/>
-          </a:xfrm>
-        </p:spPr>
+        <p:spPr/>
         <p:txBody>
           <a:bodyPr/>
-          <a:lstStyle/>
-          <a:p>
-            <a:r>
-              <a:rPr lang="es-ES"/>
-              <a:t>Haga clic para modificar el estilo de título del patrón</a:t>
-            </a:r>
-            <a:endParaRPr lang="es-CL"/>
-          </a:p>
-        </p:txBody>
-      </p:sp>
-      <p:sp>
-        <p:nvSpPr>
-          <p:cNvPr id="3" name="Marcador de texto 2">
-            <a:extLst>
-              <a:ext uri="{FF2B5EF4-FFF2-40B4-BE49-F238E27FC236}">
-                <a16:creationId xmlns:a16="http://schemas.microsoft.com/office/drawing/2014/main" id="{378C53F8-D0DB-451A-E746-209CF54C3F6D}"/>
-              </a:ext>
-            </a:extLst>
-          </p:cNvPr>
+          <a:lstStyle>
+            <a:lvl1pPr>
+              <a:defRPr/>
+            </a:lvl1pPr>
+          </a:lstStyle>
+          <a:p>
+            <a:r>
+              <a:rPr lang="en-US" smtClean="0"/>
+              <a:t>Click to edit Master title style</a:t>
+            </a:r>
+            <a:endParaRPr lang="en-US"/>
+          </a:p>
+        </p:txBody>
+      </p:sp>
+      <p:sp>
+        <p:nvSpPr>
+          <p:cNvPr id="3" name="Text Placeholder 2"/>
           <p:cNvSpPr>
             <a:spLocks noGrp="1"/>
           </p:cNvSpPr>
@@ -1552,8 +1482,8 @@
         </p:nvSpPr>
         <p:spPr>
           <a:xfrm>
-            <a:off x="839788" y="1681163"/>
-            <a:ext cx="5157787" cy="823912"/>
+            <a:off x="457200" y="1535113"/>
+            <a:ext cx="4040188" cy="639762"/>
           </a:xfrm>
         </p:spPr>
         <p:txBody>
@@ -1599,21 +1529,15 @@
           <a:p>
             <a:pPr lvl="0"/>
             <a:r>
-              <a:rPr lang="es-ES"/>
-              <a:t>Haga clic para modificar los estilos de texto del patrón</a:t>
-            </a:r>
-          </a:p>
-        </p:txBody>
-      </p:sp>
-      <p:sp>
-        <p:nvSpPr>
-          <p:cNvPr id="4" name="Marcador de contenido 3">
-            <a:extLst>
-              <a:ext uri="{FF2B5EF4-FFF2-40B4-BE49-F238E27FC236}">
-                <a16:creationId xmlns:a16="http://schemas.microsoft.com/office/drawing/2014/main" id="{E0B42329-F7B5-56A4-7134-91518F55E610}"/>
-              </a:ext>
-            </a:extLst>
-          </p:cNvPr>
+              <a:rPr lang="en-US" smtClean="0"/>
+              <a:t>Click to edit Master text styles</a:t>
+            </a:r>
+          </a:p>
+        </p:txBody>
+      </p:sp>
+      <p:sp>
+        <p:nvSpPr>
+          <p:cNvPr id="4" name="Content Placeholder 3"/>
           <p:cNvSpPr>
             <a:spLocks noGrp="1"/>
           </p:cNvSpPr>
@@ -1623,60 +1547,82 @@
         </p:nvSpPr>
         <p:spPr>
           <a:xfrm>
-            <a:off x="839788" y="2505075"/>
-            <a:ext cx="5157787" cy="3684588"/>
+            <a:off x="457200" y="2174875"/>
+            <a:ext cx="4040188" cy="3951288"/>
           </a:xfrm>
         </p:spPr>
         <p:txBody>
           <a:bodyPr/>
-          <a:lstStyle/>
+          <a:lstStyle>
+            <a:lvl1pPr>
+              <a:defRPr sz="2400"/>
+            </a:lvl1pPr>
+            <a:lvl2pPr>
+              <a:defRPr sz="2000"/>
+            </a:lvl2pPr>
+            <a:lvl3pPr>
+              <a:defRPr sz="1800"/>
+            </a:lvl3pPr>
+            <a:lvl4pPr>
+              <a:defRPr sz="1600"/>
+            </a:lvl4pPr>
+            <a:lvl5pPr>
+              <a:defRPr sz="1600"/>
+            </a:lvl5pPr>
+            <a:lvl6pPr>
+              <a:defRPr sz="1600"/>
+            </a:lvl6pPr>
+            <a:lvl7pPr>
+              <a:defRPr sz="1600"/>
+            </a:lvl7pPr>
+            <a:lvl8pPr>
+              <a:defRPr sz="1600"/>
+            </a:lvl8pPr>
+            <a:lvl9pPr>
+              <a:defRPr sz="1600"/>
+            </a:lvl9pPr>
+          </a:lstStyle>
           <a:p>
             <a:pPr lvl="0"/>
             <a:r>
-              <a:rPr lang="es-ES"/>
-              <a:t>Haga clic para modificar los estilos de texto del patrón</a:t>
+              <a:rPr lang="en-US" smtClean="0"/>
+              <a:t>Click to edit Master text styles</a:t>
             </a:r>
           </a:p>
           <a:p>
             <a:pPr lvl="1"/>
             <a:r>
-              <a:rPr lang="es-ES"/>
-              <a:t>Segundo nivel</a:t>
+              <a:rPr lang="en-US" smtClean="0"/>
+              <a:t>Second level</a:t>
             </a:r>
           </a:p>
           <a:p>
             <a:pPr lvl="2"/>
             <a:r>
-              <a:rPr lang="es-ES"/>
-              <a:t>Tercer nivel</a:t>
+              <a:rPr lang="en-US" smtClean="0"/>
+              <a:t>Third level</a:t>
             </a:r>
           </a:p>
           <a:p>
             <a:pPr lvl="3"/>
             <a:r>
-              <a:rPr lang="es-ES"/>
-              <a:t>Cuarto nivel</a:t>
+              <a:rPr lang="en-US" smtClean="0"/>
+              <a:t>Fourth level</a:t>
             </a:r>
           </a:p>
           <a:p>
             <a:pPr lvl="4"/>
             <a:r>
-              <a:rPr lang="es-ES"/>
-              <a:t>Quinto nivel</a:t>
-            </a:r>
-            <a:endParaRPr lang="es-CL"/>
-          </a:p>
-        </p:txBody>
-      </p:sp>
-      <p:sp>
-        <p:nvSpPr>
-          <p:cNvPr id="5" name="Marcador de texto 4">
-            <a:extLst>
-              <a:ext uri="{FF2B5EF4-FFF2-40B4-BE49-F238E27FC236}">
-                <a16:creationId xmlns:a16="http://schemas.microsoft.com/office/drawing/2014/main" id="{845BE3FD-7A69-734E-2467-E2A26771C023}"/>
-              </a:ext>
-            </a:extLst>
-          </p:cNvPr>
+              <a:rPr lang="en-US" smtClean="0"/>
+              <a:t>Fifth level</a:t>
+            </a:r>
+            <a:endParaRPr lang="en-US"/>
+          </a:p>
+        </p:txBody>
+      </p:sp>
+      <p:sp>
+        <p:nvSpPr>
+          <p:cNvPr id="5" name="Text Placeholder 4"/>
           <p:cNvSpPr>
             <a:spLocks noGrp="1"/>
           </p:cNvSpPr>
@@ -1686,8 +1632,8 @@
         </p:nvSpPr>
         <p:spPr>
           <a:xfrm>
-            <a:off x="6172200" y="1681163"/>
-            <a:ext cx="5183188" cy="823912"/>
+            <a:off x="4645025" y="1535113"/>
+            <a:ext cx="4041775" cy="639762"/>
           </a:xfrm>
         </p:spPr>
         <p:txBody>
@@ -1733,21 +1679,15 @@
           <a:p>
             <a:pPr lvl="0"/>
             <a:r>
-              <a:rPr lang="es-ES"/>
-              <a:t>Haga clic para modificar los estilos de texto del patrón</a:t>
-            </a:r>
-          </a:p>
-        </p:txBody>
-      </p:sp>
-      <p:sp>
-        <p:nvSpPr>
-          <p:cNvPr id="6" name="Marcador de contenido 5">
-            <a:extLst>
-              <a:ext uri="{FF2B5EF4-FFF2-40B4-BE49-F238E27FC236}">
-                <a16:creationId xmlns:a16="http://schemas.microsoft.com/office/drawing/2014/main" id="{30D7C56E-ADA9-DC33-3268-494B5392F3C1}"/>
-              </a:ext>
-            </a:extLst>
-          </p:cNvPr>
+              <a:rPr lang="en-US" smtClean="0"/>
+              <a:t>Click to edit Master text styles</a:t>
+            </a:r>
+          </a:p>
+        </p:txBody>
+      </p:sp>
+      <p:sp>
+        <p:nvSpPr>
+          <p:cNvPr id="6" name="Content Placeholder 5"/>
           <p:cNvSpPr>
             <a:spLocks noGrp="1"/>
           </p:cNvSpPr>
@@ -1757,60 +1697,82 @@
         </p:nvSpPr>
         <p:spPr>
           <a:xfrm>
-            <a:off x="6172200" y="2505075"/>
-            <a:ext cx="5183188" cy="3684588"/>
+            <a:off x="4645025" y="2174875"/>
+            <a:ext cx="4041775" cy="3951288"/>
           </a:xfrm>
         </p:spPr>
         <p:txBody>
           <a:bodyPr/>
-          <a:lstStyle/>
+          <a:lstStyle>
+            <a:lvl1pPr>
+              <a:defRPr sz="2400"/>
+            </a:lvl1pPr>
+            <a:lvl2pPr>
+              <a:defRPr sz="2000"/>
+            </a:lvl2pPr>
+            <a:lvl3pPr>
+              <a:defRPr sz="1800"/>
+            </a:lvl3pPr>
+            <a:lvl4pPr>
+              <a:defRPr sz="1600"/>
+            </a:lvl4pPr>
+            <a:lvl5pPr>
+              <a:defRPr sz="1600"/>
+            </a:lvl5pPr>
+            <a:lvl6pPr>
+              <a:defRPr sz="1600"/>
+            </a:lvl6pPr>
+            <a:lvl7pPr>
+              <a:defRPr sz="1600"/>
+            </a:lvl7pPr>
+            <a:lvl8pPr>
+              <a:defRPr sz="1600"/>
+            </a:lvl8pPr>
+            <a:lvl9pPr>
+              <a:defRPr sz="1600"/>
+            </a:lvl9pPr>
+          </a:lstStyle>
           <a:p>
             <a:pPr lvl="0"/>
             <a:r>
-              <a:rPr lang="es-ES"/>
-              <a:t>Haga clic para modificar los estilos de texto del patrón</a:t>
+              <a:rPr lang="en-US" smtClean="0"/>
+              <a:t>Click to edit Master text styles</a:t>
             </a:r>
           </a:p>
           <a:p>
             <a:pPr lvl="1"/>
             <a:r>
-              <a:rPr lang="es-ES"/>
-              <a:t>Segundo nivel</a:t>
+              <a:rPr lang="en-US" smtClean="0"/>
+              <a:t>Second level</a:t>
             </a:r>
           </a:p>
           <a:p>
             <a:pPr lvl="2"/>
             <a:r>
-              <a:rPr lang="es-ES"/>
-              <a:t>Tercer nivel</a:t>
+              <a:rPr lang="en-US" smtClean="0"/>
+              <a:t>Third level</a:t>
             </a:r>
           </a:p>
           <a:p>
             <a:pPr lvl="3"/>
             <a:r>
-              <a:rPr lang="es-ES"/>
-              <a:t>Cuarto nivel</a:t>
+              <a:rPr lang="en-US" smtClean="0"/>
+              <a:t>Fourth level</a:t>
             </a:r>
           </a:p>
           <a:p>
             <a:pPr lvl="4"/>
             <a:r>
-              <a:rPr lang="es-ES"/>
-              <a:t>Quinto nivel</a:t>
-            </a:r>
-            <a:endParaRPr lang="es-CL"/>
-          </a:p>
-        </p:txBody>
-      </p:sp>
-      <p:sp>
-        <p:nvSpPr>
-          <p:cNvPr id="7" name="Marcador de fecha 6">
-            <a:extLst>
-              <a:ext uri="{FF2B5EF4-FFF2-40B4-BE49-F238E27FC236}">
-                <a16:creationId xmlns:a16="http://schemas.microsoft.com/office/drawing/2014/main" id="{E1CF9DAD-1DDD-8DA0-8573-D05836F1C6E2}"/>
-              </a:ext>
-            </a:extLst>
-          </p:cNvPr>
+              <a:rPr lang="en-US" smtClean="0"/>
+              <a:t>Fifth level</a:t>
+            </a:r>
+            <a:endParaRPr lang="en-US"/>
+          </a:p>
+        </p:txBody>
+      </p:sp>
+      <p:sp>
+        <p:nvSpPr>
+          <p:cNvPr id="7" name="Date Placeholder 6"/>
           <p:cNvSpPr>
             <a:spLocks noGrp="1"/>
           </p:cNvSpPr>
@@ -1823,23 +1785,18 @@
           <a:bodyPr/>
           <a:lstStyle/>
           <a:p>
-            <a:fld id="{7111A234-2D8D-487C-BDF8-9ED2BC553A83}" type="datetimeFigureOut">
-              <a:rPr lang="es-CL" smtClean="0"/>
-              <a:t>25-08-2025</a:t>
+            <a:fld id="{1D8BD707-D9CF-40AE-B4C6-C98DA3205C09}" type="datetimeFigureOut">
+              <a:rPr lang="en-US" smtClean="0"/>
+              <a:pPr/>
+              <a:t>8/1/2011</a:t>
             </a:fld>
-            <a:endParaRPr lang="es-CL"/>
-          </a:p>
-        </p:txBody>
-      </p:sp>
-      <p:sp>
-        <p:nvSpPr>
-          <p:cNvPr id="8" name="Marcador de pie de página 7">
-            <a:extLst>
-              <a:ext uri="{FF2B5EF4-FFF2-40B4-BE49-F238E27FC236}">
-                <a16:creationId xmlns:a16="http://schemas.microsoft.com/office/drawing/2014/main" id="{A15A9538-D7F4-A2C2-E529-61CF49CEF66F}"/>
-              </a:ext>
-            </a:extLst>
-          </p:cNvPr>
+            <a:endParaRPr lang="en-US"/>
+          </a:p>
+        </p:txBody>
+      </p:sp>
+      <p:sp>
+        <p:nvSpPr>
+          <p:cNvPr id="8" name="Footer Placeholder 7"/>
           <p:cNvSpPr>
             <a:spLocks noGrp="1"/>
           </p:cNvSpPr>
@@ -1852,19 +1809,13 @@
           <a:bodyPr/>
           <a:lstStyle/>
           <a:p>
-            <a:endParaRPr lang="es-CL"/>
-          </a:p>
-        </p:txBody>
-      </p:sp>
-      <p:sp>
-        <p:nvSpPr>
-          <p:cNvPr id="9" name="Marcador de número de diapositiva 8">
-            <a:extLst>
-              <a:ext uri="{FF2B5EF4-FFF2-40B4-BE49-F238E27FC236}">
-                <a16:creationId xmlns:a16="http://schemas.microsoft.com/office/drawing/2014/main" id="{27F93CA2-4C75-DB26-15F8-E5B372C3F6AA}"/>
-              </a:ext>
-            </a:extLst>
-          </p:cNvPr>
+            <a:endParaRPr lang="en-US"/>
+          </a:p>
+        </p:txBody>
+      </p:sp>
+      <p:sp>
+        <p:nvSpPr>
+          <p:cNvPr id="9" name="Slide Number Placeholder 8"/>
           <p:cNvSpPr>
             <a:spLocks noGrp="1"/>
           </p:cNvSpPr>
@@ -1877,20 +1828,16 @@
           <a:bodyPr/>
           <a:lstStyle/>
           <a:p>
-            <a:fld id="{CBF1477D-EE20-42E8-8C96-F13A1115F218}" type="slidenum">
-              <a:rPr lang="es-CL" smtClean="0"/>
-              <a:t>‹Nº›</a:t>
+            <a:fld id="{B6F15528-21DE-4FAA-801E-634DDDAF4B2B}" type="slidenum">
+              <a:rPr lang="en-US" smtClean="0"/>
+              <a:pPr/>
+              <a:t>‹#›</a:t>
             </a:fld>
-            <a:endParaRPr lang="es-CL"/>
+            <a:endParaRPr lang="en-US"/>
           </a:p>
         </p:txBody>
       </p:sp>
     </p:spTree>
-    <p:extLst>
-      <p:ext uri="{BB962C8B-B14F-4D97-AF65-F5344CB8AC3E}">
-        <p14:creationId xmlns:p14="http://schemas.microsoft.com/office/powerpoint/2010/main" val="2961402192"/>
-      </p:ext>
-    </p:extLst>
   </p:cSld>
   <p:clrMapOvr>
     <a:masterClrMapping/>
@@ -1900,7 +1847,7 @@
 
 <file path=ppt/slideLayouts/slideLayout6.xml><?xml version="1.0" encoding="utf-8"?>
 <p:sldLayout xmlns:a="http://schemas.openxmlformats.org/drawingml/2006/main" xmlns:r="http://schemas.openxmlformats.org/officeDocument/2006/relationships" xmlns:p="http://schemas.openxmlformats.org/presentationml/2006/main" type="titleOnly" preserve="1">
-  <p:cSld name="Solo el título">
+  <p:cSld name="Title Only">
     <p:spTree>
       <p:nvGrpSpPr>
         <p:cNvPr id="1" name=""/>
@@ -1917,13 +1864,7 @@
       </p:grpSpPr>
       <p:sp>
         <p:nvSpPr>
-          <p:cNvPr id="2" name="Título 1">
-            <a:extLst>
-              <a:ext uri="{FF2B5EF4-FFF2-40B4-BE49-F238E27FC236}">
-                <a16:creationId xmlns:a16="http://schemas.microsoft.com/office/drawing/2014/main" id="{04C229B0-D697-5361-343D-3062A23C2A01}"/>
-              </a:ext>
-            </a:extLst>
-          </p:cNvPr>
+          <p:cNvPr id="2" name="Title 1"/>
           <p:cNvSpPr>
             <a:spLocks noGrp="1"/>
           </p:cNvSpPr>
@@ -1937,22 +1878,16 @@
           <a:lstStyle/>
           <a:p>
             <a:r>
-              <a:rPr lang="es-ES"/>
-              <a:t>Haga clic para modificar el estilo de título del patrón</a:t>
-            </a:r>
-            <a:endParaRPr lang="es-CL"/>
-          </a:p>
-        </p:txBody>
-      </p:sp>
-      <p:sp>
-        <p:nvSpPr>
-          <p:cNvPr id="3" name="Marcador de fecha 2">
-            <a:extLst>
-              <a:ext uri="{FF2B5EF4-FFF2-40B4-BE49-F238E27FC236}">
-                <a16:creationId xmlns:a16="http://schemas.microsoft.com/office/drawing/2014/main" id="{A8EC8482-CF7D-53BA-9679-6D7BC5965968}"/>
-              </a:ext>
-            </a:extLst>
-          </p:cNvPr>
+              <a:rPr lang="en-US" smtClean="0"/>
+              <a:t>Click to edit Master title style</a:t>
+            </a:r>
+            <a:endParaRPr lang="en-US"/>
+          </a:p>
+        </p:txBody>
+      </p:sp>
+      <p:sp>
+        <p:nvSpPr>
+          <p:cNvPr id="3" name="Date Placeholder 2"/>
           <p:cNvSpPr>
             <a:spLocks noGrp="1"/>
           </p:cNvSpPr>
@@ -1965,23 +1900,18 @@
           <a:bodyPr/>
           <a:lstStyle/>
           <a:p>
-            <a:fld id="{7111A234-2D8D-487C-BDF8-9ED2BC553A83}" type="datetimeFigureOut">
-              <a:rPr lang="es-CL" smtClean="0"/>
-              <a:t>25-08-2025</a:t>
+            <a:fld id="{1D8BD707-D9CF-40AE-B4C6-C98DA3205C09}" type="datetimeFigureOut">
+              <a:rPr lang="en-US" smtClean="0"/>
+              <a:pPr/>
+              <a:t>8/1/2011</a:t>
             </a:fld>
-            <a:endParaRPr lang="es-CL"/>
-          </a:p>
-        </p:txBody>
-      </p:sp>
-      <p:sp>
-        <p:nvSpPr>
-          <p:cNvPr id="4" name="Marcador de pie de página 3">
-            <a:extLst>
-              <a:ext uri="{FF2B5EF4-FFF2-40B4-BE49-F238E27FC236}">
-                <a16:creationId xmlns:a16="http://schemas.microsoft.com/office/drawing/2014/main" id="{D5D21E04-999E-F1C9-E4EE-19CE9FCA97B4}"/>
-              </a:ext>
-            </a:extLst>
-          </p:cNvPr>
+            <a:endParaRPr lang="en-US"/>
+          </a:p>
+        </p:txBody>
+      </p:sp>
+      <p:sp>
+        <p:nvSpPr>
+          <p:cNvPr id="4" name="Footer Placeholder 3"/>
           <p:cNvSpPr>
             <a:spLocks noGrp="1"/>
           </p:cNvSpPr>
@@ -1994,19 +1924,13 @@
           <a:bodyPr/>
           <a:lstStyle/>
           <a:p>
-            <a:endParaRPr lang="es-CL"/>
-          </a:p>
-        </p:txBody>
-      </p:sp>
-      <p:sp>
-        <p:nvSpPr>
-          <p:cNvPr id="5" name="Marcador de número de diapositiva 4">
-            <a:extLst>
-              <a:ext uri="{FF2B5EF4-FFF2-40B4-BE49-F238E27FC236}">
-                <a16:creationId xmlns:a16="http://schemas.microsoft.com/office/drawing/2014/main" id="{C820E8E1-FD1F-BF93-6DBC-CBDA9B0DFBEC}"/>
-              </a:ext>
-            </a:extLst>
-          </p:cNvPr>
+            <a:endParaRPr lang="en-US"/>
+          </a:p>
+        </p:txBody>
+      </p:sp>
+      <p:sp>
+        <p:nvSpPr>
+          <p:cNvPr id="5" name="Slide Number Placeholder 4"/>
           <p:cNvSpPr>
             <a:spLocks noGrp="1"/>
           </p:cNvSpPr>
@@ -2019,20 +1943,16 @@
           <a:bodyPr/>
           <a:lstStyle/>
           <a:p>
-            <a:fld id="{CBF1477D-EE20-42E8-8C96-F13A1115F218}" type="slidenum">
-              <a:rPr lang="es-CL" smtClean="0"/>
-              <a:t>‹Nº›</a:t>
+            <a:fld id="{B6F15528-21DE-4FAA-801E-634DDDAF4B2B}" type="slidenum">
+              <a:rPr lang="en-US" smtClean="0"/>
+              <a:pPr/>
+              <a:t>‹#›</a:t>
             </a:fld>
-            <a:endParaRPr lang="es-CL"/>
+            <a:endParaRPr lang="en-US"/>
           </a:p>
         </p:txBody>
       </p:sp>
     </p:spTree>
-    <p:extLst>
-      <p:ext uri="{BB962C8B-B14F-4D97-AF65-F5344CB8AC3E}">
-        <p14:creationId xmlns:p14="http://schemas.microsoft.com/office/powerpoint/2010/main" val="4090141316"/>
-      </p:ext>
-    </p:extLst>
   </p:cSld>
   <p:clrMapOvr>
     <a:masterClrMapping/>
@@ -2042,7 +1962,7 @@
 
 <file path=ppt/slideLayouts/slideLayout7.xml><?xml version="1.0" encoding="utf-8"?>
 <p:sldLayout xmlns:a="http://schemas.openxmlformats.org/drawingml/2006/main" xmlns:r="http://schemas.openxmlformats.org/officeDocument/2006/relationships" xmlns:p="http://schemas.openxmlformats.org/presentationml/2006/main" type="blank" preserve="1">
-  <p:cSld name="En blanco">
+  <p:cSld name="Blank">
     <p:spTree>
       <p:nvGrpSpPr>
         <p:cNvPr id="1" name=""/>
@@ -2059,13 +1979,7 @@
       </p:grpSpPr>
       <p:sp>
         <p:nvSpPr>
-          <p:cNvPr id="2" name="Marcador de fecha 1">
-            <a:extLst>
-              <a:ext uri="{FF2B5EF4-FFF2-40B4-BE49-F238E27FC236}">
-                <a16:creationId xmlns:a16="http://schemas.microsoft.com/office/drawing/2014/main" id="{1E13AEF8-E76C-5916-CC2E-C6BEA2DB7955}"/>
-              </a:ext>
-            </a:extLst>
-          </p:cNvPr>
+          <p:cNvPr id="2" name="Date Placeholder 1"/>
           <p:cNvSpPr>
             <a:spLocks noGrp="1"/>
           </p:cNvSpPr>
@@ -2078,23 +1992,18 @@
           <a:bodyPr/>
           <a:lstStyle/>
           <a:p>
-            <a:fld id="{7111A234-2D8D-487C-BDF8-9ED2BC553A83}" type="datetimeFigureOut">
-              <a:rPr lang="es-CL" smtClean="0"/>
-              <a:t>25-08-2025</a:t>
+            <a:fld id="{1D8BD707-D9CF-40AE-B4C6-C98DA3205C09}" type="datetimeFigureOut">
+              <a:rPr lang="en-US" smtClean="0"/>
+              <a:pPr/>
+              <a:t>8/1/2011</a:t>
             </a:fld>
-            <a:endParaRPr lang="es-CL"/>
-          </a:p>
-        </p:txBody>
-      </p:sp>
-      <p:sp>
-        <p:nvSpPr>
-          <p:cNvPr id="3" name="Marcador de pie de página 2">
-            <a:extLst>
-              <a:ext uri="{FF2B5EF4-FFF2-40B4-BE49-F238E27FC236}">
-                <a16:creationId xmlns:a16="http://schemas.microsoft.com/office/drawing/2014/main" id="{C9DD6561-D953-7CC4-5057-324BCC79AB95}"/>
-              </a:ext>
-            </a:extLst>
-          </p:cNvPr>
+            <a:endParaRPr lang="en-US"/>
+          </a:p>
+        </p:txBody>
+      </p:sp>
+      <p:sp>
+        <p:nvSpPr>
+          <p:cNvPr id="3" name="Footer Placeholder 2"/>
           <p:cNvSpPr>
             <a:spLocks noGrp="1"/>
           </p:cNvSpPr>
@@ -2107,19 +2016,13 @@
           <a:bodyPr/>
           <a:lstStyle/>
           <a:p>
-            <a:endParaRPr lang="es-CL"/>
-          </a:p>
-        </p:txBody>
-      </p:sp>
-      <p:sp>
-        <p:nvSpPr>
-          <p:cNvPr id="4" name="Marcador de número de diapositiva 3">
-            <a:extLst>
-              <a:ext uri="{FF2B5EF4-FFF2-40B4-BE49-F238E27FC236}">
-                <a16:creationId xmlns:a16="http://schemas.microsoft.com/office/drawing/2014/main" id="{476F51D8-3264-F212-7E52-F04F86CB2FC7}"/>
-              </a:ext>
-            </a:extLst>
-          </p:cNvPr>
+            <a:endParaRPr lang="en-US"/>
+          </a:p>
+        </p:txBody>
+      </p:sp>
+      <p:sp>
+        <p:nvSpPr>
+          <p:cNvPr id="4" name="Slide Number Placeholder 3"/>
           <p:cNvSpPr>
             <a:spLocks noGrp="1"/>
           </p:cNvSpPr>
@@ -2132,20 +2035,16 @@
           <a:bodyPr/>
           <a:lstStyle/>
           <a:p>
-            <a:fld id="{CBF1477D-EE20-42E8-8C96-F13A1115F218}" type="slidenum">
-              <a:rPr lang="es-CL" smtClean="0"/>
-              <a:t>‹Nº›</a:t>
+            <a:fld id="{B6F15528-21DE-4FAA-801E-634DDDAF4B2B}" type="slidenum">
+              <a:rPr lang="en-US" smtClean="0"/>
+              <a:pPr/>
+              <a:t>‹#›</a:t>
             </a:fld>
-            <a:endParaRPr lang="es-CL"/>
+            <a:endParaRPr lang="en-US"/>
           </a:p>
         </p:txBody>
       </p:sp>
     </p:spTree>
-    <p:extLst>
-      <p:ext uri="{BB962C8B-B14F-4D97-AF65-F5344CB8AC3E}">
-        <p14:creationId xmlns:p14="http://schemas.microsoft.com/office/powerpoint/2010/main" val="136207491"/>
-      </p:ext>
-    </p:extLst>
   </p:cSld>
   <p:clrMapOvr>
     <a:masterClrMapping/>
@@ -2155,7 +2054,7 @@
 
 <file path=ppt/slideLayouts/slideLayout8.xml><?xml version="1.0" encoding="utf-8"?>
 <p:sldLayout xmlns:a="http://schemas.openxmlformats.org/drawingml/2006/main" xmlns:r="http://schemas.openxmlformats.org/officeDocument/2006/relationships" xmlns:p="http://schemas.openxmlformats.org/presentationml/2006/main" type="objTx" preserve="1">
-  <p:cSld name="Contenido con título">
+  <p:cSld name="Content with Caption">
     <p:spTree>
       <p:nvGrpSpPr>
         <p:cNvPr id="1" name=""/>
@@ -2172,13 +2071,7 @@
       </p:grpSpPr>
       <p:sp>
         <p:nvSpPr>
-          <p:cNvPr id="2" name="Título 1">
-            <a:extLst>
-              <a:ext uri="{FF2B5EF4-FFF2-40B4-BE49-F238E27FC236}">
-                <a16:creationId xmlns:a16="http://schemas.microsoft.com/office/drawing/2014/main" id="{7EBBBF53-E890-015B-559A-274AD997589B}"/>
-              </a:ext>
-            </a:extLst>
-          </p:cNvPr>
+          <p:cNvPr id="2" name="Title 1"/>
           <p:cNvSpPr>
             <a:spLocks noGrp="1"/>
           </p:cNvSpPr>
@@ -2188,35 +2081,29 @@
         </p:nvSpPr>
         <p:spPr>
           <a:xfrm>
-            <a:off x="839788" y="457200"/>
-            <a:ext cx="3932237" cy="1600200"/>
+            <a:off x="457200" y="273050"/>
+            <a:ext cx="3008313" cy="1162050"/>
           </a:xfrm>
         </p:spPr>
         <p:txBody>
           <a:bodyPr anchor="b"/>
           <a:lstStyle>
-            <a:lvl1pPr>
-              <a:defRPr sz="3200"/>
+            <a:lvl1pPr algn="l">
+              <a:defRPr sz="2000" b="1"/>
             </a:lvl1pPr>
           </a:lstStyle>
           <a:p>
             <a:r>
-              <a:rPr lang="es-ES"/>
-              <a:t>Haga clic para modificar el estilo de título del patrón</a:t>
-            </a:r>
-            <a:endParaRPr lang="es-CL"/>
-          </a:p>
-        </p:txBody>
-      </p:sp>
-      <p:sp>
-        <p:nvSpPr>
-          <p:cNvPr id="3" name="Marcador de contenido 2">
-            <a:extLst>
-              <a:ext uri="{FF2B5EF4-FFF2-40B4-BE49-F238E27FC236}">
-                <a16:creationId xmlns:a16="http://schemas.microsoft.com/office/drawing/2014/main" id="{8D4F42AF-18E4-0194-EB5A-9977F683914B}"/>
-              </a:ext>
-            </a:extLst>
-          </p:cNvPr>
+              <a:rPr lang="en-US" smtClean="0"/>
+              <a:t>Click to edit Master title style</a:t>
+            </a:r>
+            <a:endParaRPr lang="en-US"/>
+          </a:p>
+        </p:txBody>
+      </p:sp>
+      <p:sp>
+        <p:nvSpPr>
+          <p:cNvPr id="3" name="Content Placeholder 2"/>
           <p:cNvSpPr>
             <a:spLocks noGrp="1"/>
           </p:cNvSpPr>
@@ -2226,8 +2113,8 @@
         </p:nvSpPr>
         <p:spPr>
           <a:xfrm>
-            <a:off x="5183188" y="987425"/>
-            <a:ext cx="6172200" cy="4873625"/>
+            <a:off x="3575050" y="273050"/>
+            <a:ext cx="5111750" cy="5853113"/>
           </a:xfrm>
         </p:spPr>
         <p:txBody>
@@ -2264,50 +2151,44 @@
           <a:p>
             <a:pPr lvl="0"/>
             <a:r>
-              <a:rPr lang="es-ES"/>
-              <a:t>Haga clic para modificar los estilos de texto del patrón</a:t>
+              <a:rPr lang="en-US" smtClean="0"/>
+              <a:t>Click to edit Master text styles</a:t>
             </a:r>
           </a:p>
           <a:p>
             <a:pPr lvl="1"/>
             <a:r>
-              <a:rPr lang="es-ES"/>
-              <a:t>Segundo nivel</a:t>
+              <a:rPr lang="en-US" smtClean="0"/>
+              <a:t>Second level</a:t>
             </a:r>
           </a:p>
           <a:p>
             <a:pPr lvl="2"/>
             <a:r>
-              <a:rPr lang="es-ES"/>
-              <a:t>Tercer nivel</a:t>
+              <a:rPr lang="en-US" smtClean="0"/>
+              <a:t>Third level</a:t>
             </a:r>
           </a:p>
           <a:p>
             <a:pPr lvl="3"/>
             <a:r>
-              <a:rPr lang="es-ES"/>
-              <a:t>Cuarto nivel</a:t>
+              <a:rPr lang="en-US" smtClean="0"/>
+              <a:t>Fourth level</a:t>
             </a:r>
           </a:p>
           <a:p>
             <a:pPr lvl="4"/>
             <a:r>
-              <a:rPr lang="es-ES"/>
-              <a:t>Quinto nivel</a:t>
-            </a:r>
-            <a:endParaRPr lang="es-CL"/>
-          </a:p>
-        </p:txBody>
-      </p:sp>
-      <p:sp>
-        <p:nvSpPr>
-          <p:cNvPr id="4" name="Marcador de texto 3">
-            <a:extLst>
-              <a:ext uri="{FF2B5EF4-FFF2-40B4-BE49-F238E27FC236}">
-                <a16:creationId xmlns:a16="http://schemas.microsoft.com/office/drawing/2014/main" id="{449D13D0-CB7B-07BF-323B-BA063EBCC81A}"/>
-              </a:ext>
-            </a:extLst>
-          </p:cNvPr>
+              <a:rPr lang="en-US" smtClean="0"/>
+              <a:t>Fifth level</a:t>
+            </a:r>
+            <a:endParaRPr lang="en-US"/>
+          </a:p>
+        </p:txBody>
+      </p:sp>
+      <p:sp>
+        <p:nvSpPr>
+          <p:cNvPr id="4" name="Text Placeholder 3"/>
           <p:cNvSpPr>
             <a:spLocks noGrp="1"/>
           </p:cNvSpPr>
@@ -2317,8 +2198,8 @@
         </p:nvSpPr>
         <p:spPr>
           <a:xfrm>
-            <a:off x="839788" y="2057400"/>
-            <a:ext cx="3932237" cy="3811588"/>
+            <a:off x="457200" y="1435100"/>
+            <a:ext cx="3008313" cy="4691063"/>
           </a:xfrm>
         </p:spPr>
         <p:txBody>
@@ -2326,59 +2207,53 @@
           <a:lstStyle>
             <a:lvl1pPr marL="0" indent="0">
               <a:buNone/>
-              <a:defRPr sz="1600"/>
+              <a:defRPr sz="1400"/>
             </a:lvl1pPr>
             <a:lvl2pPr marL="457200" indent="0">
               <a:buNone/>
-              <a:defRPr sz="1400"/>
+              <a:defRPr sz="1200"/>
             </a:lvl2pPr>
             <a:lvl3pPr marL="914400" indent="0">
               <a:buNone/>
-              <a:defRPr sz="1200"/>
+              <a:defRPr sz="1000"/>
             </a:lvl3pPr>
             <a:lvl4pPr marL="1371600" indent="0">
               <a:buNone/>
-              <a:defRPr sz="1000"/>
+              <a:defRPr sz="900"/>
             </a:lvl4pPr>
             <a:lvl5pPr marL="1828800" indent="0">
               <a:buNone/>
-              <a:defRPr sz="1000"/>
+              <a:defRPr sz="900"/>
             </a:lvl5pPr>
             <a:lvl6pPr marL="2286000" indent="0">
               <a:buNone/>
-              <a:defRPr sz="1000"/>
+              <a:defRPr sz="900"/>
             </a:lvl6pPr>
             <a:lvl7pPr marL="2743200" indent="0">
               <a:buNone/>
-              <a:defRPr sz="1000"/>
+              <a:defRPr sz="900"/>
             </a:lvl7pPr>
             <a:lvl8pPr marL="3200400" indent="0">
               <a:buNone/>
-              <a:defRPr sz="1000"/>
+              <a:defRPr sz="900"/>
             </a:lvl8pPr>
             <a:lvl9pPr marL="3657600" indent="0">
               <a:buNone/>
-              <a:defRPr sz="1000"/>
+              <a:defRPr sz="900"/>
             </a:lvl9pPr>
           </a:lstStyle>
           <a:p>
             <a:pPr lvl="0"/>
             <a:r>
-              <a:rPr lang="es-ES"/>
-              <a:t>Haga clic para modificar los estilos de texto del patrón</a:t>
-            </a:r>
-          </a:p>
-        </p:txBody>
-      </p:sp>
-      <p:sp>
-        <p:nvSpPr>
-          <p:cNvPr id="5" name="Marcador de fecha 4">
-            <a:extLst>
-              <a:ext uri="{FF2B5EF4-FFF2-40B4-BE49-F238E27FC236}">
-                <a16:creationId xmlns:a16="http://schemas.microsoft.com/office/drawing/2014/main" id="{79DC3F85-9C45-FE66-459A-CF0D0FA7009D}"/>
-              </a:ext>
-            </a:extLst>
-          </p:cNvPr>
+              <a:rPr lang="en-US" smtClean="0"/>
+              <a:t>Click to edit Master text styles</a:t>
+            </a:r>
+          </a:p>
+        </p:txBody>
+      </p:sp>
+      <p:sp>
+        <p:nvSpPr>
+          <p:cNvPr id="5" name="Date Placeholder 4"/>
           <p:cNvSpPr>
             <a:spLocks noGrp="1"/>
           </p:cNvSpPr>
@@ -2391,23 +2266,18 @@
           <a:bodyPr/>
           <a:lstStyle/>
           <a:p>
-            <a:fld id="{7111A234-2D8D-487C-BDF8-9ED2BC553A83}" type="datetimeFigureOut">
-              <a:rPr lang="es-CL" smtClean="0"/>
-              <a:t>25-08-2025</a:t>
+            <a:fld id="{1D8BD707-D9CF-40AE-B4C6-C98DA3205C09}" type="datetimeFigureOut">
+              <a:rPr lang="en-US" smtClean="0"/>
+              <a:pPr/>
+              <a:t>8/1/2011</a:t>
             </a:fld>
-            <a:endParaRPr lang="es-CL"/>
-          </a:p>
-        </p:txBody>
-      </p:sp>
-      <p:sp>
-        <p:nvSpPr>
-          <p:cNvPr id="6" name="Marcador de pie de página 5">
-            <a:extLst>
-              <a:ext uri="{FF2B5EF4-FFF2-40B4-BE49-F238E27FC236}">
-                <a16:creationId xmlns:a16="http://schemas.microsoft.com/office/drawing/2014/main" id="{A4C332AA-C370-3947-9104-9E8A47FD5AA7}"/>
-              </a:ext>
-            </a:extLst>
-          </p:cNvPr>
+            <a:endParaRPr lang="en-US"/>
+          </a:p>
+        </p:txBody>
+      </p:sp>
+      <p:sp>
+        <p:nvSpPr>
+          <p:cNvPr id="6" name="Footer Placeholder 5"/>
           <p:cNvSpPr>
             <a:spLocks noGrp="1"/>
           </p:cNvSpPr>
@@ -2420,19 +2290,13 @@
           <a:bodyPr/>
           <a:lstStyle/>
           <a:p>
-            <a:endParaRPr lang="es-CL"/>
-          </a:p>
-        </p:txBody>
-      </p:sp>
-      <p:sp>
-        <p:nvSpPr>
-          <p:cNvPr id="7" name="Marcador de número de diapositiva 6">
-            <a:extLst>
-              <a:ext uri="{FF2B5EF4-FFF2-40B4-BE49-F238E27FC236}">
-                <a16:creationId xmlns:a16="http://schemas.microsoft.com/office/drawing/2014/main" id="{1320DBC8-02E7-2624-C2F9-5D403A1EC696}"/>
-              </a:ext>
-            </a:extLst>
-          </p:cNvPr>
+            <a:endParaRPr lang="en-US"/>
+          </a:p>
+        </p:txBody>
+      </p:sp>
+      <p:sp>
+        <p:nvSpPr>
+          <p:cNvPr id="7" name="Slide Number Placeholder 6"/>
           <p:cNvSpPr>
             <a:spLocks noGrp="1"/>
           </p:cNvSpPr>
@@ -2445,20 +2309,16 @@
           <a:bodyPr/>
           <a:lstStyle/>
           <a:p>
-            <a:fld id="{CBF1477D-EE20-42E8-8C96-F13A1115F218}" type="slidenum">
-              <a:rPr lang="es-CL" smtClean="0"/>
-              <a:t>‹Nº›</a:t>
+            <a:fld id="{B6F15528-21DE-4FAA-801E-634DDDAF4B2B}" type="slidenum">
+              <a:rPr lang="en-US" smtClean="0"/>
+              <a:pPr/>
+              <a:t>‹#›</a:t>
             </a:fld>
-            <a:endParaRPr lang="es-CL"/>
+            <a:endParaRPr lang="en-US"/>
           </a:p>
         </p:txBody>
       </p:sp>
     </p:spTree>
-    <p:extLst>
-      <p:ext uri="{BB962C8B-B14F-4D97-AF65-F5344CB8AC3E}">
-        <p14:creationId xmlns:p14="http://schemas.microsoft.com/office/powerpoint/2010/main" val="772091568"/>
-      </p:ext>
-    </p:extLst>
   </p:cSld>
   <p:clrMapOvr>
     <a:masterClrMapping/>
@@ -2468,7 +2328,7 @@
 
 <file path=ppt/slideLayouts/slideLayout9.xml><?xml version="1.0" encoding="utf-8"?>
 <p:sldLayout xmlns:a="http://schemas.openxmlformats.org/drawingml/2006/main" xmlns:r="http://schemas.openxmlformats.org/officeDocument/2006/relationships" xmlns:p="http://schemas.openxmlformats.org/presentationml/2006/main" type="picTx" preserve="1">
-  <p:cSld name="Imagen con título">
+  <p:cSld name="Picture with Caption">
     <p:spTree>
       <p:nvGrpSpPr>
         <p:cNvPr id="1" name=""/>
@@ -2485,13 +2345,7 @@
       </p:grpSpPr>
       <p:sp>
         <p:nvSpPr>
-          <p:cNvPr id="2" name="Título 1">
-            <a:extLst>
-              <a:ext uri="{FF2B5EF4-FFF2-40B4-BE49-F238E27FC236}">
-                <a16:creationId xmlns:a16="http://schemas.microsoft.com/office/drawing/2014/main" id="{303883C5-A80E-CD6F-3BE1-E696537488AB}"/>
-              </a:ext>
-            </a:extLst>
-          </p:cNvPr>
+          <p:cNvPr id="2" name="Title 1"/>
           <p:cNvSpPr>
             <a:spLocks noGrp="1"/>
           </p:cNvSpPr>
@@ -2501,35 +2355,29 @@
         </p:nvSpPr>
         <p:spPr>
           <a:xfrm>
-            <a:off x="839788" y="457200"/>
-            <a:ext cx="3932237" cy="1600200"/>
+            <a:off x="1792288" y="4800600"/>
+            <a:ext cx="5486400" cy="566738"/>
           </a:xfrm>
         </p:spPr>
         <p:txBody>
           <a:bodyPr anchor="b"/>
           <a:lstStyle>
-            <a:lvl1pPr>
-              <a:defRPr sz="3200"/>
+            <a:lvl1pPr algn="l">
+              <a:defRPr sz="2000" b="1"/>
             </a:lvl1pPr>
           </a:lstStyle>
           <a:p>
             <a:r>
-              <a:rPr lang="es-ES"/>
-              <a:t>Haga clic para modificar el estilo de título del patrón</a:t>
-            </a:r>
-            <a:endParaRPr lang="es-CL"/>
-          </a:p>
-        </p:txBody>
-      </p:sp>
-      <p:sp>
-        <p:nvSpPr>
-          <p:cNvPr id="3" name="Marcador de posición de imagen 2">
-            <a:extLst>
-              <a:ext uri="{FF2B5EF4-FFF2-40B4-BE49-F238E27FC236}">
-                <a16:creationId xmlns:a16="http://schemas.microsoft.com/office/drawing/2014/main" id="{D4E817BE-CD18-815F-239A-075126F4D3B7}"/>
-              </a:ext>
-            </a:extLst>
-          </p:cNvPr>
+              <a:rPr lang="en-US" smtClean="0"/>
+              <a:t>Click to edit Master title style</a:t>
+            </a:r>
+            <a:endParaRPr lang="en-US"/>
+          </a:p>
+        </p:txBody>
+      </p:sp>
+      <p:sp>
+        <p:nvSpPr>
+          <p:cNvPr id="3" name="Picture Placeholder 2"/>
           <p:cNvSpPr>
             <a:spLocks noGrp="1"/>
           </p:cNvSpPr>
@@ -2539,8 +2387,8 @@
         </p:nvSpPr>
         <p:spPr>
           <a:xfrm>
-            <a:off x="5183188" y="987425"/>
-            <a:ext cx="6172200" cy="4873625"/>
+            <a:off x="1792288" y="612775"/>
+            <a:ext cx="5486400" cy="4114800"/>
           </a:xfrm>
         </p:spPr>
         <p:txBody>
@@ -2584,19 +2432,13 @@
             </a:lvl9pPr>
           </a:lstStyle>
           <a:p>
-            <a:endParaRPr lang="es-CL"/>
-          </a:p>
-        </p:txBody>
-      </p:sp>
-      <p:sp>
-        <p:nvSpPr>
-          <p:cNvPr id="4" name="Marcador de texto 3">
-            <a:extLst>
-              <a:ext uri="{FF2B5EF4-FFF2-40B4-BE49-F238E27FC236}">
-                <a16:creationId xmlns:a16="http://schemas.microsoft.com/office/drawing/2014/main" id="{FF143B9D-2154-5FFF-55AE-0F75F8DA301F}"/>
-              </a:ext>
-            </a:extLst>
-          </p:cNvPr>
+            <a:endParaRPr lang="en-US"/>
+          </a:p>
+        </p:txBody>
+      </p:sp>
+      <p:sp>
+        <p:nvSpPr>
+          <p:cNvPr id="4" name="Text Placeholder 3"/>
           <p:cNvSpPr>
             <a:spLocks noGrp="1"/>
           </p:cNvSpPr>
@@ -2606,8 +2448,8 @@
         </p:nvSpPr>
         <p:spPr>
           <a:xfrm>
-            <a:off x="839788" y="2057400"/>
-            <a:ext cx="3932237" cy="3811588"/>
+            <a:off x="1792288" y="5367338"/>
+            <a:ext cx="5486400" cy="804862"/>
           </a:xfrm>
         </p:spPr>
         <p:txBody>
@@ -2615,59 +2457,53 @@
           <a:lstStyle>
             <a:lvl1pPr marL="0" indent="0">
               <a:buNone/>
-              <a:defRPr sz="1600"/>
+              <a:defRPr sz="1400"/>
             </a:lvl1pPr>
             <a:lvl2pPr marL="457200" indent="0">
               <a:buNone/>
-              <a:defRPr sz="1400"/>
+              <a:defRPr sz="1200"/>
             </a:lvl2pPr>
             <a:lvl3pPr marL="914400" indent="0">
               <a:buNone/>
-              <a:defRPr sz="1200"/>
+              <a:defRPr sz="1000"/>
             </a:lvl3pPr>
             <a:lvl4pPr marL="1371600" indent="0">
               <a:buNone/>
-              <a:defRPr sz="1000"/>
+              <a:defRPr sz="900"/>
             </a:lvl4pPr>
             <a:lvl5pPr marL="1828800" indent="0">
               <a:buNone/>
-              <a:defRPr sz="1000"/>
+              <a:defRPr sz="900"/>
             </a:lvl5pPr>
             <a:lvl6pPr marL="2286000" indent="0">
               <a:buNone/>
-              <a:defRPr sz="1000"/>
+              <a:defRPr sz="900"/>
             </a:lvl6pPr>
             <a:lvl7pPr marL="2743200" indent="0">
               <a:buNone/>
-              <a:defRPr sz="1000"/>
+              <a:defRPr sz="900"/>
             </a:lvl7pPr>
             <a:lvl8pPr marL="3200400" indent="0">
               <a:buNone/>
-              <a:defRPr sz="1000"/>
+              <a:defRPr sz="900"/>
             </a:lvl8pPr>
             <a:lvl9pPr marL="3657600" indent="0">
               <a:buNone/>
-              <a:defRPr sz="1000"/>
+              <a:defRPr sz="900"/>
             </a:lvl9pPr>
           </a:lstStyle>
           <a:p>
             <a:pPr lvl="0"/>
             <a:r>
-              <a:rPr lang="es-ES"/>
-              <a:t>Haga clic para modificar los estilos de texto del patrón</a:t>
-            </a:r>
-          </a:p>
-        </p:txBody>
-      </p:sp>
-      <p:sp>
-        <p:nvSpPr>
-          <p:cNvPr id="5" name="Marcador de fecha 4">
-            <a:extLst>
-              <a:ext uri="{FF2B5EF4-FFF2-40B4-BE49-F238E27FC236}">
-                <a16:creationId xmlns:a16="http://schemas.microsoft.com/office/drawing/2014/main" id="{5701B8D5-3E28-7C6F-7680-5127529833B2}"/>
-              </a:ext>
-            </a:extLst>
-          </p:cNvPr>
+              <a:rPr lang="en-US" smtClean="0"/>
+              <a:t>Click to edit Master text styles</a:t>
+            </a:r>
+          </a:p>
+        </p:txBody>
+      </p:sp>
+      <p:sp>
+        <p:nvSpPr>
+          <p:cNvPr id="5" name="Date Placeholder 4"/>
           <p:cNvSpPr>
             <a:spLocks noGrp="1"/>
           </p:cNvSpPr>
@@ -2680,23 +2516,18 @@
           <a:bodyPr/>
           <a:lstStyle/>
           <a:p>
-            <a:fld id="{7111A234-2D8D-487C-BDF8-9ED2BC553A83}" type="datetimeFigureOut">
-              <a:rPr lang="es-CL" smtClean="0"/>
-              <a:t>25-08-2025</a:t>
+            <a:fld id="{1D8BD707-D9CF-40AE-B4C6-C98DA3205C09}" type="datetimeFigureOut">
+              <a:rPr lang="en-US" smtClean="0"/>
+              <a:pPr/>
+              <a:t>8/1/2011</a:t>
             </a:fld>
-            <a:endParaRPr lang="es-CL"/>
-          </a:p>
-        </p:txBody>
-      </p:sp>
-      <p:sp>
-        <p:nvSpPr>
-          <p:cNvPr id="6" name="Marcador de pie de página 5">
-            <a:extLst>
-              <a:ext uri="{FF2B5EF4-FFF2-40B4-BE49-F238E27FC236}">
-                <a16:creationId xmlns:a16="http://schemas.microsoft.com/office/drawing/2014/main" id="{CD8D4189-1603-4850-3A2C-C3E686B29191}"/>
-              </a:ext>
-            </a:extLst>
-          </p:cNvPr>
+            <a:endParaRPr lang="en-US"/>
+          </a:p>
+        </p:txBody>
+      </p:sp>
+      <p:sp>
+        <p:nvSpPr>
+          <p:cNvPr id="6" name="Footer Placeholder 5"/>
           <p:cNvSpPr>
             <a:spLocks noGrp="1"/>
           </p:cNvSpPr>
@@ -2709,19 +2540,13 @@
           <a:bodyPr/>
           <a:lstStyle/>
           <a:p>
-            <a:endParaRPr lang="es-CL"/>
-          </a:p>
-        </p:txBody>
-      </p:sp>
-      <p:sp>
-        <p:nvSpPr>
-          <p:cNvPr id="7" name="Marcador de número de diapositiva 6">
-            <a:extLst>
-              <a:ext uri="{FF2B5EF4-FFF2-40B4-BE49-F238E27FC236}">
-                <a16:creationId xmlns:a16="http://schemas.microsoft.com/office/drawing/2014/main" id="{814975C9-0536-7557-65E3-A6D464BC9AB9}"/>
-              </a:ext>
-            </a:extLst>
-          </p:cNvPr>
+            <a:endParaRPr lang="en-US"/>
+          </a:p>
+        </p:txBody>
+      </p:sp>
+      <p:sp>
+        <p:nvSpPr>
+          <p:cNvPr id="7" name="Slide Number Placeholder 6"/>
           <p:cNvSpPr>
             <a:spLocks noGrp="1"/>
           </p:cNvSpPr>
@@ -2734,20 +2559,16 @@
           <a:bodyPr/>
           <a:lstStyle/>
           <a:p>
-            <a:fld id="{CBF1477D-EE20-42E8-8C96-F13A1115F218}" type="slidenum">
-              <a:rPr lang="es-CL" smtClean="0"/>
-              <a:t>‹Nº›</a:t>
+            <a:fld id="{B6F15528-21DE-4FAA-801E-634DDDAF4B2B}" type="slidenum">
+              <a:rPr lang="en-US" smtClean="0"/>
+              <a:pPr/>
+              <a:t>‹#›</a:t>
             </a:fld>
-            <a:endParaRPr lang="es-CL"/>
+            <a:endParaRPr lang="en-US"/>
           </a:p>
         </p:txBody>
       </p:sp>
     </p:spTree>
-    <p:extLst>
-      <p:ext uri="{BB962C8B-B14F-4D97-AF65-F5344CB8AC3E}">
-        <p14:creationId xmlns:p14="http://schemas.microsoft.com/office/powerpoint/2010/main" val="415970628"/>
-      </p:ext>
-    </p:extLst>
   </p:cSld>
   <p:clrMapOvr>
     <a:masterClrMapping/>
@@ -2779,13 +2600,7 @@
       </p:grpSpPr>
       <p:sp>
         <p:nvSpPr>
-          <p:cNvPr id="2" name="Marcador de título 1">
-            <a:extLst>
-              <a:ext uri="{FF2B5EF4-FFF2-40B4-BE49-F238E27FC236}">
-                <a16:creationId xmlns:a16="http://schemas.microsoft.com/office/drawing/2014/main" id="{08F560EE-3BCB-0191-5910-00E86E1FB92B}"/>
-              </a:ext>
-            </a:extLst>
-          </p:cNvPr>
+          <p:cNvPr id="2" name="Title Placeholder 1"/>
           <p:cNvSpPr>
             <a:spLocks noGrp="1"/>
           </p:cNvSpPr>
@@ -2795,8 +2610,8 @@
         </p:nvSpPr>
         <p:spPr>
           <a:xfrm>
-            <a:off x="838200" y="365125"/>
-            <a:ext cx="10515600" cy="1325563"/>
+            <a:off x="457200" y="274638"/>
+            <a:ext cx="8229600" cy="1143000"/>
           </a:xfrm>
           <a:prstGeom prst="rect">
             <a:avLst/>
@@ -2809,22 +2624,16 @@
           <a:lstStyle/>
           <a:p>
             <a:r>
-              <a:rPr lang="es-ES"/>
-              <a:t>Haga clic para modificar el estilo de título del patrón</a:t>
-            </a:r>
-            <a:endParaRPr lang="es-CL"/>
-          </a:p>
-        </p:txBody>
-      </p:sp>
-      <p:sp>
-        <p:nvSpPr>
-          <p:cNvPr id="3" name="Marcador de texto 2">
-            <a:extLst>
-              <a:ext uri="{FF2B5EF4-FFF2-40B4-BE49-F238E27FC236}">
-                <a16:creationId xmlns:a16="http://schemas.microsoft.com/office/drawing/2014/main" id="{D21CFFC5-6093-EC93-A213-3B98C2A4F3CF}"/>
-              </a:ext>
-            </a:extLst>
-          </p:cNvPr>
+              <a:rPr lang="en-US" smtClean="0"/>
+              <a:t>Click to edit Master title style</a:t>
+            </a:r>
+            <a:endParaRPr lang="en-US"/>
+          </a:p>
+        </p:txBody>
+      </p:sp>
+      <p:sp>
+        <p:nvSpPr>
+          <p:cNvPr id="3" name="Text Placeholder 2"/>
           <p:cNvSpPr>
             <a:spLocks noGrp="1"/>
           </p:cNvSpPr>
@@ -2834,8 +2643,8 @@
         </p:nvSpPr>
         <p:spPr>
           <a:xfrm>
-            <a:off x="838200" y="1825625"/>
-            <a:ext cx="10515600" cy="4351338"/>
+            <a:off x="457200" y="1600200"/>
+            <a:ext cx="8229600" cy="4525963"/>
           </a:xfrm>
           <a:prstGeom prst="rect">
             <a:avLst/>
@@ -2849,50 +2658,44 @@
           <a:p>
             <a:pPr lvl="0"/>
             <a:r>
-              <a:rPr lang="es-ES"/>
-              <a:t>Haga clic para modificar los estilos de texto del patrón</a:t>
+              <a:rPr lang="en-US" smtClean="0"/>
+              <a:t>Click to edit Master text styles</a:t>
             </a:r>
           </a:p>
           <a:p>
             <a:pPr lvl="1"/>
             <a:r>
-              <a:rPr lang="es-ES"/>
-              <a:t>Segundo nivel</a:t>
+              <a:rPr lang="en-US" smtClean="0"/>
+              <a:t>Second level</a:t>
             </a:r>
           </a:p>
           <a:p>
             <a:pPr lvl="2"/>
             <a:r>
-              <a:rPr lang="es-ES"/>
-              <a:t>Tercer nivel</a:t>
+              <a:rPr lang="en-US" smtClean="0"/>
+              <a:t>Third level</a:t>
             </a:r>
           </a:p>
           <a:p>
             <a:pPr lvl="3"/>
             <a:r>
-              <a:rPr lang="es-ES"/>
-              <a:t>Cuarto nivel</a:t>
+              <a:rPr lang="en-US" smtClean="0"/>
+              <a:t>Fourth level</a:t>
             </a:r>
           </a:p>
           <a:p>
             <a:pPr lvl="4"/>
             <a:r>
-              <a:rPr lang="es-ES"/>
-              <a:t>Quinto nivel</a:t>
-            </a:r>
-            <a:endParaRPr lang="es-CL"/>
-          </a:p>
-        </p:txBody>
-      </p:sp>
-      <p:sp>
-        <p:nvSpPr>
-          <p:cNvPr id="4" name="Marcador de fecha 3">
-            <a:extLst>
-              <a:ext uri="{FF2B5EF4-FFF2-40B4-BE49-F238E27FC236}">
-                <a16:creationId xmlns:a16="http://schemas.microsoft.com/office/drawing/2014/main" id="{B992228B-01FE-7D3B-F920-8A4F541D8BA2}"/>
-              </a:ext>
-            </a:extLst>
-          </p:cNvPr>
+              <a:rPr lang="en-US" smtClean="0"/>
+              <a:t>Fifth level</a:t>
+            </a:r>
+            <a:endParaRPr lang="en-US"/>
+          </a:p>
+        </p:txBody>
+      </p:sp>
+      <p:sp>
+        <p:nvSpPr>
+          <p:cNvPr id="4" name="Date Placeholder 3"/>
           <p:cNvSpPr>
             <a:spLocks noGrp="1"/>
           </p:cNvSpPr>
@@ -2902,8 +2705,8 @@
         </p:nvSpPr>
         <p:spPr>
           <a:xfrm>
-            <a:off x="838200" y="6356350"/>
-            <a:ext cx="2743200" cy="365125"/>
+            <a:off x="457200" y="6356350"/>
+            <a:ext cx="2133600" cy="365125"/>
           </a:xfrm>
           <a:prstGeom prst="rect">
             <a:avLst/>
@@ -2916,30 +2719,25 @@
               <a:defRPr sz="1200">
                 <a:solidFill>
                   <a:schemeClr val="tx1">
-                    <a:tint val="82000"/>
+                    <a:tint val="75000"/>
                   </a:schemeClr>
                 </a:solidFill>
               </a:defRPr>
             </a:lvl1pPr>
           </a:lstStyle>
           <a:p>
-            <a:fld id="{7111A234-2D8D-487C-BDF8-9ED2BC553A83}" type="datetimeFigureOut">
-              <a:rPr lang="es-CL" smtClean="0"/>
-              <a:t>25-08-2025</a:t>
+            <a:fld id="{1D8BD707-D9CF-40AE-B4C6-C98DA3205C09}" type="datetimeFigureOut">
+              <a:rPr lang="en-US" smtClean="0"/>
+              <a:pPr/>
+              <a:t>8/1/2011</a:t>
             </a:fld>
-            <a:endParaRPr lang="es-CL"/>
-          </a:p>
-        </p:txBody>
-      </p:sp>
-      <p:sp>
-        <p:nvSpPr>
-          <p:cNvPr id="5" name="Marcador de pie de página 4">
-            <a:extLst>
-              <a:ext uri="{FF2B5EF4-FFF2-40B4-BE49-F238E27FC236}">
-                <a16:creationId xmlns:a16="http://schemas.microsoft.com/office/drawing/2014/main" id="{7F4564D9-34E1-DE8D-994B-8A95A9840EE1}"/>
-              </a:ext>
-            </a:extLst>
-          </p:cNvPr>
+            <a:endParaRPr lang="en-US"/>
+          </a:p>
+        </p:txBody>
+      </p:sp>
+      <p:sp>
+        <p:nvSpPr>
+          <p:cNvPr id="5" name="Footer Placeholder 4"/>
           <p:cNvSpPr>
             <a:spLocks noGrp="1"/>
           </p:cNvSpPr>
@@ -2949,8 +2747,8 @@
         </p:nvSpPr>
         <p:spPr>
           <a:xfrm>
-            <a:off x="4038600" y="6356350"/>
-            <a:ext cx="4114800" cy="365125"/>
+            <a:off x="3124200" y="6356350"/>
+            <a:ext cx="2895600" cy="365125"/>
           </a:xfrm>
           <a:prstGeom prst="rect">
             <a:avLst/>
@@ -2963,26 +2761,20 @@
               <a:defRPr sz="1200">
                 <a:solidFill>
                   <a:schemeClr val="tx1">
-                    <a:tint val="82000"/>
+                    <a:tint val="75000"/>
                   </a:schemeClr>
                 </a:solidFill>
               </a:defRPr>
             </a:lvl1pPr>
           </a:lstStyle>
           <a:p>
-            <a:endParaRPr lang="es-CL"/>
-          </a:p>
-        </p:txBody>
-      </p:sp>
-      <p:sp>
-        <p:nvSpPr>
-          <p:cNvPr id="6" name="Marcador de número de diapositiva 5">
-            <a:extLst>
-              <a:ext uri="{FF2B5EF4-FFF2-40B4-BE49-F238E27FC236}">
-                <a16:creationId xmlns:a16="http://schemas.microsoft.com/office/drawing/2014/main" id="{6FB97695-1506-C12C-CE9B-D7770C4BBA27}"/>
-              </a:ext>
-            </a:extLst>
-          </p:cNvPr>
+            <a:endParaRPr lang="en-US"/>
+          </a:p>
+        </p:txBody>
+      </p:sp>
+      <p:sp>
+        <p:nvSpPr>
+          <p:cNvPr id="6" name="Slide Number Placeholder 5"/>
           <p:cNvSpPr>
             <a:spLocks noGrp="1"/>
           </p:cNvSpPr>
@@ -2992,8 +2784,8 @@
         </p:nvSpPr>
         <p:spPr>
           <a:xfrm>
-            <a:off x="8610600" y="6356350"/>
-            <a:ext cx="2743200" cy="365125"/>
+            <a:off x="6553200" y="6356350"/>
+            <a:ext cx="2133600" cy="365125"/>
           </a:xfrm>
           <a:prstGeom prst="rect">
             <a:avLst/>
@@ -3006,27 +2798,23 @@
               <a:defRPr sz="1200">
                 <a:solidFill>
                   <a:schemeClr val="tx1">
-                    <a:tint val="82000"/>
+                    <a:tint val="75000"/>
                   </a:schemeClr>
                 </a:solidFill>
               </a:defRPr>
             </a:lvl1pPr>
           </a:lstStyle>
           <a:p>
-            <a:fld id="{CBF1477D-EE20-42E8-8C96-F13A1115F218}" type="slidenum">
-              <a:rPr lang="es-CL" smtClean="0"/>
-              <a:t>‹Nº›</a:t>
+            <a:fld id="{B6F15528-21DE-4FAA-801E-634DDDAF4B2B}" type="slidenum">
+              <a:rPr lang="en-US" smtClean="0"/>
+              <a:pPr/>
+              <a:t>‹#›</a:t>
             </a:fld>
-            <a:endParaRPr lang="es-CL"/>
+            <a:endParaRPr lang="en-US"/>
           </a:p>
         </p:txBody>
       </p:sp>
     </p:spTree>
-    <p:extLst>
-      <p:ext uri="{BB962C8B-B14F-4D97-AF65-F5344CB8AC3E}">
-        <p14:creationId xmlns:p14="http://schemas.microsoft.com/office/powerpoint/2010/main" val="2066059866"/>
-      </p:ext>
-    </p:extLst>
   </p:cSld>
   <p:clrMap bg1="lt1" tx1="dk1" bg2="lt2" tx2="dk2" accent1="accent1" accent2="accent2" accent3="accent3" accent4="accent4" accent5="accent5" accent6="accent6" hlink="hlink" folHlink="folHlink"/>
   <p:sldLayoutIdLst>
@@ -3044,10 +2832,7 @@
   </p:sldLayoutIdLst>
   <p:txStyles>
     <p:titleStyle>
-      <a:lvl1pPr algn="l" defTabSz="914400" rtl="0" eaLnBrk="1" latinLnBrk="0" hangingPunct="1">
-        <a:lnSpc>
-          <a:spcPct val="90000"/>
-        </a:lnSpc>
+      <a:lvl1pPr algn="ctr" defTabSz="914400" rtl="0" eaLnBrk="1" latinLnBrk="0" hangingPunct="1">
         <a:spcBef>
           <a:spcPct val="0"/>
         </a:spcBef>
@@ -3063,15 +2848,27 @@
       </a:lvl1pPr>
     </p:titleStyle>
     <p:bodyStyle>
-      <a:lvl1pPr marL="228600" indent="-228600" algn="l" defTabSz="914400" rtl="0" eaLnBrk="1" latinLnBrk="0" hangingPunct="1">
-        <a:lnSpc>
-          <a:spcPct val="90000"/>
-        </a:lnSpc>
+      <a:lvl1pPr marL="342900" indent="-342900" algn="l" defTabSz="914400" rtl="0" eaLnBrk="1" latinLnBrk="0" hangingPunct="1">
         <a:spcBef>
-          <a:spcPts val="1000"/>
+          <a:spcPct val="20000"/>
         </a:spcBef>
-        <a:buFont typeface="Arial" panose="020B0604020202020204" pitchFamily="34" charset="0"/>
+        <a:buFont typeface="Arial" pitchFamily="34" charset="0"/>
         <a:buChar char="•"/>
+        <a:defRPr sz="3200" kern="1200">
+          <a:solidFill>
+            <a:schemeClr val="tx1"/>
+          </a:solidFill>
+          <a:latin typeface="+mn-lt"/>
+          <a:ea typeface="+mn-ea"/>
+          <a:cs typeface="+mn-cs"/>
+        </a:defRPr>
+      </a:lvl1pPr>
+      <a:lvl2pPr marL="742950" indent="-285750" algn="l" defTabSz="914400" rtl="0" eaLnBrk="1" latinLnBrk="0" hangingPunct="1">
+        <a:spcBef>
+          <a:spcPct val="20000"/>
+        </a:spcBef>
+        <a:buFont typeface="Arial" pitchFamily="34" charset="0"/>
+        <a:buChar char="–"/>
         <a:defRPr sz="2800" kern="1200">
           <a:solidFill>
             <a:schemeClr val="tx1"/>
@@ -3080,15 +2877,12 @@
           <a:ea typeface="+mn-ea"/>
           <a:cs typeface="+mn-cs"/>
         </a:defRPr>
-      </a:lvl1pPr>
-      <a:lvl2pPr marL="685800" indent="-228600" algn="l" defTabSz="914400" rtl="0" eaLnBrk="1" latinLnBrk="0" hangingPunct="1">
-        <a:lnSpc>
-          <a:spcPct val="90000"/>
-        </a:lnSpc>
+      </a:lvl2pPr>
+      <a:lvl3pPr marL="1143000" indent="-228600" algn="l" defTabSz="914400" rtl="0" eaLnBrk="1" latinLnBrk="0" hangingPunct="1">
         <a:spcBef>
-          <a:spcPts val="500"/>
+          <a:spcPct val="20000"/>
         </a:spcBef>
-        <a:buFont typeface="Arial" panose="020B0604020202020204" pitchFamily="34" charset="0"/>
+        <a:buFont typeface="Arial" pitchFamily="34" charset="0"/>
         <a:buChar char="•"/>
         <a:defRPr sz="2400" kern="1200">
           <a:solidFill>
@@ -3098,15 +2892,42 @@
           <a:ea typeface="+mn-ea"/>
           <a:cs typeface="+mn-cs"/>
         </a:defRPr>
-      </a:lvl2pPr>
-      <a:lvl3pPr marL="1143000" indent="-228600" algn="l" defTabSz="914400" rtl="0" eaLnBrk="1" latinLnBrk="0" hangingPunct="1">
-        <a:lnSpc>
-          <a:spcPct val="90000"/>
-        </a:lnSpc>
+      </a:lvl3pPr>
+      <a:lvl4pPr marL="1600200" indent="-228600" algn="l" defTabSz="914400" rtl="0" eaLnBrk="1" latinLnBrk="0" hangingPunct="1">
         <a:spcBef>
-          <a:spcPts val="500"/>
+          <a:spcPct val="20000"/>
         </a:spcBef>
-        <a:buFont typeface="Arial" panose="020B0604020202020204" pitchFamily="34" charset="0"/>
+        <a:buFont typeface="Arial" pitchFamily="34" charset="0"/>
+        <a:buChar char="–"/>
+        <a:defRPr sz="2000" kern="1200">
+          <a:solidFill>
+            <a:schemeClr val="tx1"/>
+          </a:solidFill>
+          <a:latin typeface="+mn-lt"/>
+          <a:ea typeface="+mn-ea"/>
+          <a:cs typeface="+mn-cs"/>
+        </a:defRPr>
+      </a:lvl4pPr>
+      <a:lvl5pPr marL="2057400" indent="-228600" algn="l" defTabSz="914400" rtl="0" eaLnBrk="1" latinLnBrk="0" hangingPunct="1">
+        <a:spcBef>
+          <a:spcPct val="20000"/>
+        </a:spcBef>
+        <a:buFont typeface="Arial" pitchFamily="34" charset="0"/>
+        <a:buChar char="»"/>
+        <a:defRPr sz="2000" kern="1200">
+          <a:solidFill>
+            <a:schemeClr val="tx1"/>
+          </a:solidFill>
+          <a:latin typeface="+mn-lt"/>
+          <a:ea typeface="+mn-ea"/>
+          <a:cs typeface="+mn-cs"/>
+        </a:defRPr>
+      </a:lvl5pPr>
+      <a:lvl6pPr marL="2514600" indent="-228600" algn="l" defTabSz="914400" rtl="0" eaLnBrk="1" latinLnBrk="0" hangingPunct="1">
+        <a:spcBef>
+          <a:spcPct val="20000"/>
+        </a:spcBef>
+        <a:buFont typeface="Arial" pitchFamily="34" charset="0"/>
         <a:buChar char="•"/>
         <a:defRPr sz="2000" kern="1200">
           <a:solidFill>
@@ -3116,71 +2937,14 @@
           <a:ea typeface="+mn-ea"/>
           <a:cs typeface="+mn-cs"/>
         </a:defRPr>
-      </a:lvl3pPr>
-      <a:lvl4pPr marL="1600200" indent="-228600" algn="l" defTabSz="914400" rtl="0" eaLnBrk="1" latinLnBrk="0" hangingPunct="1">
-        <a:lnSpc>
-          <a:spcPct val="90000"/>
-        </a:lnSpc>
-        <a:spcBef>
-          <a:spcPts val="500"/>
-        </a:spcBef>
-        <a:buFont typeface="Arial" panose="020B0604020202020204" pitchFamily="34" charset="0"/>
-        <a:buChar char="•"/>
-        <a:defRPr sz="1800" kern="1200">
-          <a:solidFill>
-            <a:schemeClr val="tx1"/>
-          </a:solidFill>
-          <a:latin typeface="+mn-lt"/>
-          <a:ea typeface="+mn-ea"/>
-          <a:cs typeface="+mn-cs"/>
-        </a:defRPr>
-      </a:lvl4pPr>
-      <a:lvl5pPr marL="2057400" indent="-228600" algn="l" defTabSz="914400" rtl="0" eaLnBrk="1" latinLnBrk="0" hangingPunct="1">
-        <a:lnSpc>
-          <a:spcPct val="90000"/>
-        </a:lnSpc>
-        <a:spcBef>
-          <a:spcPts val="500"/>
-        </a:spcBef>
-        <a:buFont typeface="Arial" panose="020B0604020202020204" pitchFamily="34" charset="0"/>
-        <a:buChar char="•"/>
-        <a:defRPr sz="1800" kern="1200">
-          <a:solidFill>
-            <a:schemeClr val="tx1"/>
-          </a:solidFill>
-          <a:latin typeface="+mn-lt"/>
-          <a:ea typeface="+mn-ea"/>
-          <a:cs typeface="+mn-cs"/>
-        </a:defRPr>
-      </a:lvl5pPr>
-      <a:lvl6pPr marL="2514600" indent="-228600" algn="l" defTabSz="914400" rtl="0" eaLnBrk="1" latinLnBrk="0" hangingPunct="1">
-        <a:lnSpc>
-          <a:spcPct val="90000"/>
-        </a:lnSpc>
-        <a:spcBef>
-          <a:spcPts val="500"/>
-        </a:spcBef>
-        <a:buFont typeface="Arial" panose="020B0604020202020204" pitchFamily="34" charset="0"/>
-        <a:buChar char="•"/>
-        <a:defRPr sz="1800" kern="1200">
-          <a:solidFill>
-            <a:schemeClr val="tx1"/>
-          </a:solidFill>
-          <a:latin typeface="+mn-lt"/>
-          <a:ea typeface="+mn-ea"/>
-          <a:cs typeface="+mn-cs"/>
-        </a:defRPr>
       </a:lvl6pPr>
       <a:lvl7pPr marL="2971800" indent="-228600" algn="l" defTabSz="914400" rtl="0" eaLnBrk="1" latinLnBrk="0" hangingPunct="1">
-        <a:lnSpc>
-          <a:spcPct val="90000"/>
-        </a:lnSpc>
         <a:spcBef>
-          <a:spcPts val="500"/>
+          <a:spcPct val="20000"/>
         </a:spcBef>
-        <a:buFont typeface="Arial" panose="020B0604020202020204" pitchFamily="34" charset="0"/>
+        <a:buFont typeface="Arial" pitchFamily="34" charset="0"/>
         <a:buChar char="•"/>
-        <a:defRPr sz="1800" kern="1200">
+        <a:defRPr sz="2000" kern="1200">
           <a:solidFill>
             <a:schemeClr val="tx1"/>
           </a:solidFill>
@@ -3190,15 +2954,12 @@
         </a:defRPr>
       </a:lvl7pPr>
       <a:lvl8pPr marL="3429000" indent="-228600" algn="l" defTabSz="914400" rtl="0" eaLnBrk="1" latinLnBrk="0" hangingPunct="1">
-        <a:lnSpc>
-          <a:spcPct val="90000"/>
-        </a:lnSpc>
         <a:spcBef>
-          <a:spcPts val="500"/>
+          <a:spcPct val="20000"/>
         </a:spcBef>
-        <a:buFont typeface="Arial" panose="020B0604020202020204" pitchFamily="34" charset="0"/>
+        <a:buFont typeface="Arial" pitchFamily="34" charset="0"/>
         <a:buChar char="•"/>
-        <a:defRPr sz="1800" kern="1200">
+        <a:defRPr sz="2000" kern="1200">
           <a:solidFill>
             <a:schemeClr val="tx1"/>
           </a:solidFill>
@@ -3208,15 +2969,12 @@
         </a:defRPr>
       </a:lvl8pPr>
       <a:lvl9pPr marL="3886200" indent="-228600" algn="l" defTabSz="914400" rtl="0" eaLnBrk="1" latinLnBrk="0" hangingPunct="1">
-        <a:lnSpc>
-          <a:spcPct val="90000"/>
-        </a:lnSpc>
         <a:spcBef>
-          <a:spcPts val="500"/>
+          <a:spcPct val="20000"/>
         </a:spcBef>
-        <a:buFont typeface="Arial" panose="020B0604020202020204" pitchFamily="34" charset="0"/>
+        <a:buFont typeface="Arial" pitchFamily="34" charset="0"/>
         <a:buChar char="•"/>
-        <a:defRPr sz="1800" kern="1200">
+        <a:defRPr sz="2000" kern="1200">
           <a:solidFill>
             <a:schemeClr val="tx1"/>
           </a:solidFill>
@@ -3228,7 +2986,7 @@
     </p:bodyStyle>
     <p:otherStyle>
       <a:defPPr>
-        <a:defRPr lang="es-CL"/>
+        <a:defRPr lang="en-US"/>
       </a:defPPr>
       <a:lvl1pPr marL="0" algn="l" defTabSz="914400" rtl="0" eaLnBrk="1" latinLnBrk="0" hangingPunct="1">
         <a:defRPr sz="1800" kern="1200">
@@ -3326,8 +3084,15 @@
 </file>
 
 <file path=ppt/slides/slide1.xml><?xml version="1.0" encoding="utf-8"?>
-<p:sld xmlns:a="http://schemas.openxmlformats.org/drawingml/2006/main" xmlns:r="http://schemas.openxmlformats.org/officeDocument/2006/relationships" xmlns:p="http://schemas.openxmlformats.org/presentationml/2006/main">
+<p:sld xmlns:p="http://schemas.openxmlformats.org/presentationml/2006/main" xmlns:a="http://schemas.openxmlformats.org/drawingml/2006/main">
   <p:cSld>
+    <p:bg>
+      <p:bgPr>
+        <a:solidFill>
+          <a:srgbClr val="F8FAFF"/>
+        </a:solidFill>
+      </p:bgPr>
+    </p:bg>
     <p:spTree>
       <p:nvGrpSpPr>
         <p:cNvPr id="1" name=""/>
@@ -3342,69 +3107,5710 @@
           <a:chExt cx="0" cy="0"/>
         </a:xfrm>
       </p:grpSpPr>
-      <p:sp>
-        <p:nvSpPr>
-          <p:cNvPr id="2" name="Título 1">
-            <a:extLst>
-              <a:ext uri="{FF2B5EF4-FFF2-40B4-BE49-F238E27FC236}">
-                <a16:creationId xmlns:a16="http://schemas.microsoft.com/office/drawing/2014/main" id="{50ECF1A2-3100-2C99-6A3C-6C078F4AD5E5}"/>
-              </a:ext>
-            </a:extLst>
-          </p:cNvPr>
-          <p:cNvSpPr>
-            <a:spLocks noGrp="1"/>
-          </p:cNvSpPr>
-          <p:nvPr>
-            <p:ph type="ctrTitle"/>
-          </p:nvPr>
-        </p:nvSpPr>
-        <p:spPr/>
-        <p:txBody>
-          <a:bodyPr/>
+      <p:grpSp>
+        <p:nvGrpSpPr>
+          <p:cNvPr name="Group 2" id="2"/>
+          <p:cNvGrpSpPr/>
+          <p:nvPr/>
+        </p:nvGrpSpPr>
+        <p:grpSpPr>
+          <a:xfrm rot="0">
+            <a:off x="1724140" y="650651"/>
+            <a:ext cx="14839720" cy="8985697"/>
+            <a:chOff x="0" y="0"/>
+            <a:chExt cx="4349566" cy="2633735"/>
+          </a:xfrm>
+        </p:grpSpPr>
+        <p:sp>
+          <p:nvSpPr>
+            <p:cNvPr name="Freeform 3" id="3"/>
+            <p:cNvSpPr/>
+            <p:nvPr/>
+          </p:nvSpPr>
+          <p:spPr>
+            <a:xfrm flipH="false" flipV="false" rot="0">
+              <a:off x="0" y="0"/>
+              <a:ext cx="4349566" cy="2633735"/>
+            </a:xfrm>
+            <a:custGeom>
+              <a:avLst/>
+              <a:gdLst/>
+              <a:ahLst/>
+              <a:cxnLst/>
+              <a:rect r="r" b="b" t="t" l="l"/>
+              <a:pathLst>
+                <a:path h="2633735" w="4349566">
+                  <a:moveTo>
+                    <a:pt x="0" y="0"/>
+                  </a:moveTo>
+                  <a:lnTo>
+                    <a:pt x="4349566" y="0"/>
+                  </a:lnTo>
+                  <a:lnTo>
+                    <a:pt x="4349566" y="2633735"/>
+                  </a:lnTo>
+                  <a:lnTo>
+                    <a:pt x="0" y="2633735"/>
+                  </a:lnTo>
+                  <a:close/>
+                </a:path>
+              </a:pathLst>
+            </a:custGeom>
+            <a:solidFill>
+              <a:srgbClr val="000000">
+                <a:alpha val="0"/>
+              </a:srgbClr>
+            </a:solidFill>
+            <a:ln w="66675" cap="sq">
+              <a:solidFill>
+                <a:srgbClr val="8FA4E1"/>
+              </a:solidFill>
+              <a:prstDash val="solid"/>
+              <a:miter/>
+            </a:ln>
+          </p:spPr>
+        </p:sp>
+        <p:sp>
+          <p:nvSpPr>
+            <p:cNvPr name="TextBox 4" id="4"/>
+            <p:cNvSpPr txBox="true"/>
+            <p:nvPr/>
+          </p:nvSpPr>
+          <p:spPr>
+            <a:xfrm>
+              <a:off x="0" y="-38100"/>
+              <a:ext cx="4349566" cy="2671835"/>
+            </a:xfrm>
+            <a:prstGeom prst="rect">
+              <a:avLst/>
+            </a:prstGeom>
+          </p:spPr>
+          <p:txBody>
+            <a:bodyPr anchor="ctr" rtlCol="false" tIns="48876" lIns="48876" bIns="48876" rIns="48876"/>
+            <a:lstStyle/>
+            <a:p>
+              <a:pPr algn="ctr">
+                <a:lnSpc>
+                  <a:spcPts val="1588"/>
+                </a:lnSpc>
+              </a:pPr>
+            </a:p>
+          </p:txBody>
+        </p:sp>
+      </p:grpSp>
+      <p:sp>
+        <p:nvSpPr>
+          <p:cNvPr name="AutoShape 5" id="5"/>
+          <p:cNvSpPr/>
+          <p:nvPr/>
+        </p:nvSpPr>
+        <p:spPr>
+          <a:xfrm rot="0">
+            <a:off x="1140037" y="3092063"/>
+            <a:ext cx="16007927" cy="3964452"/>
+          </a:xfrm>
+          <a:prstGeom prst="rect">
+            <a:avLst/>
+          </a:prstGeom>
+          <a:solidFill>
+            <a:srgbClr val="CFDBFF"/>
+          </a:solidFill>
+        </p:spPr>
+      </p:sp>
+      <p:sp>
+        <p:nvSpPr>
+          <p:cNvPr name="AutoShape 6" id="6"/>
+          <p:cNvSpPr/>
+          <p:nvPr/>
+        </p:nvSpPr>
+        <p:spPr>
+          <a:xfrm rot="0">
+            <a:off x="13385822" y="8800273"/>
+            <a:ext cx="2773182" cy="264496"/>
+          </a:xfrm>
+          <a:prstGeom prst="rect">
+            <a:avLst/>
+          </a:prstGeom>
+          <a:solidFill>
+            <a:srgbClr val="CFDBFF"/>
+          </a:solidFill>
+        </p:spPr>
+      </p:sp>
+      <p:sp>
+        <p:nvSpPr>
+          <p:cNvPr name="TextBox 7" id="7"/>
+          <p:cNvSpPr txBox="true"/>
+          <p:nvPr/>
+        </p:nvSpPr>
+        <p:spPr>
+          <a:xfrm rot="0">
+            <a:off x="13507145" y="8837271"/>
+            <a:ext cx="2574118" cy="190500"/>
+          </a:xfrm>
+          <a:prstGeom prst="rect">
+            <a:avLst/>
+          </a:prstGeom>
+        </p:spPr>
+        <p:txBody>
+          <a:bodyPr anchor="t" rtlCol="false" tIns="0" lIns="0" bIns="0" rIns="0">
+            <a:spAutoFit/>
+          </a:bodyPr>
           <a:lstStyle/>
           <a:p>
-            <a:r>
-              <a:rPr lang="es-CL" dirty="0"/>
-              <a:t>Voila</a:t>
-            </a:r>
-            <a:br>
-              <a:rPr lang="es-CL" dirty="0"/>
-            </a:br>
-            <a:endParaRPr lang="es-CL" dirty="0"/>
-          </a:p>
-        </p:txBody>
-      </p:sp>
-      <p:sp>
-        <p:nvSpPr>
-          <p:cNvPr id="3" name="Subtítulo 2">
-            <a:extLst>
-              <a:ext uri="{FF2B5EF4-FFF2-40B4-BE49-F238E27FC236}">
-                <a16:creationId xmlns:a16="http://schemas.microsoft.com/office/drawing/2014/main" id="{931A7F3C-8339-13D4-7B51-4ADF7B6215B7}"/>
-              </a:ext>
-            </a:extLst>
-          </p:cNvPr>
-          <p:cNvSpPr>
-            <a:spLocks noGrp="1"/>
-          </p:cNvSpPr>
-          <p:nvPr>
-            <p:ph type="subTitle" idx="1"/>
-          </p:nvPr>
-        </p:nvSpPr>
-        <p:spPr/>
-        <p:txBody>
-          <a:bodyPr/>
+            <a:pPr algn="r">
+              <a:lnSpc>
+                <a:spcPts val="1568"/>
+              </a:lnSpc>
+            </a:pPr>
+            <a:r>
+              <a:rPr lang="en-US" b="true" sz="1306" spc="84">
+                <a:solidFill>
+                  <a:srgbClr val="000000"/>
+                </a:solidFill>
+                <a:latin typeface="DM Sans Bold"/>
+                <a:ea typeface="DM Sans Bold"/>
+                <a:cs typeface="DM Sans Bold"/>
+                <a:sym typeface="DM Sans Bold"/>
+              </a:rPr>
+              <a:t>SUPERVISADO POR:</a:t>
+            </a:r>
+          </a:p>
+        </p:txBody>
+      </p:sp>
+      <p:sp>
+        <p:nvSpPr>
+          <p:cNvPr name="TextBox 8" id="8"/>
+          <p:cNvSpPr txBox="true"/>
+          <p:nvPr/>
+        </p:nvSpPr>
+        <p:spPr>
+          <a:xfrm rot="0">
+            <a:off x="13507145" y="9089833"/>
+            <a:ext cx="2574118" cy="248530"/>
+          </a:xfrm>
+          <a:prstGeom prst="rect">
+            <a:avLst/>
+          </a:prstGeom>
+        </p:spPr>
+        <p:txBody>
+          <a:bodyPr anchor="t" rtlCol="false" tIns="0" lIns="0" bIns="0" rIns="0">
+            <a:spAutoFit/>
+          </a:bodyPr>
           <a:lstStyle/>
           <a:p>
-            <a:endParaRPr lang="es-CL"/>
+            <a:pPr algn="r" marL="0" indent="0" lvl="0">
+              <a:lnSpc>
+                <a:spcPts val="2051"/>
+              </a:lnSpc>
+              <a:spcBef>
+                <a:spcPct val="0"/>
+              </a:spcBef>
+            </a:pPr>
+            <a:r>
+              <a:rPr lang="en-US" sz="1465" spc="30">
+                <a:solidFill>
+                  <a:srgbClr val="000000"/>
+                </a:solidFill>
+                <a:latin typeface="DM Sans"/>
+                <a:ea typeface="DM Sans"/>
+                <a:cs typeface="DM Sans"/>
+                <a:sym typeface="DM Sans"/>
+              </a:rPr>
+              <a:t>German Barrientos</a:t>
+            </a:r>
+          </a:p>
+        </p:txBody>
+      </p:sp>
+      <p:sp>
+        <p:nvSpPr>
+          <p:cNvPr name="AutoShape 9" id="9"/>
+          <p:cNvSpPr/>
+          <p:nvPr/>
+        </p:nvSpPr>
+        <p:spPr>
+          <a:xfrm rot="0">
+            <a:off x="2198370" y="1028700"/>
+            <a:ext cx="2695440" cy="264496"/>
+          </a:xfrm>
+          <a:prstGeom prst="rect">
+            <a:avLst/>
+          </a:prstGeom>
+          <a:solidFill>
+            <a:srgbClr val="CFDBFF"/>
+          </a:solidFill>
+        </p:spPr>
+      </p:sp>
+      <p:sp>
+        <p:nvSpPr>
+          <p:cNvPr name="TextBox 10" id="10"/>
+          <p:cNvSpPr txBox="true"/>
+          <p:nvPr/>
+        </p:nvSpPr>
+        <p:spPr>
+          <a:xfrm rot="0">
+            <a:off x="2319692" y="1065192"/>
+            <a:ext cx="2574118" cy="191512"/>
+          </a:xfrm>
+          <a:prstGeom prst="rect">
+            <a:avLst/>
+          </a:prstGeom>
+        </p:spPr>
+        <p:txBody>
+          <a:bodyPr anchor="t" rtlCol="false" tIns="0" lIns="0" bIns="0" rIns="0">
+            <a:spAutoFit/>
+          </a:bodyPr>
+          <a:lstStyle/>
+          <a:p>
+            <a:pPr algn="l">
+              <a:lnSpc>
+                <a:spcPts val="1568"/>
+              </a:lnSpc>
+            </a:pPr>
+            <a:r>
+              <a:rPr lang="en-US" b="true" sz="1306" spc="84">
+                <a:solidFill>
+                  <a:srgbClr val="000000"/>
+                </a:solidFill>
+                <a:latin typeface="DM Sans Bold"/>
+                <a:ea typeface="DM Sans Bold"/>
+                <a:cs typeface="DM Sans Bold"/>
+                <a:sym typeface="DM Sans Bold"/>
+              </a:rPr>
+              <a:t>REALIZADO POR:</a:t>
+            </a:r>
+          </a:p>
+        </p:txBody>
+      </p:sp>
+      <p:sp>
+        <p:nvSpPr>
+          <p:cNvPr name="TextBox 11" id="11"/>
+          <p:cNvSpPr txBox="true"/>
+          <p:nvPr/>
+        </p:nvSpPr>
+        <p:spPr>
+          <a:xfrm rot="0">
+            <a:off x="2319692" y="1312246"/>
+            <a:ext cx="2574118" cy="508438"/>
+          </a:xfrm>
+          <a:prstGeom prst="rect">
+            <a:avLst/>
+          </a:prstGeom>
+        </p:spPr>
+        <p:txBody>
+          <a:bodyPr anchor="t" rtlCol="false" tIns="0" lIns="0" bIns="0" rIns="0">
+            <a:spAutoFit/>
+          </a:bodyPr>
+          <a:lstStyle/>
+          <a:p>
+            <a:pPr algn="l">
+              <a:lnSpc>
+                <a:spcPts val="2051"/>
+              </a:lnSpc>
+            </a:pPr>
+            <a:r>
+              <a:rPr lang="en-US" sz="1465" spc="30">
+                <a:solidFill>
+                  <a:srgbClr val="000000"/>
+                </a:solidFill>
+                <a:latin typeface="DM Sans"/>
+                <a:ea typeface="DM Sans"/>
+                <a:cs typeface="DM Sans"/>
+                <a:sym typeface="DM Sans"/>
+              </a:rPr>
+              <a:t>Víctor Remolcoy</a:t>
+            </a:r>
+          </a:p>
+          <a:p>
+            <a:pPr algn="l" marL="0" indent="0" lvl="0">
+              <a:lnSpc>
+                <a:spcPts val="2051"/>
+              </a:lnSpc>
+              <a:spcBef>
+                <a:spcPct val="0"/>
+              </a:spcBef>
+            </a:pPr>
+            <a:r>
+              <a:rPr lang="en-US" sz="1465" spc="30">
+                <a:solidFill>
+                  <a:srgbClr val="000000"/>
+                </a:solidFill>
+                <a:latin typeface="DM Sans"/>
+                <a:ea typeface="DM Sans"/>
+                <a:cs typeface="DM Sans"/>
+                <a:sym typeface="DM Sans"/>
+              </a:rPr>
+              <a:t>Roberto Diaz</a:t>
+            </a:r>
+          </a:p>
+        </p:txBody>
+      </p:sp>
+      <p:sp>
+        <p:nvSpPr>
+          <p:cNvPr name="TextBox 12" id="12"/>
+          <p:cNvSpPr txBox="true"/>
+          <p:nvPr/>
+        </p:nvSpPr>
+        <p:spPr>
+          <a:xfrm rot="0">
+            <a:off x="2069355" y="2331099"/>
+            <a:ext cx="14011908" cy="4650221"/>
+          </a:xfrm>
+          <a:prstGeom prst="rect">
+            <a:avLst/>
+          </a:prstGeom>
+        </p:spPr>
+        <p:txBody>
+          <a:bodyPr anchor="t" rtlCol="false" tIns="0" lIns="0" bIns="0" rIns="0">
+            <a:spAutoFit/>
+          </a:bodyPr>
+          <a:lstStyle/>
+          <a:p>
+            <a:pPr algn="ctr">
+              <a:lnSpc>
+                <a:spcPts val="33553"/>
+              </a:lnSpc>
+            </a:pPr>
+            <a:r>
+              <a:rPr lang="en-US" sz="25419">
+                <a:solidFill>
+                  <a:srgbClr val="000000"/>
+                </a:solidFill>
+                <a:latin typeface="Gill Sans Condensed"/>
+                <a:ea typeface="Gill Sans Condensed"/>
+                <a:cs typeface="Gill Sans Condensed"/>
+                <a:sym typeface="Gill Sans Condensed"/>
+              </a:rPr>
+              <a:t>VOILÁ</a:t>
+            </a:r>
+          </a:p>
+        </p:txBody>
+      </p:sp>
+      <p:sp>
+        <p:nvSpPr>
+          <p:cNvPr name="TextBox 13" id="13"/>
+          <p:cNvSpPr txBox="true"/>
+          <p:nvPr/>
+        </p:nvSpPr>
+        <p:spPr>
+          <a:xfrm rot="0">
+            <a:off x="5733367" y="5688553"/>
+            <a:ext cx="6821266" cy="1374267"/>
+          </a:xfrm>
+          <a:prstGeom prst="rect">
+            <a:avLst/>
+          </a:prstGeom>
+        </p:spPr>
+        <p:txBody>
+          <a:bodyPr anchor="t" rtlCol="false" tIns="0" lIns="0" bIns="0" rIns="0">
+            <a:spAutoFit/>
+          </a:bodyPr>
+          <a:lstStyle/>
+          <a:p>
+            <a:pPr algn="ctr">
+              <a:lnSpc>
+                <a:spcPts val="5544"/>
+              </a:lnSpc>
+            </a:pPr>
+            <a:r>
+              <a:rPr lang="en-US" sz="4200" spc="46">
+                <a:solidFill>
+                  <a:srgbClr val="000000"/>
+                </a:solidFill>
+                <a:latin typeface="Handelson Three"/>
+                <a:ea typeface="Handelson Three"/>
+                <a:cs typeface="Handelson Three"/>
+                <a:sym typeface="Handelson Three"/>
+              </a:rPr>
+              <a:t>Proyecto de Título </a:t>
+            </a:r>
+          </a:p>
+          <a:p>
+            <a:pPr algn="ctr">
+              <a:lnSpc>
+                <a:spcPts val="5544"/>
+              </a:lnSpc>
+            </a:pPr>
+            <a:r>
+              <a:rPr lang="en-US" sz="4200" spc="46">
+                <a:solidFill>
+                  <a:srgbClr val="000000"/>
+                </a:solidFill>
+                <a:latin typeface="Handelson Three"/>
+                <a:ea typeface="Handelson Three"/>
+                <a:cs typeface="Handelson Three"/>
+                <a:sym typeface="Handelson Three"/>
+              </a:rPr>
+              <a:t> Ingeniería en Informática</a:t>
+            </a:r>
+          </a:p>
+        </p:txBody>
+      </p:sp>
+      <p:sp>
+        <p:nvSpPr>
+          <p:cNvPr name="TextBox 14" id="14"/>
+          <p:cNvSpPr txBox="true"/>
+          <p:nvPr/>
+        </p:nvSpPr>
+        <p:spPr>
+          <a:xfrm rot="0">
+            <a:off x="4738618" y="7239507"/>
+            <a:ext cx="8810764" cy="278226"/>
+          </a:xfrm>
+          <a:prstGeom prst="rect">
+            <a:avLst/>
+          </a:prstGeom>
+        </p:spPr>
+        <p:txBody>
+          <a:bodyPr anchor="t" rtlCol="false" tIns="0" lIns="0" bIns="0" rIns="0">
+            <a:spAutoFit/>
+          </a:bodyPr>
+          <a:lstStyle/>
+          <a:p>
+            <a:pPr algn="ctr" marL="0" indent="0" lvl="0">
+              <a:lnSpc>
+                <a:spcPts val="2326"/>
+              </a:lnSpc>
+              <a:spcBef>
+                <a:spcPct val="0"/>
+              </a:spcBef>
+            </a:pPr>
+            <a:r>
+              <a:rPr lang="en-US" sz="1661" spc="34">
+                <a:solidFill>
+                  <a:srgbClr val="000000"/>
+                </a:solidFill>
+                <a:latin typeface="DM Sans"/>
+                <a:ea typeface="DM Sans"/>
+                <a:cs typeface="DM Sans"/>
+                <a:sym typeface="DM Sans"/>
+              </a:rPr>
+              <a:t>Gestión de agenda de servicios</a:t>
+            </a:r>
           </a:p>
         </p:txBody>
       </p:sp>
     </p:spTree>
-    <p:extLst>
-      <p:ext uri="{BB962C8B-B14F-4D97-AF65-F5344CB8AC3E}">
-        <p14:creationId xmlns:p14="http://schemas.microsoft.com/office/powerpoint/2010/main" val="946118719"/>
-      </p:ext>
-    </p:extLst>
+  </p:cSld>
+  <p:clrMapOvr>
+    <a:masterClrMapping/>
+  </p:clrMapOvr>
+</p:sld>
+</file>
+
+<file path=ppt/slides/slide10.xml><?xml version="1.0" encoding="utf-8"?>
+<p:sld xmlns:p="http://schemas.openxmlformats.org/presentationml/2006/main" xmlns:a="http://schemas.openxmlformats.org/drawingml/2006/main" xmlns:r="http://schemas.openxmlformats.org/officeDocument/2006/relationships">
+  <p:cSld>
+    <p:bg>
+      <p:bgPr>
+        <a:solidFill>
+          <a:srgbClr val="F8FAFF"/>
+        </a:solidFill>
+      </p:bgPr>
+    </p:bg>
+    <p:spTree>
+      <p:nvGrpSpPr>
+        <p:cNvPr id="1" name=""/>
+        <p:cNvGrpSpPr/>
+        <p:nvPr/>
+      </p:nvGrpSpPr>
+      <p:grpSpPr>
+        <a:xfrm>
+          <a:off x="0" y="0"/>
+          <a:ext cx="0" cy="0"/>
+          <a:chOff x="0" y="0"/>
+          <a:chExt cx="0" cy="0"/>
+        </a:xfrm>
+      </p:grpSpPr>
+      <p:sp>
+        <p:nvSpPr>
+          <p:cNvPr name="AutoShape 2" id="2"/>
+          <p:cNvSpPr/>
+          <p:nvPr/>
+        </p:nvSpPr>
+        <p:spPr>
+          <a:xfrm rot="0">
+            <a:off x="-1379812" y="-1006101"/>
+            <a:ext cx="2596900" cy="12299202"/>
+          </a:xfrm>
+          <a:prstGeom prst="rect">
+            <a:avLst/>
+          </a:prstGeom>
+          <a:solidFill>
+            <a:srgbClr val="CFDBFF"/>
+          </a:solidFill>
+        </p:spPr>
+      </p:sp>
+      <p:grpSp>
+        <p:nvGrpSpPr>
+          <p:cNvPr name="Group 3" id="3"/>
+          <p:cNvGrpSpPr/>
+          <p:nvPr/>
+        </p:nvGrpSpPr>
+        <p:grpSpPr>
+          <a:xfrm rot="0">
+            <a:off x="1963736" y="1108590"/>
+            <a:ext cx="8739991" cy="1551044"/>
+            <a:chOff x="0" y="0"/>
+            <a:chExt cx="6778587" cy="1202963"/>
+          </a:xfrm>
+        </p:grpSpPr>
+        <p:sp>
+          <p:nvSpPr>
+            <p:cNvPr name="Freeform 4" id="4"/>
+            <p:cNvSpPr/>
+            <p:nvPr/>
+          </p:nvSpPr>
+          <p:spPr>
+            <a:xfrm flipH="false" flipV="false" rot="0">
+              <a:off x="0" y="0"/>
+              <a:ext cx="6778587" cy="1202963"/>
+            </a:xfrm>
+            <a:custGeom>
+              <a:avLst/>
+              <a:gdLst/>
+              <a:ahLst/>
+              <a:cxnLst/>
+              <a:rect r="r" b="b" t="t" l="l"/>
+              <a:pathLst>
+                <a:path h="1202963" w="6778587">
+                  <a:moveTo>
+                    <a:pt x="0" y="0"/>
+                  </a:moveTo>
+                  <a:lnTo>
+                    <a:pt x="6778587" y="0"/>
+                  </a:lnTo>
+                  <a:lnTo>
+                    <a:pt x="6778587" y="1202963"/>
+                  </a:lnTo>
+                  <a:lnTo>
+                    <a:pt x="0" y="1202963"/>
+                  </a:lnTo>
+                  <a:close/>
+                </a:path>
+              </a:pathLst>
+            </a:custGeom>
+            <a:solidFill>
+              <a:srgbClr val="000000">
+                <a:alpha val="0"/>
+              </a:srgbClr>
+            </a:solidFill>
+            <a:ln w="66675" cap="sq">
+              <a:solidFill>
+                <a:srgbClr val="8FA4E1"/>
+              </a:solidFill>
+              <a:prstDash val="solid"/>
+              <a:miter/>
+            </a:ln>
+          </p:spPr>
+        </p:sp>
+        <p:sp>
+          <p:nvSpPr>
+            <p:cNvPr name="TextBox 5" id="5"/>
+            <p:cNvSpPr txBox="true"/>
+            <p:nvPr/>
+          </p:nvSpPr>
+          <p:spPr>
+            <a:xfrm>
+              <a:off x="0" y="-47625"/>
+              <a:ext cx="6778587" cy="1250588"/>
+            </a:xfrm>
+            <a:prstGeom prst="rect">
+              <a:avLst/>
+            </a:prstGeom>
+          </p:spPr>
+          <p:txBody>
+            <a:bodyPr anchor="ctr" rtlCol="false" tIns="48876" lIns="48876" bIns="48876" rIns="48876"/>
+            <a:lstStyle/>
+            <a:p>
+              <a:pPr algn="ctr">
+                <a:lnSpc>
+                  <a:spcPts val="1588"/>
+                </a:lnSpc>
+              </a:pPr>
+            </a:p>
+          </p:txBody>
+        </p:sp>
+      </p:grpSp>
+      <p:sp>
+        <p:nvSpPr>
+          <p:cNvPr name="AutoShape 6" id="6"/>
+          <p:cNvSpPr/>
+          <p:nvPr/>
+        </p:nvSpPr>
+        <p:spPr>
+          <a:xfrm rot="0">
+            <a:off x="2348044" y="790431"/>
+            <a:ext cx="7979645" cy="2187364"/>
+          </a:xfrm>
+          <a:prstGeom prst="rect">
+            <a:avLst/>
+          </a:prstGeom>
+          <a:solidFill>
+            <a:srgbClr val="CFDBFF"/>
+          </a:solidFill>
+        </p:spPr>
+      </p:sp>
+      <p:sp>
+        <p:nvSpPr>
+          <p:cNvPr name="Freeform 7" id="7"/>
+          <p:cNvSpPr/>
+          <p:nvPr/>
+        </p:nvSpPr>
+        <p:spPr>
+          <a:xfrm flipH="false" flipV="false" rot="0">
+            <a:off x="1526468" y="5143500"/>
+            <a:ext cx="3909063" cy="4408755"/>
+          </a:xfrm>
+          <a:custGeom>
+            <a:avLst/>
+            <a:gdLst/>
+            <a:ahLst/>
+            <a:cxnLst/>
+            <a:rect r="r" b="b" t="t" l="l"/>
+            <a:pathLst>
+              <a:path h="4408755" w="3909063">
+                <a:moveTo>
+                  <a:pt x="0" y="0"/>
+                </a:moveTo>
+                <a:lnTo>
+                  <a:pt x="3909063" y="0"/>
+                </a:lnTo>
+                <a:lnTo>
+                  <a:pt x="3909063" y="4408755"/>
+                </a:lnTo>
+                <a:lnTo>
+                  <a:pt x="0" y="4408755"/>
+                </a:lnTo>
+                <a:lnTo>
+                  <a:pt x="0" y="0"/>
+                </a:lnTo>
+                <a:close/>
+              </a:path>
+            </a:pathLst>
+          </a:custGeom>
+          <a:blipFill>
+            <a:blip r:embed="rId2"/>
+            <a:stretch>
+              <a:fillRect l="-38081" t="-3508" r="-44519" b="-24598"/>
+            </a:stretch>
+          </a:blipFill>
+        </p:spPr>
+      </p:sp>
+      <p:sp>
+        <p:nvSpPr>
+          <p:cNvPr name="Freeform 8" id="8"/>
+          <p:cNvSpPr/>
+          <p:nvPr/>
+        </p:nvSpPr>
+        <p:spPr>
+          <a:xfrm flipH="false" flipV="false" rot="0">
+            <a:off x="6457483" y="5019704"/>
+            <a:ext cx="5408974" cy="4238596"/>
+          </a:xfrm>
+          <a:custGeom>
+            <a:avLst/>
+            <a:gdLst/>
+            <a:ahLst/>
+            <a:cxnLst/>
+            <a:rect r="r" b="b" t="t" l="l"/>
+            <a:pathLst>
+              <a:path h="4238596" w="5408974">
+                <a:moveTo>
+                  <a:pt x="0" y="0"/>
+                </a:moveTo>
+                <a:lnTo>
+                  <a:pt x="5408974" y="0"/>
+                </a:lnTo>
+                <a:lnTo>
+                  <a:pt x="5408974" y="4238596"/>
+                </a:lnTo>
+                <a:lnTo>
+                  <a:pt x="0" y="4238596"/>
+                </a:lnTo>
+                <a:lnTo>
+                  <a:pt x="0" y="0"/>
+                </a:lnTo>
+                <a:close/>
+              </a:path>
+            </a:pathLst>
+          </a:custGeom>
+          <a:blipFill>
+            <a:blip r:embed="rId3"/>
+            <a:stretch>
+              <a:fillRect l="0" t="0" r="-2230" b="0"/>
+            </a:stretch>
+          </a:blipFill>
+        </p:spPr>
+      </p:sp>
+      <p:sp>
+        <p:nvSpPr>
+          <p:cNvPr name="Freeform 9" id="9"/>
+          <p:cNvSpPr/>
+          <p:nvPr/>
+        </p:nvSpPr>
+        <p:spPr>
+          <a:xfrm flipH="false" flipV="false" rot="0">
+            <a:off x="12912350" y="26613"/>
+            <a:ext cx="4780083" cy="5902363"/>
+          </a:xfrm>
+          <a:custGeom>
+            <a:avLst/>
+            <a:gdLst/>
+            <a:ahLst/>
+            <a:cxnLst/>
+            <a:rect r="r" b="b" t="t" l="l"/>
+            <a:pathLst>
+              <a:path h="5902363" w="4780083">
+                <a:moveTo>
+                  <a:pt x="0" y="0"/>
+                </a:moveTo>
+                <a:lnTo>
+                  <a:pt x="4780082" y="0"/>
+                </a:lnTo>
+                <a:lnTo>
+                  <a:pt x="4780082" y="5902363"/>
+                </a:lnTo>
+                <a:lnTo>
+                  <a:pt x="0" y="5902363"/>
+                </a:lnTo>
+                <a:lnTo>
+                  <a:pt x="0" y="0"/>
+                </a:lnTo>
+                <a:close/>
+              </a:path>
+            </a:pathLst>
+          </a:custGeom>
+          <a:blipFill>
+            <a:blip r:embed="rId4"/>
+            <a:stretch>
+              <a:fillRect l="0" t="0" r="0" b="0"/>
+            </a:stretch>
+          </a:blipFill>
+        </p:spPr>
+      </p:sp>
+      <p:sp>
+        <p:nvSpPr>
+          <p:cNvPr name="TextBox 10" id="10"/>
+          <p:cNvSpPr txBox="true"/>
+          <p:nvPr/>
+        </p:nvSpPr>
+        <p:spPr>
+          <a:xfrm rot="0">
+            <a:off x="2341772" y="1125966"/>
+            <a:ext cx="7979645" cy="2473367"/>
+          </a:xfrm>
+          <a:prstGeom prst="rect">
+            <a:avLst/>
+          </a:prstGeom>
+        </p:spPr>
+        <p:txBody>
+          <a:bodyPr anchor="t" rtlCol="false" tIns="0" lIns="0" bIns="0" rIns="0">
+            <a:spAutoFit/>
+          </a:bodyPr>
+          <a:lstStyle/>
+          <a:p>
+            <a:pPr algn="ctr">
+              <a:lnSpc>
+                <a:spcPts val="9346"/>
+              </a:lnSpc>
+            </a:pPr>
+            <a:r>
+              <a:rPr lang="en-US" sz="7080">
+                <a:solidFill>
+                  <a:srgbClr val="1C1B19"/>
+                </a:solidFill>
+                <a:latin typeface="Gill Sans Condensed"/>
+                <a:ea typeface="Gill Sans Condensed"/>
+                <a:cs typeface="Gill Sans Condensed"/>
+                <a:sym typeface="Gill Sans Condensed"/>
+              </a:rPr>
+              <a:t>EVIDENCIA </a:t>
+            </a:r>
+            <a:r>
+              <a:rPr lang="en-US" sz="7080">
+                <a:solidFill>
+                  <a:srgbClr val="1C1B19"/>
+                </a:solidFill>
+                <a:latin typeface="Gill Sans Condensed"/>
+                <a:ea typeface="Gill Sans Condensed"/>
+                <a:cs typeface="Gill Sans Condensed"/>
+                <a:sym typeface="Gill Sans Condensed"/>
+                <a:hlinkClick r:id="rId5" tooltip="https://www.google.com/aclk?sa=l&amp;ai=DChsSEwjNoZLgubaPAxV6QkgAHTNCLeIYACICCAEQARoCY2U&amp;ae=2&amp;aspm=1&amp;co=1&amp;ase=2&amp;gclid=Cj0KCQjw5c_FBhDJARIsAIcmHK_JdaAUgqaCKGUKyWM78sKAAoP2WGmEyI9JOtVWXeWX0yFbYw437IIaAkFUEALw_wcB&amp;category=acrcp_v1_51&amp;sig=AOD64_1N8p9qehcCy7xG1QyE5LAoZj7Ktg&amp;q&amp;nis=4&amp;adurl&amp;ved=2ahUKEwjUyozgubaPAxUjppUCHZpqCUkQ0Qx6BAgpEAE"/>
+              </a:rPr>
+              <a:t>MOCKUPS</a:t>
+            </a:r>
+          </a:p>
+          <a:p>
+            <a:pPr algn="ctr">
+              <a:lnSpc>
+                <a:spcPts val="9346"/>
+              </a:lnSpc>
+            </a:pPr>
+          </a:p>
+        </p:txBody>
+      </p:sp>
+    </p:spTree>
+  </p:cSld>
+  <p:clrMapOvr>
+    <a:masterClrMapping/>
+  </p:clrMapOvr>
+</p:sld>
+</file>
+
+<file path=ppt/slides/slide11.xml><?xml version="1.0" encoding="utf-8"?>
+<p:sld xmlns:p="http://schemas.openxmlformats.org/presentationml/2006/main" xmlns:a="http://schemas.openxmlformats.org/drawingml/2006/main" xmlns:r="http://schemas.openxmlformats.org/officeDocument/2006/relationships">
+  <p:cSld>
+    <p:bg>
+      <p:bgPr>
+        <a:solidFill>
+          <a:srgbClr val="F8FAFF"/>
+        </a:solidFill>
+      </p:bgPr>
+    </p:bg>
+    <p:spTree>
+      <p:nvGrpSpPr>
+        <p:cNvPr id="1" name=""/>
+        <p:cNvGrpSpPr/>
+        <p:nvPr/>
+      </p:nvGrpSpPr>
+      <p:grpSpPr>
+        <a:xfrm>
+          <a:off x="0" y="0"/>
+          <a:ext cx="0" cy="0"/>
+          <a:chOff x="0" y="0"/>
+          <a:chExt cx="0" cy="0"/>
+        </a:xfrm>
+      </p:grpSpPr>
+      <p:sp>
+        <p:nvSpPr>
+          <p:cNvPr name="AutoShape 2" id="2"/>
+          <p:cNvSpPr/>
+          <p:nvPr/>
+        </p:nvSpPr>
+        <p:spPr>
+          <a:xfrm rot="0">
+            <a:off x="-1379812" y="-1006101"/>
+            <a:ext cx="2596900" cy="12299202"/>
+          </a:xfrm>
+          <a:prstGeom prst="rect">
+            <a:avLst/>
+          </a:prstGeom>
+          <a:solidFill>
+            <a:srgbClr val="CFDBFF"/>
+          </a:solidFill>
+        </p:spPr>
+      </p:sp>
+      <p:grpSp>
+        <p:nvGrpSpPr>
+          <p:cNvPr name="Group 3" id="3"/>
+          <p:cNvGrpSpPr/>
+          <p:nvPr/>
+        </p:nvGrpSpPr>
+        <p:grpSpPr>
+          <a:xfrm rot="0">
+            <a:off x="4774005" y="690927"/>
+            <a:ext cx="8739991" cy="1551044"/>
+            <a:chOff x="0" y="0"/>
+            <a:chExt cx="6778587" cy="1202963"/>
+          </a:xfrm>
+        </p:grpSpPr>
+        <p:sp>
+          <p:nvSpPr>
+            <p:cNvPr name="Freeform 4" id="4"/>
+            <p:cNvSpPr/>
+            <p:nvPr/>
+          </p:nvSpPr>
+          <p:spPr>
+            <a:xfrm flipH="false" flipV="false" rot="0">
+              <a:off x="0" y="0"/>
+              <a:ext cx="6778587" cy="1202963"/>
+            </a:xfrm>
+            <a:custGeom>
+              <a:avLst/>
+              <a:gdLst/>
+              <a:ahLst/>
+              <a:cxnLst/>
+              <a:rect r="r" b="b" t="t" l="l"/>
+              <a:pathLst>
+                <a:path h="1202963" w="6778587">
+                  <a:moveTo>
+                    <a:pt x="0" y="0"/>
+                  </a:moveTo>
+                  <a:lnTo>
+                    <a:pt x="6778587" y="0"/>
+                  </a:lnTo>
+                  <a:lnTo>
+                    <a:pt x="6778587" y="1202963"/>
+                  </a:lnTo>
+                  <a:lnTo>
+                    <a:pt x="0" y="1202963"/>
+                  </a:lnTo>
+                  <a:close/>
+                </a:path>
+              </a:pathLst>
+            </a:custGeom>
+            <a:solidFill>
+              <a:srgbClr val="000000">
+                <a:alpha val="0"/>
+              </a:srgbClr>
+            </a:solidFill>
+            <a:ln w="66675" cap="sq">
+              <a:solidFill>
+                <a:srgbClr val="8FA4E1"/>
+              </a:solidFill>
+              <a:prstDash val="solid"/>
+              <a:miter/>
+            </a:ln>
+          </p:spPr>
+        </p:sp>
+        <p:sp>
+          <p:nvSpPr>
+            <p:cNvPr name="TextBox 5" id="5"/>
+            <p:cNvSpPr txBox="true"/>
+            <p:nvPr/>
+          </p:nvSpPr>
+          <p:spPr>
+            <a:xfrm>
+              <a:off x="0" y="-47625"/>
+              <a:ext cx="6778587" cy="1250588"/>
+            </a:xfrm>
+            <a:prstGeom prst="rect">
+              <a:avLst/>
+            </a:prstGeom>
+          </p:spPr>
+          <p:txBody>
+            <a:bodyPr anchor="ctr" rtlCol="false" tIns="48876" lIns="48876" bIns="48876" rIns="48876"/>
+            <a:lstStyle/>
+            <a:p>
+              <a:pPr algn="ctr">
+                <a:lnSpc>
+                  <a:spcPts val="1588"/>
+                </a:lnSpc>
+              </a:pPr>
+            </a:p>
+          </p:txBody>
+        </p:sp>
+      </p:grpSp>
+      <p:sp>
+        <p:nvSpPr>
+          <p:cNvPr name="AutoShape 6" id="6"/>
+          <p:cNvSpPr/>
+          <p:nvPr/>
+        </p:nvSpPr>
+        <p:spPr>
+          <a:xfrm rot="0">
+            <a:off x="5158313" y="372767"/>
+            <a:ext cx="7979645" cy="2187364"/>
+          </a:xfrm>
+          <a:prstGeom prst="rect">
+            <a:avLst/>
+          </a:prstGeom>
+          <a:solidFill>
+            <a:srgbClr val="CFDBFF"/>
+          </a:solidFill>
+        </p:spPr>
+      </p:sp>
+      <p:sp>
+        <p:nvSpPr>
+          <p:cNvPr name="Freeform 7" id="7"/>
+          <p:cNvSpPr/>
+          <p:nvPr/>
+        </p:nvSpPr>
+        <p:spPr>
+          <a:xfrm flipH="false" flipV="false" rot="0">
+            <a:off x="4592390" y="3582374"/>
+            <a:ext cx="9350725" cy="5675926"/>
+          </a:xfrm>
+          <a:custGeom>
+            <a:avLst/>
+            <a:gdLst/>
+            <a:ahLst/>
+            <a:cxnLst/>
+            <a:rect r="r" b="b" t="t" l="l"/>
+            <a:pathLst>
+              <a:path h="5675926" w="9350725">
+                <a:moveTo>
+                  <a:pt x="0" y="0"/>
+                </a:moveTo>
+                <a:lnTo>
+                  <a:pt x="9350724" y="0"/>
+                </a:lnTo>
+                <a:lnTo>
+                  <a:pt x="9350724" y="5675926"/>
+                </a:lnTo>
+                <a:lnTo>
+                  <a:pt x="0" y="5675926"/>
+                </a:lnTo>
+                <a:lnTo>
+                  <a:pt x="0" y="0"/>
+                </a:lnTo>
+                <a:close/>
+              </a:path>
+            </a:pathLst>
+          </a:custGeom>
+          <a:blipFill>
+            <a:blip r:embed="rId2"/>
+            <a:stretch>
+              <a:fillRect l="0" t="0" r="0" b="0"/>
+            </a:stretch>
+          </a:blipFill>
+        </p:spPr>
+      </p:sp>
+      <p:sp>
+        <p:nvSpPr>
+          <p:cNvPr name="TextBox 8" id="8"/>
+          <p:cNvSpPr txBox="true"/>
+          <p:nvPr/>
+        </p:nvSpPr>
+        <p:spPr>
+          <a:xfrm rot="0">
+            <a:off x="5152041" y="708303"/>
+            <a:ext cx="7979645" cy="2473367"/>
+          </a:xfrm>
+          <a:prstGeom prst="rect">
+            <a:avLst/>
+          </a:prstGeom>
+        </p:spPr>
+        <p:txBody>
+          <a:bodyPr anchor="t" rtlCol="false" tIns="0" lIns="0" bIns="0" rIns="0">
+            <a:spAutoFit/>
+          </a:bodyPr>
+          <a:lstStyle/>
+          <a:p>
+            <a:pPr algn="ctr">
+              <a:lnSpc>
+                <a:spcPts val="9346"/>
+              </a:lnSpc>
+            </a:pPr>
+            <a:r>
+              <a:rPr lang="en-US" sz="7080">
+                <a:solidFill>
+                  <a:srgbClr val="1C1B19"/>
+                </a:solidFill>
+                <a:latin typeface="Gill Sans Condensed"/>
+                <a:ea typeface="Gill Sans Condensed"/>
+                <a:cs typeface="Gill Sans Condensed"/>
+                <a:sym typeface="Gill Sans Condensed"/>
+              </a:rPr>
+              <a:t>EVIDENCIA </a:t>
+            </a:r>
+            <a:r>
+              <a:rPr lang="en-US" sz="7080">
+                <a:solidFill>
+                  <a:srgbClr val="1C1B19"/>
+                </a:solidFill>
+                <a:latin typeface="Gill Sans Condensed"/>
+                <a:ea typeface="Gill Sans Condensed"/>
+                <a:cs typeface="Gill Sans Condensed"/>
+                <a:sym typeface="Gill Sans Condensed"/>
+                <a:hlinkClick r:id="rId3" tooltip="https://www.google.com/aclk?sa=l&amp;ai=DChsSEwjNoZLgubaPAxV6QkgAHTNCLeIYACICCAEQARoCY2U&amp;ae=2&amp;aspm=1&amp;co=1&amp;ase=2&amp;gclid=Cj0KCQjw5c_FBhDJARIsAIcmHK_JdaAUgqaCKGUKyWM78sKAAoP2WGmEyI9JOtVWXeWX0yFbYw437IIaAkFUEALw_wcB&amp;category=acrcp_v1_51&amp;sig=AOD64_1N8p9qehcCy7xG1QyE5LAoZj7Ktg&amp;q&amp;nis=4&amp;adurl&amp;ved=2ahUKEwjUyozgubaPAxUjppUCHZpqCUkQ0Qx6BAgpEAE"/>
+              </a:rPr>
+              <a:t>MOCKUPS</a:t>
+            </a:r>
+          </a:p>
+          <a:p>
+            <a:pPr algn="ctr">
+              <a:lnSpc>
+                <a:spcPts val="9346"/>
+              </a:lnSpc>
+            </a:pPr>
+          </a:p>
+        </p:txBody>
+      </p:sp>
+    </p:spTree>
+  </p:cSld>
+  <p:clrMapOvr>
+    <a:masterClrMapping/>
+  </p:clrMapOvr>
+</p:sld>
+</file>
+
+<file path=ppt/slides/slide12.xml><?xml version="1.0" encoding="utf-8"?>
+<p:sld xmlns:p="http://schemas.openxmlformats.org/presentationml/2006/main" xmlns:a="http://schemas.openxmlformats.org/drawingml/2006/main">
+  <p:cSld>
+    <p:bg>
+      <p:bgPr>
+        <a:solidFill>
+          <a:srgbClr val="F8FAFF"/>
+        </a:solidFill>
+      </p:bgPr>
+    </p:bg>
+    <p:spTree>
+      <p:nvGrpSpPr>
+        <p:cNvPr id="1" name=""/>
+        <p:cNvGrpSpPr/>
+        <p:nvPr/>
+      </p:nvGrpSpPr>
+      <p:grpSpPr>
+        <a:xfrm>
+          <a:off x="0" y="0"/>
+          <a:ext cx="0" cy="0"/>
+          <a:chOff x="0" y="0"/>
+          <a:chExt cx="0" cy="0"/>
+        </a:xfrm>
+      </p:grpSpPr>
+      <p:sp>
+        <p:nvSpPr>
+          <p:cNvPr name="AutoShape 2" id="2"/>
+          <p:cNvSpPr/>
+          <p:nvPr/>
+        </p:nvSpPr>
+        <p:spPr>
+          <a:xfrm rot="0">
+            <a:off x="-1379812" y="-1006101"/>
+            <a:ext cx="2759625" cy="12299202"/>
+          </a:xfrm>
+          <a:prstGeom prst="rect">
+            <a:avLst/>
+          </a:prstGeom>
+          <a:solidFill>
+            <a:srgbClr val="CFDBFF"/>
+          </a:solidFill>
+        </p:spPr>
+      </p:sp>
+      <p:sp>
+        <p:nvSpPr>
+          <p:cNvPr name="TextBox 3" id="3"/>
+          <p:cNvSpPr txBox="true"/>
+          <p:nvPr/>
+        </p:nvSpPr>
+        <p:spPr>
+          <a:xfrm rot="0">
+            <a:off x="2450813" y="5519253"/>
+            <a:ext cx="14318678" cy="1416050"/>
+          </a:xfrm>
+          <a:prstGeom prst="rect">
+            <a:avLst/>
+          </a:prstGeom>
+        </p:spPr>
+        <p:txBody>
+          <a:bodyPr anchor="t" rtlCol="false" tIns="0" lIns="0" bIns="0" rIns="0">
+            <a:spAutoFit/>
+          </a:bodyPr>
+          <a:lstStyle/>
+          <a:p>
+            <a:pPr algn="l" marL="0" indent="0" lvl="0">
+              <a:lnSpc>
+                <a:spcPts val="2800"/>
+              </a:lnSpc>
+            </a:pPr>
+            <a:r>
+              <a:rPr lang="en-US" sz="2000">
+                <a:solidFill>
+                  <a:srgbClr val="242424"/>
+                </a:solidFill>
+                <a:latin typeface="TT Chocolates"/>
+                <a:ea typeface="TT Chocolates"/>
+                <a:cs typeface="TT Chocolates"/>
+                <a:sym typeface="TT Chocolates"/>
+              </a:rPr>
+              <a:t>Lorem ipsum dolor sit amet, consectetur adipiscing elit, sed do eiusmod tempor incididunt ut labore et dolore magna aliqua. Ut enim ad minim veniam, quis nostrud exercitation ullamco laboris nisi ut aliquip ex ea commodo consequat. Duis aute irure dolor in reprehenderit in voluptate velit esse cillum dolore eu fugiat nulla pariatur. Excepteur sint occaecat cupidatat non proident, sunt in culpa qui officia deserunt mollit anim id est laborum.</a:t>
+            </a:r>
+          </a:p>
+        </p:txBody>
+      </p:sp>
+      <p:grpSp>
+        <p:nvGrpSpPr>
+          <p:cNvPr name="Group 4" id="4"/>
+          <p:cNvGrpSpPr/>
+          <p:nvPr/>
+        </p:nvGrpSpPr>
+        <p:grpSpPr>
+          <a:xfrm rot="0">
+            <a:off x="2450813" y="4297920"/>
+            <a:ext cx="14318678" cy="791414"/>
+            <a:chOff x="0" y="0"/>
+            <a:chExt cx="9537113" cy="527130"/>
+          </a:xfrm>
+        </p:grpSpPr>
+        <p:sp>
+          <p:nvSpPr>
+            <p:cNvPr name="Freeform 5" id="5"/>
+            <p:cNvSpPr/>
+            <p:nvPr/>
+          </p:nvSpPr>
+          <p:spPr>
+            <a:xfrm flipH="false" flipV="false" rot="0">
+              <a:off x="0" y="0"/>
+              <a:ext cx="9537113" cy="527130"/>
+            </a:xfrm>
+            <a:custGeom>
+              <a:avLst/>
+              <a:gdLst/>
+              <a:ahLst/>
+              <a:cxnLst/>
+              <a:rect r="r" b="b" t="t" l="l"/>
+              <a:pathLst>
+                <a:path h="527130" w="9537113">
+                  <a:moveTo>
+                    <a:pt x="0" y="0"/>
+                  </a:moveTo>
+                  <a:lnTo>
+                    <a:pt x="9537113" y="0"/>
+                  </a:lnTo>
+                  <a:lnTo>
+                    <a:pt x="9537113" y="527130"/>
+                  </a:lnTo>
+                  <a:lnTo>
+                    <a:pt x="0" y="527130"/>
+                  </a:lnTo>
+                  <a:close/>
+                </a:path>
+              </a:pathLst>
+            </a:custGeom>
+            <a:solidFill>
+              <a:srgbClr val="000000">
+                <a:alpha val="0"/>
+              </a:srgbClr>
+            </a:solidFill>
+            <a:ln w="66675" cap="sq">
+              <a:solidFill>
+                <a:srgbClr val="8FA4E1"/>
+              </a:solidFill>
+              <a:prstDash val="solid"/>
+              <a:miter/>
+            </a:ln>
+          </p:spPr>
+        </p:sp>
+        <p:sp>
+          <p:nvSpPr>
+            <p:cNvPr name="TextBox 6" id="6"/>
+            <p:cNvSpPr txBox="true"/>
+            <p:nvPr/>
+          </p:nvSpPr>
+          <p:spPr>
+            <a:xfrm>
+              <a:off x="0" y="-47625"/>
+              <a:ext cx="9537113" cy="574755"/>
+            </a:xfrm>
+            <a:prstGeom prst="rect">
+              <a:avLst/>
+            </a:prstGeom>
+          </p:spPr>
+          <p:txBody>
+            <a:bodyPr anchor="ctr" rtlCol="false" tIns="48876" lIns="48876" bIns="48876" rIns="48876"/>
+            <a:lstStyle/>
+            <a:p>
+              <a:pPr algn="ctr">
+                <a:lnSpc>
+                  <a:spcPts val="1588"/>
+                </a:lnSpc>
+              </a:pPr>
+            </a:p>
+          </p:txBody>
+        </p:sp>
+      </p:grpSp>
+      <p:sp>
+        <p:nvSpPr>
+          <p:cNvPr name="TextBox 7" id="7"/>
+          <p:cNvSpPr txBox="true"/>
+          <p:nvPr/>
+        </p:nvSpPr>
+        <p:spPr>
+          <a:xfrm rot="0">
+            <a:off x="3177027" y="4537262"/>
+            <a:ext cx="13203457" cy="331247"/>
+          </a:xfrm>
+          <a:prstGeom prst="rect">
+            <a:avLst/>
+          </a:prstGeom>
+        </p:spPr>
+        <p:txBody>
+          <a:bodyPr anchor="t" rtlCol="false" tIns="0" lIns="0" bIns="0" rIns="0">
+            <a:spAutoFit/>
+          </a:bodyPr>
+          <a:lstStyle/>
+          <a:p>
+            <a:pPr algn="l">
+              <a:lnSpc>
+                <a:spcPts val="2659"/>
+              </a:lnSpc>
+            </a:pPr>
+            <a:r>
+              <a:rPr lang="en-US" sz="2014" b="true">
+                <a:solidFill>
+                  <a:srgbClr val="1C1B19"/>
+                </a:solidFill>
+                <a:latin typeface="DM Sans Bold"/>
+                <a:ea typeface="DM Sans Bold"/>
+                <a:cs typeface="DM Sans Bold"/>
+                <a:sym typeface="DM Sans Bold"/>
+              </a:rPr>
+              <a:t>Resultados Obtenidos en el Proyecto</a:t>
+            </a:r>
+          </a:p>
+        </p:txBody>
+      </p:sp>
+      <p:grpSp>
+        <p:nvGrpSpPr>
+          <p:cNvPr name="Group 8" id="8"/>
+          <p:cNvGrpSpPr/>
+          <p:nvPr/>
+        </p:nvGrpSpPr>
+        <p:grpSpPr>
+          <a:xfrm rot="0">
+            <a:off x="2450813" y="2037670"/>
+            <a:ext cx="14318678" cy="1282750"/>
+            <a:chOff x="0" y="0"/>
+            <a:chExt cx="6778587" cy="607265"/>
+          </a:xfrm>
+        </p:grpSpPr>
+        <p:sp>
+          <p:nvSpPr>
+            <p:cNvPr name="Freeform 9" id="9"/>
+            <p:cNvSpPr/>
+            <p:nvPr/>
+          </p:nvSpPr>
+          <p:spPr>
+            <a:xfrm flipH="false" flipV="false" rot="0">
+              <a:off x="0" y="0"/>
+              <a:ext cx="6778587" cy="607265"/>
+            </a:xfrm>
+            <a:custGeom>
+              <a:avLst/>
+              <a:gdLst/>
+              <a:ahLst/>
+              <a:cxnLst/>
+              <a:rect r="r" b="b" t="t" l="l"/>
+              <a:pathLst>
+                <a:path h="607265" w="6778587">
+                  <a:moveTo>
+                    <a:pt x="0" y="0"/>
+                  </a:moveTo>
+                  <a:lnTo>
+                    <a:pt x="6778587" y="0"/>
+                  </a:lnTo>
+                  <a:lnTo>
+                    <a:pt x="6778587" y="607265"/>
+                  </a:lnTo>
+                  <a:lnTo>
+                    <a:pt x="0" y="607265"/>
+                  </a:lnTo>
+                  <a:close/>
+                </a:path>
+              </a:pathLst>
+            </a:custGeom>
+            <a:solidFill>
+              <a:srgbClr val="000000">
+                <a:alpha val="0"/>
+              </a:srgbClr>
+            </a:solidFill>
+            <a:ln w="66675" cap="sq">
+              <a:solidFill>
+                <a:srgbClr val="8FA4E1"/>
+              </a:solidFill>
+              <a:prstDash val="solid"/>
+              <a:miter/>
+            </a:ln>
+          </p:spPr>
+        </p:sp>
+        <p:sp>
+          <p:nvSpPr>
+            <p:cNvPr name="TextBox 10" id="10"/>
+            <p:cNvSpPr txBox="true"/>
+            <p:nvPr/>
+          </p:nvSpPr>
+          <p:spPr>
+            <a:xfrm>
+              <a:off x="0" y="-47625"/>
+              <a:ext cx="6778587" cy="654890"/>
+            </a:xfrm>
+            <a:prstGeom prst="rect">
+              <a:avLst/>
+            </a:prstGeom>
+          </p:spPr>
+          <p:txBody>
+            <a:bodyPr anchor="ctr" rtlCol="false" tIns="48876" lIns="48876" bIns="48876" rIns="48876"/>
+            <a:lstStyle/>
+            <a:p>
+              <a:pPr algn="ctr">
+                <a:lnSpc>
+                  <a:spcPts val="1588"/>
+                </a:lnSpc>
+              </a:pPr>
+            </a:p>
+          </p:txBody>
+        </p:sp>
+      </p:grpSp>
+      <p:sp>
+        <p:nvSpPr>
+          <p:cNvPr name="AutoShape 11" id="11"/>
+          <p:cNvSpPr/>
+          <p:nvPr/>
+        </p:nvSpPr>
+        <p:spPr>
+          <a:xfrm rot="0">
+            <a:off x="3080423" y="1774544"/>
+            <a:ext cx="13073008" cy="1809001"/>
+          </a:xfrm>
+          <a:prstGeom prst="rect">
+            <a:avLst/>
+          </a:prstGeom>
+          <a:solidFill>
+            <a:srgbClr val="CFDBFF"/>
+          </a:solidFill>
+        </p:spPr>
+      </p:sp>
+      <p:sp>
+        <p:nvSpPr>
+          <p:cNvPr name="TextBox 12" id="12"/>
+          <p:cNvSpPr txBox="true"/>
+          <p:nvPr/>
+        </p:nvSpPr>
+        <p:spPr>
+          <a:xfrm rot="0">
+            <a:off x="3080423" y="1802943"/>
+            <a:ext cx="13073008" cy="1899764"/>
+          </a:xfrm>
+          <a:prstGeom prst="rect">
+            <a:avLst/>
+          </a:prstGeom>
+        </p:spPr>
+        <p:txBody>
+          <a:bodyPr anchor="t" rtlCol="false" tIns="0" lIns="0" bIns="0" rIns="0">
+            <a:spAutoFit/>
+          </a:bodyPr>
+          <a:lstStyle/>
+          <a:p>
+            <a:pPr algn="ctr">
+              <a:lnSpc>
+                <a:spcPts val="13653"/>
+              </a:lnSpc>
+            </a:pPr>
+            <a:r>
+              <a:rPr lang="en-US" sz="10343">
+                <a:solidFill>
+                  <a:srgbClr val="1C1B19"/>
+                </a:solidFill>
+                <a:latin typeface="Gill Sans Condensed"/>
+                <a:ea typeface="Gill Sans Condensed"/>
+                <a:cs typeface="Gill Sans Condensed"/>
+                <a:sym typeface="Gill Sans Condensed"/>
+              </a:rPr>
+              <a:t>CONCLUSIONES</a:t>
+            </a:r>
+          </a:p>
+        </p:txBody>
+      </p:sp>
+      <p:sp>
+        <p:nvSpPr>
+          <p:cNvPr name="TextBox 13" id="13"/>
+          <p:cNvSpPr txBox="true"/>
+          <p:nvPr/>
+        </p:nvSpPr>
+        <p:spPr>
+          <a:xfrm rot="0">
+            <a:off x="2450813" y="7096406"/>
+            <a:ext cx="14318678" cy="1416050"/>
+          </a:xfrm>
+          <a:prstGeom prst="rect">
+            <a:avLst/>
+          </a:prstGeom>
+        </p:spPr>
+        <p:txBody>
+          <a:bodyPr anchor="t" rtlCol="false" tIns="0" lIns="0" bIns="0" rIns="0">
+            <a:spAutoFit/>
+          </a:bodyPr>
+          <a:lstStyle/>
+          <a:p>
+            <a:pPr algn="l" marL="0" indent="0" lvl="0">
+              <a:lnSpc>
+                <a:spcPts val="2800"/>
+              </a:lnSpc>
+            </a:pPr>
+            <a:r>
+              <a:rPr lang="en-US" sz="2000">
+                <a:solidFill>
+                  <a:srgbClr val="242424"/>
+                </a:solidFill>
+                <a:latin typeface="TT Chocolates"/>
+                <a:ea typeface="TT Chocolates"/>
+                <a:cs typeface="TT Chocolates"/>
+                <a:sym typeface="TT Chocolates"/>
+              </a:rPr>
+              <a:t>Lorem ipsum dolor sit amet, consectetur adipiscing elit, sed do eiusmod tempor incididunt ut labore et dolore magna aliqua. Ut enim ad minim veniam, quis nostrud exercitation ullamco laboris nisi ut aliquip ex ea commodo consequat. Duis aute irure dolor in reprehenderit in voluptate velit esse cillum dolore eu fugiat nulla pariatur. Excepteur sint occaecat cupidatat non proident, sunt in culpa qui officia deserunt mollit anim id est laborum.</a:t>
+            </a:r>
+          </a:p>
+        </p:txBody>
+      </p:sp>
+    </p:spTree>
+  </p:cSld>
+  <p:clrMapOvr>
+    <a:masterClrMapping/>
+  </p:clrMapOvr>
+</p:sld>
+</file>
+
+<file path=ppt/slides/slide2.xml><?xml version="1.0" encoding="utf-8"?>
+<p:sld xmlns:p="http://schemas.openxmlformats.org/presentationml/2006/main" xmlns:a="http://schemas.openxmlformats.org/drawingml/2006/main" xmlns:r="http://schemas.openxmlformats.org/officeDocument/2006/relationships">
+  <p:cSld>
+    <p:bg>
+      <p:bgPr>
+        <a:solidFill>
+          <a:srgbClr val="F8FAFF"/>
+        </a:solidFill>
+      </p:bgPr>
+    </p:bg>
+    <p:spTree>
+      <p:nvGrpSpPr>
+        <p:cNvPr id="1" name=""/>
+        <p:cNvGrpSpPr/>
+        <p:nvPr/>
+      </p:nvGrpSpPr>
+      <p:grpSpPr>
+        <a:xfrm>
+          <a:off x="0" y="0"/>
+          <a:ext cx="0" cy="0"/>
+          <a:chOff x="0" y="0"/>
+          <a:chExt cx="0" cy="0"/>
+        </a:xfrm>
+      </p:grpSpPr>
+      <p:grpSp>
+        <p:nvGrpSpPr>
+          <p:cNvPr name="Group 2" id="2"/>
+          <p:cNvGrpSpPr/>
+          <p:nvPr/>
+        </p:nvGrpSpPr>
+        <p:grpSpPr>
+          <a:xfrm rot="0">
+            <a:off x="6001205" y="1212396"/>
+            <a:ext cx="6269309" cy="2998679"/>
+            <a:chOff x="0" y="0"/>
+            <a:chExt cx="1904541" cy="910963"/>
+          </a:xfrm>
+        </p:grpSpPr>
+        <p:sp>
+          <p:nvSpPr>
+            <p:cNvPr name="Freeform 3" id="3"/>
+            <p:cNvSpPr/>
+            <p:nvPr/>
+          </p:nvSpPr>
+          <p:spPr>
+            <a:xfrm flipH="false" flipV="false" rot="0">
+              <a:off x="0" y="0"/>
+              <a:ext cx="1904541" cy="910963"/>
+            </a:xfrm>
+            <a:custGeom>
+              <a:avLst/>
+              <a:gdLst/>
+              <a:ahLst/>
+              <a:cxnLst/>
+              <a:rect r="r" b="b" t="t" l="l"/>
+              <a:pathLst>
+                <a:path h="910963" w="1904541">
+                  <a:moveTo>
+                    <a:pt x="0" y="0"/>
+                  </a:moveTo>
+                  <a:lnTo>
+                    <a:pt x="1904541" y="0"/>
+                  </a:lnTo>
+                  <a:lnTo>
+                    <a:pt x="1904541" y="910963"/>
+                  </a:lnTo>
+                  <a:lnTo>
+                    <a:pt x="0" y="910963"/>
+                  </a:lnTo>
+                  <a:close/>
+                </a:path>
+              </a:pathLst>
+            </a:custGeom>
+            <a:solidFill>
+              <a:srgbClr val="000000">
+                <a:alpha val="0"/>
+              </a:srgbClr>
+            </a:solidFill>
+            <a:ln w="66675" cap="sq">
+              <a:solidFill>
+                <a:srgbClr val="8FA4E1"/>
+              </a:solidFill>
+              <a:prstDash val="solid"/>
+              <a:miter/>
+            </a:ln>
+          </p:spPr>
+        </p:sp>
+        <p:sp>
+          <p:nvSpPr>
+            <p:cNvPr name="TextBox 4" id="4"/>
+            <p:cNvSpPr txBox="true"/>
+            <p:nvPr/>
+          </p:nvSpPr>
+          <p:spPr>
+            <a:xfrm>
+              <a:off x="0" y="-47625"/>
+              <a:ext cx="1904541" cy="958588"/>
+            </a:xfrm>
+            <a:prstGeom prst="rect">
+              <a:avLst/>
+            </a:prstGeom>
+          </p:spPr>
+          <p:txBody>
+            <a:bodyPr anchor="ctr" rtlCol="false" tIns="48876" lIns="48876" bIns="48876" rIns="48876"/>
+            <a:lstStyle/>
+            <a:p>
+              <a:pPr algn="ctr">
+                <a:lnSpc>
+                  <a:spcPts val="1588"/>
+                </a:lnSpc>
+              </a:pPr>
+            </a:p>
+          </p:txBody>
+        </p:sp>
+      </p:grpSp>
+      <p:sp>
+        <p:nvSpPr>
+          <p:cNvPr name="AutoShape 5" id="5"/>
+          <p:cNvSpPr/>
+          <p:nvPr/>
+        </p:nvSpPr>
+        <p:spPr>
+          <a:xfrm rot="0">
+            <a:off x="5361457" y="1473558"/>
+            <a:ext cx="7548804" cy="2442243"/>
+          </a:xfrm>
+          <a:prstGeom prst="rect">
+            <a:avLst/>
+          </a:prstGeom>
+          <a:solidFill>
+            <a:srgbClr val="CFDBFF"/>
+          </a:solidFill>
+        </p:spPr>
+      </p:sp>
+      <p:sp>
+        <p:nvSpPr>
+          <p:cNvPr name="AutoShape 6" id="6"/>
+          <p:cNvSpPr/>
+          <p:nvPr/>
+        </p:nvSpPr>
+        <p:spPr>
+          <a:xfrm rot="0">
+            <a:off x="-1379812" y="-1006101"/>
+            <a:ext cx="2759625" cy="12299202"/>
+          </a:xfrm>
+          <a:prstGeom prst="rect">
+            <a:avLst/>
+          </a:prstGeom>
+          <a:solidFill>
+            <a:srgbClr val="CFDBFF"/>
+          </a:solidFill>
+        </p:spPr>
+      </p:sp>
+      <p:sp>
+        <p:nvSpPr>
+          <p:cNvPr name="Freeform 7" id="7"/>
+          <p:cNvSpPr/>
+          <p:nvPr/>
+        </p:nvSpPr>
+        <p:spPr>
+          <a:xfrm flipH="false" flipV="false" rot="0">
+            <a:off x="2231193" y="6425494"/>
+            <a:ext cx="1448680" cy="1702509"/>
+          </a:xfrm>
+          <a:custGeom>
+            <a:avLst/>
+            <a:gdLst/>
+            <a:ahLst/>
+            <a:cxnLst/>
+            <a:rect r="r" b="b" t="t" l="l"/>
+            <a:pathLst>
+              <a:path h="1702509" w="1448680">
+                <a:moveTo>
+                  <a:pt x="0" y="0"/>
+                </a:moveTo>
+                <a:lnTo>
+                  <a:pt x="1448680" y="0"/>
+                </a:lnTo>
+                <a:lnTo>
+                  <a:pt x="1448680" y="1702509"/>
+                </a:lnTo>
+                <a:lnTo>
+                  <a:pt x="0" y="1702509"/>
+                </a:lnTo>
+                <a:lnTo>
+                  <a:pt x="0" y="0"/>
+                </a:lnTo>
+                <a:close/>
+              </a:path>
+            </a:pathLst>
+          </a:custGeom>
+          <a:blipFill>
+            <a:blip r:embed="rId2">
+              <a:extLst>
+                <a:ext uri="{96DAC541-7B7A-43D3-8B79-37D633B846F1}">
+                  <asvg:svgBlip xmlns:asvg="http://schemas.microsoft.com/office/drawing/2016/SVG/main" r:embed="rId3"/>
+                </a:ext>
+              </a:extLst>
+            </a:blip>
+            <a:stretch>
+              <a:fillRect l="0" t="0" r="0" b="0"/>
+            </a:stretch>
+          </a:blipFill>
+        </p:spPr>
+      </p:sp>
+      <p:sp>
+        <p:nvSpPr>
+          <p:cNvPr name="Freeform 8" id="8"/>
+          <p:cNvSpPr/>
+          <p:nvPr/>
+        </p:nvSpPr>
+        <p:spPr>
+          <a:xfrm flipH="false" flipV="false" rot="0">
+            <a:off x="3843935" y="6425494"/>
+            <a:ext cx="1583107" cy="1702509"/>
+          </a:xfrm>
+          <a:custGeom>
+            <a:avLst/>
+            <a:gdLst/>
+            <a:ahLst/>
+            <a:cxnLst/>
+            <a:rect r="r" b="b" t="t" l="l"/>
+            <a:pathLst>
+              <a:path h="1702509" w="1583107">
+                <a:moveTo>
+                  <a:pt x="0" y="0"/>
+                </a:moveTo>
+                <a:lnTo>
+                  <a:pt x="1583107" y="0"/>
+                </a:lnTo>
+                <a:lnTo>
+                  <a:pt x="1583107" y="1702509"/>
+                </a:lnTo>
+                <a:lnTo>
+                  <a:pt x="0" y="1702509"/>
+                </a:lnTo>
+                <a:lnTo>
+                  <a:pt x="0" y="0"/>
+                </a:lnTo>
+                <a:close/>
+              </a:path>
+            </a:pathLst>
+          </a:custGeom>
+          <a:blipFill>
+            <a:blip r:embed="rId4">
+              <a:extLst>
+                <a:ext uri="{96DAC541-7B7A-43D3-8B79-37D633B846F1}">
+                  <asvg:svgBlip xmlns:asvg="http://schemas.microsoft.com/office/drawing/2016/SVG/main" r:embed="rId5"/>
+                </a:ext>
+              </a:extLst>
+            </a:blip>
+            <a:stretch>
+              <a:fillRect l="0" t="0" r="0" b="0"/>
+            </a:stretch>
+          </a:blipFill>
+        </p:spPr>
+      </p:sp>
+      <p:sp>
+        <p:nvSpPr>
+          <p:cNvPr name="Freeform 9" id="9"/>
+          <p:cNvSpPr/>
+          <p:nvPr/>
+        </p:nvSpPr>
+        <p:spPr>
+          <a:xfrm flipH="false" flipV="false" rot="0">
+            <a:off x="8223272" y="6534785"/>
+            <a:ext cx="1593218" cy="1593218"/>
+          </a:xfrm>
+          <a:custGeom>
+            <a:avLst/>
+            <a:gdLst/>
+            <a:ahLst/>
+            <a:cxnLst/>
+            <a:rect r="r" b="b" t="t" l="l"/>
+            <a:pathLst>
+              <a:path h="1593218" w="1593218">
+                <a:moveTo>
+                  <a:pt x="0" y="0"/>
+                </a:moveTo>
+                <a:lnTo>
+                  <a:pt x="1593218" y="0"/>
+                </a:lnTo>
+                <a:lnTo>
+                  <a:pt x="1593218" y="1593218"/>
+                </a:lnTo>
+                <a:lnTo>
+                  <a:pt x="0" y="1593218"/>
+                </a:lnTo>
+                <a:lnTo>
+                  <a:pt x="0" y="0"/>
+                </a:lnTo>
+                <a:close/>
+              </a:path>
+            </a:pathLst>
+          </a:custGeom>
+          <a:blipFill>
+            <a:blip r:embed="rId6">
+              <a:extLst>
+                <a:ext uri="{96DAC541-7B7A-43D3-8B79-37D633B846F1}">
+                  <asvg:svgBlip xmlns:asvg="http://schemas.microsoft.com/office/drawing/2016/SVG/main" r:embed="rId7"/>
+                </a:ext>
+              </a:extLst>
+            </a:blip>
+            <a:stretch>
+              <a:fillRect l="0" t="0" r="0" b="0"/>
+            </a:stretch>
+          </a:blipFill>
+        </p:spPr>
+      </p:sp>
+      <p:sp>
+        <p:nvSpPr>
+          <p:cNvPr name="Freeform 10" id="10"/>
+          <p:cNvSpPr/>
+          <p:nvPr/>
+        </p:nvSpPr>
+        <p:spPr>
+          <a:xfrm flipH="false" flipV="false" rot="0">
+            <a:off x="10136979" y="6822288"/>
+            <a:ext cx="1342691" cy="1305715"/>
+          </a:xfrm>
+          <a:custGeom>
+            <a:avLst/>
+            <a:gdLst/>
+            <a:ahLst/>
+            <a:cxnLst/>
+            <a:rect r="r" b="b" t="t" l="l"/>
+            <a:pathLst>
+              <a:path h="1305715" w="1342691">
+                <a:moveTo>
+                  <a:pt x="0" y="0"/>
+                </a:moveTo>
+                <a:lnTo>
+                  <a:pt x="1342691" y="0"/>
+                </a:lnTo>
+                <a:lnTo>
+                  <a:pt x="1342691" y="1305715"/>
+                </a:lnTo>
+                <a:lnTo>
+                  <a:pt x="0" y="1305715"/>
+                </a:lnTo>
+                <a:lnTo>
+                  <a:pt x="0" y="0"/>
+                </a:lnTo>
+                <a:close/>
+              </a:path>
+            </a:pathLst>
+          </a:custGeom>
+          <a:blipFill>
+            <a:blip r:embed="rId8">
+              <a:extLst>
+                <a:ext uri="{96DAC541-7B7A-43D3-8B79-37D633B846F1}">
+                  <asvg:svgBlip xmlns:asvg="http://schemas.microsoft.com/office/drawing/2016/SVG/main" r:embed="rId9"/>
+                </a:ext>
+              </a:extLst>
+            </a:blip>
+            <a:stretch>
+              <a:fillRect l="0" t="0" r="0" b="0"/>
+            </a:stretch>
+          </a:blipFill>
+        </p:spPr>
+      </p:sp>
+      <p:sp>
+        <p:nvSpPr>
+          <p:cNvPr name="Freeform 11" id="11"/>
+          <p:cNvSpPr/>
+          <p:nvPr/>
+        </p:nvSpPr>
+        <p:spPr>
+          <a:xfrm flipH="true" flipV="false" rot="0">
+            <a:off x="14405173" y="6534785"/>
+            <a:ext cx="1986378" cy="1909406"/>
+          </a:xfrm>
+          <a:custGeom>
+            <a:avLst/>
+            <a:gdLst/>
+            <a:ahLst/>
+            <a:cxnLst/>
+            <a:rect r="r" b="b" t="t" l="l"/>
+            <a:pathLst>
+              <a:path h="1909406" w="1986378">
+                <a:moveTo>
+                  <a:pt x="1986378" y="0"/>
+                </a:moveTo>
+                <a:lnTo>
+                  <a:pt x="0" y="0"/>
+                </a:lnTo>
+                <a:lnTo>
+                  <a:pt x="0" y="1909405"/>
+                </a:lnTo>
+                <a:lnTo>
+                  <a:pt x="1986378" y="1909405"/>
+                </a:lnTo>
+                <a:lnTo>
+                  <a:pt x="1986378" y="0"/>
+                </a:lnTo>
+                <a:close/>
+              </a:path>
+            </a:pathLst>
+          </a:custGeom>
+          <a:blipFill>
+            <a:blip r:embed="rId10">
+              <a:extLst>
+                <a:ext uri="{96DAC541-7B7A-43D3-8B79-37D633B846F1}">
+                  <asvg:svgBlip xmlns:asvg="http://schemas.microsoft.com/office/drawing/2016/SVG/main" r:embed="rId11"/>
+                </a:ext>
+              </a:extLst>
+            </a:blip>
+            <a:stretch>
+              <a:fillRect l="0" t="0" r="0" b="0"/>
+            </a:stretch>
+          </a:blipFill>
+        </p:spPr>
+      </p:sp>
+      <p:sp>
+        <p:nvSpPr>
+          <p:cNvPr name="TextBox 12" id="12"/>
+          <p:cNvSpPr txBox="true"/>
+          <p:nvPr/>
+        </p:nvSpPr>
+        <p:spPr>
+          <a:xfrm rot="0">
+            <a:off x="5493717" y="1382604"/>
+            <a:ext cx="7300566" cy="2198370"/>
+          </a:xfrm>
+          <a:prstGeom prst="rect">
+            <a:avLst/>
+          </a:prstGeom>
+        </p:spPr>
+        <p:txBody>
+          <a:bodyPr anchor="t" rtlCol="false" tIns="0" lIns="0" bIns="0" rIns="0">
+            <a:spAutoFit/>
+          </a:bodyPr>
+          <a:lstStyle/>
+          <a:p>
+            <a:pPr algn="ctr">
+              <a:lnSpc>
+                <a:spcPts val="15840"/>
+              </a:lnSpc>
+            </a:pPr>
+            <a:r>
+              <a:rPr lang="en-US" sz="12000">
+                <a:solidFill>
+                  <a:srgbClr val="1C1B19"/>
+                </a:solidFill>
+                <a:latin typeface="Gill Sans Condensed"/>
+                <a:ea typeface="Gill Sans Condensed"/>
+                <a:cs typeface="Gill Sans Condensed"/>
+                <a:sym typeface="Gill Sans Condensed"/>
+              </a:rPr>
+              <a:t>PROBLEMATICA</a:t>
+            </a:r>
+          </a:p>
+        </p:txBody>
+      </p:sp>
+      <p:sp>
+        <p:nvSpPr>
+          <p:cNvPr name="TextBox 13" id="13"/>
+          <p:cNvSpPr txBox="true"/>
+          <p:nvPr/>
+        </p:nvSpPr>
+        <p:spPr>
+          <a:xfrm rot="0">
+            <a:off x="5245478" y="2955046"/>
+            <a:ext cx="7548804" cy="906780"/>
+          </a:xfrm>
+          <a:prstGeom prst="rect">
+            <a:avLst/>
+          </a:prstGeom>
+        </p:spPr>
+        <p:txBody>
+          <a:bodyPr anchor="t" rtlCol="false" tIns="0" lIns="0" bIns="0" rIns="0">
+            <a:spAutoFit/>
+          </a:bodyPr>
+          <a:lstStyle/>
+          <a:p>
+            <a:pPr algn="ctr">
+              <a:lnSpc>
+                <a:spcPts val="7259"/>
+              </a:lnSpc>
+            </a:pPr>
+            <a:r>
+              <a:rPr lang="en-US" sz="5499" spc="60">
+                <a:solidFill>
+                  <a:srgbClr val="000000"/>
+                </a:solidFill>
+                <a:latin typeface="Handelson Three"/>
+                <a:ea typeface="Handelson Three"/>
+                <a:cs typeface="Handelson Three"/>
+                <a:sym typeface="Handelson Three"/>
+              </a:rPr>
+              <a:t>a abordar</a:t>
+            </a:r>
+          </a:p>
+        </p:txBody>
+      </p:sp>
+      <p:sp>
+        <p:nvSpPr>
+          <p:cNvPr name="TextBox 14" id="14"/>
+          <p:cNvSpPr txBox="true"/>
+          <p:nvPr/>
+        </p:nvSpPr>
+        <p:spPr>
+          <a:xfrm rot="0">
+            <a:off x="2065222" y="8525510"/>
+            <a:ext cx="3831208" cy="1180465"/>
+          </a:xfrm>
+          <a:prstGeom prst="rect">
+            <a:avLst/>
+          </a:prstGeom>
+        </p:spPr>
+        <p:txBody>
+          <a:bodyPr anchor="t" rtlCol="false" tIns="0" lIns="0" bIns="0" rIns="0">
+            <a:spAutoFit/>
+          </a:bodyPr>
+          <a:lstStyle/>
+          <a:p>
+            <a:pPr algn="ctr">
+              <a:lnSpc>
+                <a:spcPts val="4759"/>
+              </a:lnSpc>
+            </a:pPr>
+            <a:r>
+              <a:rPr lang="en-US" sz="3399">
+                <a:solidFill>
+                  <a:srgbClr val="000000"/>
+                </a:solidFill>
+                <a:latin typeface="Open Sans"/>
+                <a:ea typeface="Open Sans"/>
+                <a:cs typeface="Open Sans"/>
+                <a:sym typeface="Open Sans"/>
+              </a:rPr>
+              <a:t>Pérdida de tiempo </a:t>
+            </a:r>
+          </a:p>
+          <a:p>
+            <a:pPr algn="ctr">
+              <a:lnSpc>
+                <a:spcPts val="4759"/>
+              </a:lnSpc>
+            </a:pPr>
+            <a:r>
+              <a:rPr lang="en-US" sz="3399">
+                <a:solidFill>
+                  <a:srgbClr val="000000"/>
+                </a:solidFill>
+                <a:latin typeface="Open Sans"/>
+                <a:ea typeface="Open Sans"/>
+                <a:cs typeface="Open Sans"/>
+                <a:sym typeface="Open Sans"/>
+              </a:rPr>
+              <a:t>y recursos</a:t>
+            </a:r>
+          </a:p>
+        </p:txBody>
+      </p:sp>
+      <p:sp>
+        <p:nvSpPr>
+          <p:cNvPr name="TextBox 15" id="15"/>
+          <p:cNvSpPr txBox="true"/>
+          <p:nvPr/>
+        </p:nvSpPr>
+        <p:spPr>
+          <a:xfrm rot="0">
+            <a:off x="7512121" y="8525510"/>
+            <a:ext cx="4276576" cy="1180465"/>
+          </a:xfrm>
+          <a:prstGeom prst="rect">
+            <a:avLst/>
+          </a:prstGeom>
+        </p:spPr>
+        <p:txBody>
+          <a:bodyPr anchor="t" rtlCol="false" tIns="0" lIns="0" bIns="0" rIns="0">
+            <a:spAutoFit/>
+          </a:bodyPr>
+          <a:lstStyle/>
+          <a:p>
+            <a:pPr algn="ctr">
+              <a:lnSpc>
+                <a:spcPts val="4759"/>
+              </a:lnSpc>
+            </a:pPr>
+            <a:r>
+              <a:rPr lang="en-US" sz="3399">
+                <a:solidFill>
+                  <a:srgbClr val="000000"/>
+                </a:solidFill>
+                <a:latin typeface="Open Sans"/>
+                <a:ea typeface="Open Sans"/>
+                <a:cs typeface="Open Sans"/>
+                <a:sym typeface="Open Sans"/>
+              </a:rPr>
+              <a:t>Ausentismo y </a:t>
+            </a:r>
+          </a:p>
+          <a:p>
+            <a:pPr algn="ctr">
+              <a:lnSpc>
+                <a:spcPts val="4759"/>
+              </a:lnSpc>
+            </a:pPr>
+            <a:r>
+              <a:rPr lang="en-US" sz="3399">
+                <a:solidFill>
+                  <a:srgbClr val="000000"/>
+                </a:solidFill>
+                <a:latin typeface="Open Sans"/>
+                <a:ea typeface="Open Sans"/>
+                <a:cs typeface="Open Sans"/>
+                <a:sym typeface="Open Sans"/>
+              </a:rPr>
+              <a:t>perdidas económicas</a:t>
+            </a:r>
+          </a:p>
+        </p:txBody>
+      </p:sp>
+      <p:sp>
+        <p:nvSpPr>
+          <p:cNvPr name="TextBox 16" id="16"/>
+          <p:cNvSpPr txBox="true"/>
+          <p:nvPr/>
+        </p:nvSpPr>
+        <p:spPr>
+          <a:xfrm rot="0">
+            <a:off x="13963650" y="8525510"/>
+            <a:ext cx="2281386" cy="1180465"/>
+          </a:xfrm>
+          <a:prstGeom prst="rect">
+            <a:avLst/>
+          </a:prstGeom>
+        </p:spPr>
+        <p:txBody>
+          <a:bodyPr anchor="t" rtlCol="false" tIns="0" lIns="0" bIns="0" rIns="0">
+            <a:spAutoFit/>
+          </a:bodyPr>
+          <a:lstStyle/>
+          <a:p>
+            <a:pPr algn="ctr">
+              <a:lnSpc>
+                <a:spcPts val="4759"/>
+              </a:lnSpc>
+            </a:pPr>
+            <a:r>
+              <a:rPr lang="en-US" sz="3399">
+                <a:solidFill>
+                  <a:srgbClr val="000000"/>
+                </a:solidFill>
+                <a:latin typeface="Open Sans"/>
+                <a:ea typeface="Open Sans"/>
+                <a:cs typeface="Open Sans"/>
+                <a:sym typeface="Open Sans"/>
+              </a:rPr>
+              <a:t>Dificultad </a:t>
+            </a:r>
+          </a:p>
+          <a:p>
+            <a:pPr algn="ctr">
+              <a:lnSpc>
+                <a:spcPts val="4759"/>
+              </a:lnSpc>
+            </a:pPr>
+            <a:r>
+              <a:rPr lang="en-US" sz="3399">
+                <a:solidFill>
+                  <a:srgbClr val="000000"/>
+                </a:solidFill>
+                <a:latin typeface="Open Sans"/>
+                <a:ea typeface="Open Sans"/>
+                <a:cs typeface="Open Sans"/>
+                <a:sym typeface="Open Sans"/>
+              </a:rPr>
+              <a:t>para crecer</a:t>
+            </a:r>
+          </a:p>
+        </p:txBody>
+      </p:sp>
+    </p:spTree>
+  </p:cSld>
+  <p:clrMapOvr>
+    <a:masterClrMapping/>
+  </p:clrMapOvr>
+</p:sld>
+</file>
+
+<file path=ppt/slides/slide3.xml><?xml version="1.0" encoding="utf-8"?>
+<p:sld xmlns:p="http://schemas.openxmlformats.org/presentationml/2006/main" xmlns:a="http://schemas.openxmlformats.org/drawingml/2006/main" xmlns:r="http://schemas.openxmlformats.org/officeDocument/2006/relationships">
+  <p:cSld>
+    <p:bg>
+      <p:bgPr>
+        <a:solidFill>
+          <a:srgbClr val="F8FAFF"/>
+        </a:solidFill>
+      </p:bgPr>
+    </p:bg>
+    <p:spTree>
+      <p:nvGrpSpPr>
+        <p:cNvPr id="1" name=""/>
+        <p:cNvGrpSpPr/>
+        <p:nvPr/>
+      </p:nvGrpSpPr>
+      <p:grpSpPr>
+        <a:xfrm>
+          <a:off x="0" y="0"/>
+          <a:ext cx="0" cy="0"/>
+          <a:chOff x="0" y="0"/>
+          <a:chExt cx="0" cy="0"/>
+        </a:xfrm>
+      </p:grpSpPr>
+      <p:sp>
+        <p:nvSpPr>
+          <p:cNvPr name="AutoShape 2" id="2"/>
+          <p:cNvSpPr/>
+          <p:nvPr/>
+        </p:nvSpPr>
+        <p:spPr>
+          <a:xfrm rot="0">
+            <a:off x="1028700" y="496925"/>
+            <a:ext cx="16230600" cy="3964452"/>
+          </a:xfrm>
+          <a:prstGeom prst="rect">
+            <a:avLst/>
+          </a:prstGeom>
+          <a:solidFill>
+            <a:srgbClr val="CFDBFF"/>
+          </a:solidFill>
+        </p:spPr>
+      </p:sp>
+      <p:sp>
+        <p:nvSpPr>
+          <p:cNvPr name="Freeform 3" id="3"/>
+          <p:cNvSpPr/>
+          <p:nvPr/>
+        </p:nvSpPr>
+        <p:spPr>
+          <a:xfrm flipH="false" flipV="false" rot="0">
+            <a:off x="4305860" y="496925"/>
+            <a:ext cx="9676280" cy="3964452"/>
+          </a:xfrm>
+          <a:custGeom>
+            <a:avLst/>
+            <a:gdLst/>
+            <a:ahLst/>
+            <a:cxnLst/>
+            <a:rect r="r" b="b" t="t" l="l"/>
+            <a:pathLst>
+              <a:path h="3964452" w="9676280">
+                <a:moveTo>
+                  <a:pt x="0" y="0"/>
+                </a:moveTo>
+                <a:lnTo>
+                  <a:pt x="9676280" y="0"/>
+                </a:lnTo>
+                <a:lnTo>
+                  <a:pt x="9676280" y="3964453"/>
+                </a:lnTo>
+                <a:lnTo>
+                  <a:pt x="0" y="3964453"/>
+                </a:lnTo>
+                <a:lnTo>
+                  <a:pt x="0" y="0"/>
+                </a:lnTo>
+                <a:close/>
+              </a:path>
+            </a:pathLst>
+          </a:custGeom>
+          <a:blipFill>
+            <a:blip r:embed="rId2"/>
+            <a:stretch>
+              <a:fillRect l="0" t="-72409" r="0" b="-71666"/>
+            </a:stretch>
+          </a:blipFill>
+        </p:spPr>
+      </p:sp>
+      <p:sp>
+        <p:nvSpPr>
+          <p:cNvPr name="Freeform 4" id="4"/>
+          <p:cNvSpPr/>
+          <p:nvPr/>
+        </p:nvSpPr>
+        <p:spPr>
+          <a:xfrm flipH="false" flipV="false" rot="0">
+            <a:off x="1028700" y="7054640"/>
+            <a:ext cx="2367136" cy="2349920"/>
+          </a:xfrm>
+          <a:custGeom>
+            <a:avLst/>
+            <a:gdLst/>
+            <a:ahLst/>
+            <a:cxnLst/>
+            <a:rect r="r" b="b" t="t" l="l"/>
+            <a:pathLst>
+              <a:path h="2349920" w="2367136">
+                <a:moveTo>
+                  <a:pt x="0" y="0"/>
+                </a:moveTo>
+                <a:lnTo>
+                  <a:pt x="2367136" y="0"/>
+                </a:lnTo>
+                <a:lnTo>
+                  <a:pt x="2367136" y="2349920"/>
+                </a:lnTo>
+                <a:lnTo>
+                  <a:pt x="0" y="2349920"/>
+                </a:lnTo>
+                <a:lnTo>
+                  <a:pt x="0" y="0"/>
+                </a:lnTo>
+                <a:close/>
+              </a:path>
+            </a:pathLst>
+          </a:custGeom>
+          <a:blipFill>
+            <a:blip r:embed="rId3">
+              <a:extLst>
+                <a:ext uri="{96DAC541-7B7A-43D3-8B79-37D633B846F1}">
+                  <asvg:svgBlip xmlns:asvg="http://schemas.microsoft.com/office/drawing/2016/SVG/main" r:embed="rId4"/>
+                </a:ext>
+              </a:extLst>
+            </a:blip>
+            <a:stretch>
+              <a:fillRect l="0" t="0" r="0" b="0"/>
+            </a:stretch>
+          </a:blipFill>
+        </p:spPr>
+      </p:sp>
+      <p:sp>
+        <p:nvSpPr>
+          <p:cNvPr name="Freeform 5" id="5"/>
+          <p:cNvSpPr/>
+          <p:nvPr/>
+        </p:nvSpPr>
+        <p:spPr>
+          <a:xfrm flipH="false" flipV="false" rot="0">
+            <a:off x="3688063" y="7241330"/>
+            <a:ext cx="2403864" cy="2057400"/>
+          </a:xfrm>
+          <a:custGeom>
+            <a:avLst/>
+            <a:gdLst/>
+            <a:ahLst/>
+            <a:cxnLst/>
+            <a:rect r="r" b="b" t="t" l="l"/>
+            <a:pathLst>
+              <a:path h="2057400" w="2403864">
+                <a:moveTo>
+                  <a:pt x="0" y="0"/>
+                </a:moveTo>
+                <a:lnTo>
+                  <a:pt x="2403865" y="0"/>
+                </a:lnTo>
+                <a:lnTo>
+                  <a:pt x="2403865" y="2057400"/>
+                </a:lnTo>
+                <a:lnTo>
+                  <a:pt x="0" y="2057400"/>
+                </a:lnTo>
+                <a:lnTo>
+                  <a:pt x="0" y="0"/>
+                </a:lnTo>
+                <a:close/>
+              </a:path>
+            </a:pathLst>
+          </a:custGeom>
+          <a:blipFill>
+            <a:blip r:embed="rId5">
+              <a:extLst>
+                <a:ext uri="{96DAC541-7B7A-43D3-8B79-37D633B846F1}">
+                  <asvg:svgBlip xmlns:asvg="http://schemas.microsoft.com/office/drawing/2016/SVG/main" r:embed="rId6"/>
+                </a:ext>
+              </a:extLst>
+            </a:blip>
+            <a:stretch>
+              <a:fillRect l="0" t="0" r="0" b="0"/>
+            </a:stretch>
+          </a:blipFill>
+        </p:spPr>
+      </p:sp>
+      <p:sp>
+        <p:nvSpPr>
+          <p:cNvPr name="Freeform 6" id="6"/>
+          <p:cNvSpPr/>
+          <p:nvPr/>
+        </p:nvSpPr>
+        <p:spPr>
+          <a:xfrm flipH="false" flipV="false" rot="0">
+            <a:off x="13426169" y="7028533"/>
+            <a:ext cx="3448096" cy="2402134"/>
+          </a:xfrm>
+          <a:custGeom>
+            <a:avLst/>
+            <a:gdLst/>
+            <a:ahLst/>
+            <a:cxnLst/>
+            <a:rect r="r" b="b" t="t" l="l"/>
+            <a:pathLst>
+              <a:path h="2402134" w="3448096">
+                <a:moveTo>
+                  <a:pt x="0" y="0"/>
+                </a:moveTo>
+                <a:lnTo>
+                  <a:pt x="3448096" y="0"/>
+                </a:lnTo>
+                <a:lnTo>
+                  <a:pt x="3448096" y="2402134"/>
+                </a:lnTo>
+                <a:lnTo>
+                  <a:pt x="0" y="2402134"/>
+                </a:lnTo>
+                <a:lnTo>
+                  <a:pt x="0" y="0"/>
+                </a:lnTo>
+                <a:close/>
+              </a:path>
+            </a:pathLst>
+          </a:custGeom>
+          <a:blipFill>
+            <a:blip r:embed="rId7">
+              <a:extLst>
+                <a:ext uri="{96DAC541-7B7A-43D3-8B79-37D633B846F1}">
+                  <asvg:svgBlip xmlns:asvg="http://schemas.microsoft.com/office/drawing/2016/SVG/main" r:embed="rId8"/>
+                </a:ext>
+              </a:extLst>
+            </a:blip>
+            <a:stretch>
+              <a:fillRect l="0" t="0" r="0" b="0"/>
+            </a:stretch>
+          </a:blipFill>
+        </p:spPr>
+      </p:sp>
+      <p:sp>
+        <p:nvSpPr>
+          <p:cNvPr name="Freeform 7" id="7"/>
+          <p:cNvSpPr/>
+          <p:nvPr/>
+        </p:nvSpPr>
+        <p:spPr>
+          <a:xfrm flipH="false" flipV="false" rot="0">
+            <a:off x="8280579" y="7242532"/>
+            <a:ext cx="2956940" cy="2188135"/>
+          </a:xfrm>
+          <a:custGeom>
+            <a:avLst/>
+            <a:gdLst/>
+            <a:ahLst/>
+            <a:cxnLst/>
+            <a:rect r="r" b="b" t="t" l="l"/>
+            <a:pathLst>
+              <a:path h="2188135" w="2956940">
+                <a:moveTo>
+                  <a:pt x="0" y="0"/>
+                </a:moveTo>
+                <a:lnTo>
+                  <a:pt x="2956939" y="0"/>
+                </a:lnTo>
+                <a:lnTo>
+                  <a:pt x="2956939" y="2188135"/>
+                </a:lnTo>
+                <a:lnTo>
+                  <a:pt x="0" y="2188135"/>
+                </a:lnTo>
+                <a:lnTo>
+                  <a:pt x="0" y="0"/>
+                </a:lnTo>
+                <a:close/>
+              </a:path>
+            </a:pathLst>
+          </a:custGeom>
+          <a:blipFill>
+            <a:blip r:embed="rId9"/>
+            <a:stretch>
+              <a:fillRect l="0" t="0" r="0" b="0"/>
+            </a:stretch>
+          </a:blipFill>
+        </p:spPr>
+      </p:sp>
+      <p:sp>
+        <p:nvSpPr>
+          <p:cNvPr name="TextBox 8" id="8"/>
+          <p:cNvSpPr txBox="true"/>
+          <p:nvPr/>
+        </p:nvSpPr>
+        <p:spPr>
+          <a:xfrm rot="0">
+            <a:off x="1028700" y="4718656"/>
+            <a:ext cx="13072500" cy="1464945"/>
+          </a:xfrm>
+          <a:prstGeom prst="rect">
+            <a:avLst/>
+          </a:prstGeom>
+        </p:spPr>
+        <p:txBody>
+          <a:bodyPr anchor="t" rtlCol="false" tIns="0" lIns="0" bIns="0" rIns="0">
+            <a:spAutoFit/>
+          </a:bodyPr>
+          <a:lstStyle/>
+          <a:p>
+            <a:pPr algn="l" marL="0" indent="0" lvl="0">
+              <a:lnSpc>
+                <a:spcPts val="5879"/>
+              </a:lnSpc>
+            </a:pPr>
+            <a:r>
+              <a:rPr lang="en-US" sz="4199">
+                <a:solidFill>
+                  <a:srgbClr val="242424"/>
+                </a:solidFill>
+                <a:latin typeface="TT Chocolates"/>
+                <a:ea typeface="TT Chocolates"/>
+                <a:cs typeface="TT Chocolates"/>
+                <a:sym typeface="TT Chocolates"/>
+              </a:rPr>
+              <a:t>Plataforma web con un portal de reservas de servicios online 24/7.</a:t>
+            </a:r>
+          </a:p>
+        </p:txBody>
+      </p:sp>
+    </p:spTree>
+  </p:cSld>
+  <p:clrMapOvr>
+    <a:masterClrMapping/>
+  </p:clrMapOvr>
+</p:sld>
+</file>
+
+<file path=ppt/slides/slide4.xml><?xml version="1.0" encoding="utf-8"?>
+<p:sld xmlns:p="http://schemas.openxmlformats.org/presentationml/2006/main" xmlns:a="http://schemas.openxmlformats.org/drawingml/2006/main">
+  <p:cSld>
+    <p:bg>
+      <p:bgPr>
+        <a:solidFill>
+          <a:srgbClr val="F8FAFF"/>
+        </a:solidFill>
+      </p:bgPr>
+    </p:bg>
+    <p:spTree>
+      <p:nvGrpSpPr>
+        <p:cNvPr id="1" name=""/>
+        <p:cNvGrpSpPr/>
+        <p:nvPr/>
+      </p:nvGrpSpPr>
+      <p:grpSpPr>
+        <a:xfrm>
+          <a:off x="0" y="0"/>
+          <a:ext cx="0" cy="0"/>
+          <a:chOff x="0" y="0"/>
+          <a:chExt cx="0" cy="0"/>
+        </a:xfrm>
+      </p:grpSpPr>
+      <p:grpSp>
+        <p:nvGrpSpPr>
+          <p:cNvPr name="Group 2" id="2"/>
+          <p:cNvGrpSpPr/>
+          <p:nvPr/>
+        </p:nvGrpSpPr>
+        <p:grpSpPr>
+          <a:xfrm rot="0">
+            <a:off x="5582968" y="469010"/>
+            <a:ext cx="7003457" cy="3047618"/>
+            <a:chOff x="0" y="0"/>
+            <a:chExt cx="2120236" cy="922640"/>
+          </a:xfrm>
+        </p:grpSpPr>
+        <p:sp>
+          <p:nvSpPr>
+            <p:cNvPr name="Freeform 3" id="3"/>
+            <p:cNvSpPr/>
+            <p:nvPr/>
+          </p:nvSpPr>
+          <p:spPr>
+            <a:xfrm flipH="false" flipV="false" rot="0">
+              <a:off x="0" y="0"/>
+              <a:ext cx="2120236" cy="922640"/>
+            </a:xfrm>
+            <a:custGeom>
+              <a:avLst/>
+              <a:gdLst/>
+              <a:ahLst/>
+              <a:cxnLst/>
+              <a:rect r="r" b="b" t="t" l="l"/>
+              <a:pathLst>
+                <a:path h="922640" w="2120236">
+                  <a:moveTo>
+                    <a:pt x="0" y="0"/>
+                  </a:moveTo>
+                  <a:lnTo>
+                    <a:pt x="2120236" y="0"/>
+                  </a:lnTo>
+                  <a:lnTo>
+                    <a:pt x="2120236" y="922640"/>
+                  </a:lnTo>
+                  <a:lnTo>
+                    <a:pt x="0" y="922640"/>
+                  </a:lnTo>
+                  <a:close/>
+                </a:path>
+              </a:pathLst>
+            </a:custGeom>
+            <a:solidFill>
+              <a:srgbClr val="000000">
+                <a:alpha val="0"/>
+              </a:srgbClr>
+            </a:solidFill>
+            <a:ln w="66675" cap="sq">
+              <a:solidFill>
+                <a:srgbClr val="8FA4E1"/>
+              </a:solidFill>
+              <a:prstDash val="solid"/>
+              <a:miter/>
+            </a:ln>
+          </p:spPr>
+        </p:sp>
+        <p:sp>
+          <p:nvSpPr>
+            <p:cNvPr name="TextBox 4" id="4"/>
+            <p:cNvSpPr txBox="true"/>
+            <p:nvPr/>
+          </p:nvSpPr>
+          <p:spPr>
+            <a:xfrm>
+              <a:off x="0" y="-47625"/>
+              <a:ext cx="2120236" cy="970265"/>
+            </a:xfrm>
+            <a:prstGeom prst="rect">
+              <a:avLst/>
+            </a:prstGeom>
+          </p:spPr>
+          <p:txBody>
+            <a:bodyPr anchor="ctr" rtlCol="false" tIns="48876" lIns="48876" bIns="48876" rIns="48876"/>
+            <a:lstStyle/>
+            <a:p>
+              <a:pPr algn="ctr">
+                <a:lnSpc>
+                  <a:spcPts val="1588"/>
+                </a:lnSpc>
+              </a:pPr>
+            </a:p>
+          </p:txBody>
+        </p:sp>
+      </p:grpSp>
+      <p:sp>
+        <p:nvSpPr>
+          <p:cNvPr name="AutoShape 5" id="5"/>
+          <p:cNvSpPr/>
+          <p:nvPr/>
+        </p:nvSpPr>
+        <p:spPr>
+          <a:xfrm rot="0">
+            <a:off x="4741639" y="746671"/>
+            <a:ext cx="8700205" cy="2450686"/>
+          </a:xfrm>
+          <a:prstGeom prst="rect">
+            <a:avLst/>
+          </a:prstGeom>
+          <a:solidFill>
+            <a:srgbClr val="CFDBFF"/>
+          </a:solidFill>
+        </p:spPr>
+      </p:sp>
+      <p:sp>
+        <p:nvSpPr>
+          <p:cNvPr name="TextBox 6" id="6"/>
+          <p:cNvSpPr txBox="true"/>
+          <p:nvPr/>
+        </p:nvSpPr>
+        <p:spPr>
+          <a:xfrm rot="0">
+            <a:off x="4846156" y="603928"/>
+            <a:ext cx="8700205" cy="2912701"/>
+          </a:xfrm>
+          <a:prstGeom prst="rect">
+            <a:avLst/>
+          </a:prstGeom>
+        </p:spPr>
+        <p:txBody>
+          <a:bodyPr anchor="t" rtlCol="false" tIns="0" lIns="0" bIns="0" rIns="0">
+            <a:spAutoFit/>
+          </a:bodyPr>
+          <a:lstStyle/>
+          <a:p>
+            <a:pPr algn="ctr">
+              <a:lnSpc>
+                <a:spcPts val="10967"/>
+              </a:lnSpc>
+            </a:pPr>
+            <a:r>
+              <a:rPr lang="en-US" sz="8308">
+                <a:solidFill>
+                  <a:srgbClr val="1C1B19"/>
+                </a:solidFill>
+                <a:latin typeface="Gill Sans Condensed"/>
+                <a:ea typeface="Gill Sans Condensed"/>
+                <a:cs typeface="Gill Sans Condensed"/>
+                <a:sym typeface="Gill Sans Condensed"/>
+              </a:rPr>
+              <a:t>FUNDAMENTACIÓN Y RELEVANCIA</a:t>
+            </a:r>
+          </a:p>
+        </p:txBody>
+      </p:sp>
+      <p:sp>
+        <p:nvSpPr>
+          <p:cNvPr name="TextBox 7" id="7"/>
+          <p:cNvSpPr txBox="true"/>
+          <p:nvPr/>
+        </p:nvSpPr>
+        <p:spPr>
+          <a:xfrm rot="0">
+            <a:off x="1953899" y="4339907"/>
+            <a:ext cx="3629069" cy="1559560"/>
+          </a:xfrm>
+          <a:prstGeom prst="rect">
+            <a:avLst/>
+          </a:prstGeom>
+        </p:spPr>
+        <p:txBody>
+          <a:bodyPr anchor="t" rtlCol="false" tIns="0" lIns="0" bIns="0" rIns="0">
+            <a:spAutoFit/>
+          </a:bodyPr>
+          <a:lstStyle/>
+          <a:p>
+            <a:pPr algn="ctr">
+              <a:lnSpc>
+                <a:spcPts val="3499"/>
+              </a:lnSpc>
+            </a:pPr>
+            <a:r>
+              <a:rPr lang="en-US" b="true" sz="2499">
+                <a:solidFill>
+                  <a:srgbClr val="242424"/>
+                </a:solidFill>
+                <a:latin typeface="TT Chocolates Bold"/>
+                <a:ea typeface="TT Chocolates Bold"/>
+                <a:cs typeface="TT Chocolates Bold"/>
+                <a:sym typeface="TT Chocolates Bold"/>
+              </a:rPr>
+              <a:t>Intereses Profesionales</a:t>
+            </a:r>
+          </a:p>
+          <a:p>
+            <a:pPr algn="l" marL="453390" indent="-226695" lvl="1">
+              <a:lnSpc>
+                <a:spcPts val="2940"/>
+              </a:lnSpc>
+              <a:buFont typeface="Arial"/>
+              <a:buChar char="•"/>
+            </a:pPr>
+            <a:r>
+              <a:rPr lang="en-US" sz="2100">
+                <a:solidFill>
+                  <a:srgbClr val="242424"/>
+                </a:solidFill>
+                <a:latin typeface="TT Chocolates"/>
+                <a:ea typeface="TT Chocolates"/>
+                <a:cs typeface="TT Chocolates"/>
+                <a:sym typeface="TT Chocolates"/>
+              </a:rPr>
+              <a:t>Desarrollo Full-Stack</a:t>
+            </a:r>
+          </a:p>
+          <a:p>
+            <a:pPr algn="l" marL="453390" indent="-226695" lvl="1">
+              <a:lnSpc>
+                <a:spcPts val="2940"/>
+              </a:lnSpc>
+              <a:buFont typeface="Arial"/>
+              <a:buChar char="•"/>
+            </a:pPr>
+            <a:r>
+              <a:rPr lang="en-US" sz="2100">
+                <a:solidFill>
+                  <a:srgbClr val="242424"/>
+                </a:solidFill>
+                <a:latin typeface="TT Chocolates"/>
+                <a:ea typeface="TT Chocolates"/>
+                <a:cs typeface="TT Chocolates"/>
+                <a:sym typeface="TT Chocolates"/>
+              </a:rPr>
+              <a:t>Emprendimiento Digital</a:t>
+            </a:r>
+          </a:p>
+          <a:p>
+            <a:pPr algn="l" marL="0" indent="0" lvl="0">
+              <a:lnSpc>
+                <a:spcPts val="3079"/>
+              </a:lnSpc>
+            </a:pPr>
+          </a:p>
+        </p:txBody>
+      </p:sp>
+      <p:sp>
+        <p:nvSpPr>
+          <p:cNvPr name="AutoShape 8" id="8"/>
+          <p:cNvSpPr/>
+          <p:nvPr/>
+        </p:nvSpPr>
+        <p:spPr>
+          <a:xfrm rot="0">
+            <a:off x="-1379812" y="-1006101"/>
+            <a:ext cx="2596900" cy="12299202"/>
+          </a:xfrm>
+          <a:prstGeom prst="rect">
+            <a:avLst/>
+          </a:prstGeom>
+          <a:solidFill>
+            <a:srgbClr val="CFDBFF"/>
+          </a:solidFill>
+        </p:spPr>
+      </p:sp>
+      <p:sp>
+        <p:nvSpPr>
+          <p:cNvPr name="TextBox 9" id="9"/>
+          <p:cNvSpPr txBox="true"/>
+          <p:nvPr/>
+        </p:nvSpPr>
+        <p:spPr>
+          <a:xfrm rot="0">
+            <a:off x="12586425" y="3982000"/>
+            <a:ext cx="5013573" cy="2310936"/>
+          </a:xfrm>
+          <a:prstGeom prst="rect">
+            <a:avLst/>
+          </a:prstGeom>
+        </p:spPr>
+        <p:txBody>
+          <a:bodyPr anchor="t" rtlCol="false" tIns="0" lIns="0" bIns="0" rIns="0">
+            <a:spAutoFit/>
+          </a:bodyPr>
+          <a:lstStyle/>
+          <a:p>
+            <a:pPr algn="ctr">
+              <a:lnSpc>
+                <a:spcPts val="3496"/>
+              </a:lnSpc>
+              <a:spcBef>
+                <a:spcPct val="0"/>
+              </a:spcBef>
+            </a:pPr>
+            <a:r>
+              <a:rPr lang="en-US" b="true" sz="2497">
+                <a:solidFill>
+                  <a:srgbClr val="000000"/>
+                </a:solidFill>
+                <a:latin typeface="TT Chocolates Bold"/>
+                <a:ea typeface="TT Chocolates Bold"/>
+                <a:cs typeface="TT Chocolates Bold"/>
+                <a:sym typeface="TT Chocolates Bold"/>
+              </a:rPr>
+              <a:t>Competencias del Perfil de Egreso</a:t>
+            </a:r>
+          </a:p>
+          <a:p>
+            <a:pPr algn="l" marL="453390" indent="-226695" lvl="1">
+              <a:lnSpc>
+                <a:spcPts val="2940"/>
+              </a:lnSpc>
+              <a:spcBef>
+                <a:spcPct val="0"/>
+              </a:spcBef>
+              <a:buFont typeface="Arial"/>
+              <a:buChar char="•"/>
+            </a:pPr>
+            <a:r>
+              <a:rPr lang="en-US" sz="2100">
+                <a:solidFill>
+                  <a:srgbClr val="000000"/>
+                </a:solidFill>
+                <a:latin typeface="TT Chocolates"/>
+                <a:ea typeface="TT Chocolates"/>
+                <a:cs typeface="TT Chocolates"/>
+                <a:sym typeface="TT Chocolates"/>
+              </a:rPr>
+              <a:t>Gestión de proyectos informáticos 📊</a:t>
+            </a:r>
+          </a:p>
+          <a:p>
+            <a:pPr algn="l" marL="453390" indent="-226695" lvl="1">
+              <a:lnSpc>
+                <a:spcPts val="2940"/>
+              </a:lnSpc>
+              <a:spcBef>
+                <a:spcPct val="0"/>
+              </a:spcBef>
+              <a:buFont typeface="Arial"/>
+              <a:buChar char="•"/>
+            </a:pPr>
+            <a:r>
+              <a:rPr lang="en-US" sz="2100">
+                <a:solidFill>
+                  <a:srgbClr val="000000"/>
+                </a:solidFill>
+                <a:latin typeface="TT Chocolates"/>
+                <a:ea typeface="TT Chocolates"/>
+                <a:cs typeface="TT Chocolates"/>
+                <a:sym typeface="TT Chocolates"/>
+              </a:rPr>
+              <a:t>Desarrollo de soluciones de software 💻</a:t>
+            </a:r>
+          </a:p>
+          <a:p>
+            <a:pPr algn="l" marL="453390" indent="-226695" lvl="1">
+              <a:lnSpc>
+                <a:spcPts val="2940"/>
+              </a:lnSpc>
+              <a:spcBef>
+                <a:spcPct val="0"/>
+              </a:spcBef>
+              <a:buFont typeface="Arial"/>
+              <a:buChar char="•"/>
+            </a:pPr>
+            <a:r>
+              <a:rPr lang="en-US" sz="2100">
+                <a:solidFill>
+                  <a:srgbClr val="000000"/>
+                </a:solidFill>
+                <a:latin typeface="TT Chocolates"/>
+                <a:ea typeface="TT Chocolates"/>
+                <a:cs typeface="TT Chocolates"/>
+                <a:sym typeface="TT Chocolates"/>
+              </a:rPr>
+              <a:t>Modelamiento y base de datos 🗄️</a:t>
+            </a:r>
+          </a:p>
+          <a:p>
+            <a:pPr algn="l" marL="453390" indent="-226695" lvl="1">
+              <a:lnSpc>
+                <a:spcPts val="2940"/>
+              </a:lnSpc>
+              <a:spcBef>
+                <a:spcPct val="0"/>
+              </a:spcBef>
+              <a:buFont typeface="Arial"/>
+              <a:buChar char="•"/>
+            </a:pPr>
+            <a:r>
+              <a:rPr lang="en-US" sz="2100">
+                <a:solidFill>
+                  <a:srgbClr val="000000"/>
+                </a:solidFill>
+                <a:latin typeface="TT Chocolates"/>
+                <a:ea typeface="TT Chocolates"/>
+                <a:cs typeface="TT Chocolates"/>
+                <a:sym typeface="TT Chocolates"/>
+              </a:rPr>
+              <a:t>Arquitectura de software 🏗️</a:t>
+            </a:r>
+          </a:p>
+          <a:p>
+            <a:pPr algn="ctr">
+              <a:lnSpc>
+                <a:spcPts val="3204"/>
+              </a:lnSpc>
+              <a:spcBef>
+                <a:spcPct val="0"/>
+              </a:spcBef>
+            </a:pPr>
+          </a:p>
+        </p:txBody>
+      </p:sp>
+      <p:sp>
+        <p:nvSpPr>
+          <p:cNvPr name="TextBox 10" id="10"/>
+          <p:cNvSpPr txBox="true"/>
+          <p:nvPr/>
+        </p:nvSpPr>
+        <p:spPr>
+          <a:xfrm rot="0">
+            <a:off x="6172422" y="5851843"/>
+            <a:ext cx="6047673" cy="2293165"/>
+          </a:xfrm>
+          <a:prstGeom prst="rect">
+            <a:avLst/>
+          </a:prstGeom>
+        </p:spPr>
+        <p:txBody>
+          <a:bodyPr anchor="t" rtlCol="false" tIns="0" lIns="0" bIns="0" rIns="0">
+            <a:spAutoFit/>
+          </a:bodyPr>
+          <a:lstStyle/>
+          <a:p>
+            <a:pPr algn="ctr">
+              <a:lnSpc>
+                <a:spcPts val="3493"/>
+              </a:lnSpc>
+              <a:spcBef>
+                <a:spcPct val="0"/>
+              </a:spcBef>
+            </a:pPr>
+            <a:r>
+              <a:rPr lang="en-US" b="true" sz="2495">
+                <a:solidFill>
+                  <a:srgbClr val="000000"/>
+                </a:solidFill>
+                <a:latin typeface="TT Chocolates Bold"/>
+                <a:ea typeface="TT Chocolates Bold"/>
+                <a:cs typeface="TT Chocolates Bold"/>
+                <a:sym typeface="TT Chocolates Bold"/>
+              </a:rPr>
+              <a:t>Fac</a:t>
+            </a:r>
+            <a:r>
+              <a:rPr lang="en-US" b="true" sz="2495">
+                <a:solidFill>
+                  <a:srgbClr val="000000"/>
+                </a:solidFill>
+                <a:latin typeface="TT Chocolates Bold"/>
+                <a:ea typeface="TT Chocolates Bold"/>
+                <a:cs typeface="TT Chocolates Bold"/>
+                <a:sym typeface="TT Chocolates Bold"/>
+              </a:rPr>
+              <a:t>tibilidad y Relevancia</a:t>
+            </a:r>
+          </a:p>
+          <a:p>
+            <a:pPr algn="l" marL="452371" indent="-226186" lvl="1">
+              <a:lnSpc>
+                <a:spcPts val="2933"/>
+              </a:lnSpc>
+              <a:spcBef>
+                <a:spcPct val="0"/>
+              </a:spcBef>
+              <a:buFont typeface="Arial"/>
+              <a:buChar char="•"/>
+            </a:pPr>
+            <a:r>
+              <a:rPr lang="en-US" sz="2095">
+                <a:solidFill>
+                  <a:srgbClr val="000000"/>
+                </a:solidFill>
+                <a:latin typeface="TT Chocolates"/>
+                <a:ea typeface="TT Chocolates"/>
+                <a:cs typeface="TT Chocolates"/>
+                <a:sym typeface="TT Chocolates"/>
+              </a:rPr>
+              <a:t>Tim</a:t>
+            </a:r>
+            <a:r>
+              <a:rPr lang="en-US" sz="2095">
+                <a:solidFill>
+                  <a:srgbClr val="000000"/>
+                </a:solidFill>
+                <a:latin typeface="TT Chocolates"/>
+                <a:ea typeface="TT Chocolates"/>
+                <a:cs typeface="TT Chocolates"/>
+                <a:sym typeface="TT Chocolates"/>
+              </a:rPr>
+              <a:t>eline con 10 semanas (=2,3 meses) → MVP.</a:t>
+            </a:r>
+          </a:p>
+          <a:p>
+            <a:pPr algn="l" marL="452371" indent="-226186" lvl="1">
+              <a:lnSpc>
+                <a:spcPts val="2933"/>
+              </a:lnSpc>
+              <a:spcBef>
+                <a:spcPct val="0"/>
+              </a:spcBef>
+              <a:buFont typeface="Arial"/>
+              <a:buChar char="•"/>
+            </a:pPr>
+            <a:r>
+              <a:rPr lang="en-US" sz="2095">
+                <a:solidFill>
+                  <a:srgbClr val="000000"/>
+                </a:solidFill>
+                <a:latin typeface="TT Chocolates"/>
+                <a:ea typeface="TT Chocolates"/>
+                <a:cs typeface="TT Chocolates"/>
+                <a:sym typeface="TT Chocolates"/>
+              </a:rPr>
+              <a:t>🏪 </a:t>
+            </a:r>
+            <a:r>
+              <a:rPr lang="en-US" sz="2095">
+                <a:solidFill>
+                  <a:srgbClr val="000000"/>
+                </a:solidFill>
+                <a:latin typeface="TT Chocolates"/>
+                <a:ea typeface="TT Chocolates"/>
+                <a:cs typeface="TT Chocolates"/>
+                <a:sym typeface="TT Chocolates"/>
+              </a:rPr>
+              <a:t>Valor real al comercio local</a:t>
+            </a:r>
+          </a:p>
+          <a:p>
+            <a:pPr algn="l" marL="452371" indent="-226186" lvl="1">
+              <a:lnSpc>
+                <a:spcPts val="2933"/>
+              </a:lnSpc>
+              <a:spcBef>
+                <a:spcPct val="0"/>
+              </a:spcBef>
+              <a:buFont typeface="Arial"/>
+              <a:buChar char="•"/>
+            </a:pPr>
+            <a:r>
+              <a:rPr lang="en-US" sz="2095">
+                <a:solidFill>
+                  <a:srgbClr val="000000"/>
+                </a:solidFill>
+                <a:latin typeface="TT Chocolates"/>
+                <a:ea typeface="TT Chocolates"/>
+                <a:cs typeface="TT Chocolates"/>
+                <a:sym typeface="TT Chocolates"/>
+              </a:rPr>
+              <a:t>📲 Impulsa transformación digital</a:t>
+            </a:r>
+          </a:p>
+          <a:p>
+            <a:pPr algn="l" marL="452371" indent="-226186" lvl="1">
+              <a:lnSpc>
+                <a:spcPts val="2933"/>
+              </a:lnSpc>
+              <a:spcBef>
+                <a:spcPct val="0"/>
+              </a:spcBef>
+              <a:buFont typeface="Arial"/>
+              <a:buChar char="•"/>
+            </a:pPr>
+            <a:r>
+              <a:rPr lang="en-US" sz="2095">
+                <a:solidFill>
+                  <a:srgbClr val="000000"/>
+                </a:solidFill>
+                <a:latin typeface="TT Chocolates"/>
+                <a:ea typeface="TT Chocolates"/>
+                <a:cs typeface="TT Chocolates"/>
+                <a:sym typeface="TT Chocolates"/>
+              </a:rPr>
+              <a:t>⚡ Mejora la eficiencia</a:t>
+            </a:r>
+          </a:p>
+          <a:p>
+            <a:pPr algn="ctr">
+              <a:lnSpc>
+                <a:spcPts val="3066"/>
+              </a:lnSpc>
+              <a:spcBef>
+                <a:spcPct val="0"/>
+              </a:spcBef>
+            </a:pPr>
+          </a:p>
+        </p:txBody>
+      </p:sp>
+    </p:spTree>
+  </p:cSld>
+  <p:clrMapOvr>
+    <a:masterClrMapping/>
+  </p:clrMapOvr>
+</p:sld>
+</file>
+
+<file path=ppt/slides/slide5.xml><?xml version="1.0" encoding="utf-8"?>
+<p:sld xmlns:p="http://schemas.openxmlformats.org/presentationml/2006/main" xmlns:a="http://schemas.openxmlformats.org/drawingml/2006/main" xmlns:r="http://schemas.openxmlformats.org/officeDocument/2006/relationships">
+  <p:cSld>
+    <p:bg>
+      <p:bgPr>
+        <a:solidFill>
+          <a:srgbClr val="F8FAFF"/>
+        </a:solidFill>
+      </p:bgPr>
+    </p:bg>
+    <p:spTree>
+      <p:nvGrpSpPr>
+        <p:cNvPr id="1" name=""/>
+        <p:cNvGrpSpPr/>
+        <p:nvPr/>
+      </p:nvGrpSpPr>
+      <p:grpSpPr>
+        <a:xfrm>
+          <a:off x="0" y="0"/>
+          <a:ext cx="0" cy="0"/>
+          <a:chOff x="0" y="0"/>
+          <a:chExt cx="0" cy="0"/>
+        </a:xfrm>
+      </p:grpSpPr>
+      <p:grpSp>
+        <p:nvGrpSpPr>
+          <p:cNvPr name="Group 2" id="2"/>
+          <p:cNvGrpSpPr/>
+          <p:nvPr/>
+        </p:nvGrpSpPr>
+        <p:grpSpPr>
+          <a:xfrm rot="0">
+            <a:off x="5582968" y="469010"/>
+            <a:ext cx="7003457" cy="3047618"/>
+            <a:chOff x="0" y="0"/>
+            <a:chExt cx="2120236" cy="922640"/>
+          </a:xfrm>
+        </p:grpSpPr>
+        <p:sp>
+          <p:nvSpPr>
+            <p:cNvPr name="Freeform 3" id="3"/>
+            <p:cNvSpPr/>
+            <p:nvPr/>
+          </p:nvSpPr>
+          <p:spPr>
+            <a:xfrm flipH="false" flipV="false" rot="0">
+              <a:off x="0" y="0"/>
+              <a:ext cx="2120236" cy="922640"/>
+            </a:xfrm>
+            <a:custGeom>
+              <a:avLst/>
+              <a:gdLst/>
+              <a:ahLst/>
+              <a:cxnLst/>
+              <a:rect r="r" b="b" t="t" l="l"/>
+              <a:pathLst>
+                <a:path h="922640" w="2120236">
+                  <a:moveTo>
+                    <a:pt x="0" y="0"/>
+                  </a:moveTo>
+                  <a:lnTo>
+                    <a:pt x="2120236" y="0"/>
+                  </a:lnTo>
+                  <a:lnTo>
+                    <a:pt x="2120236" y="922640"/>
+                  </a:lnTo>
+                  <a:lnTo>
+                    <a:pt x="0" y="922640"/>
+                  </a:lnTo>
+                  <a:close/>
+                </a:path>
+              </a:pathLst>
+            </a:custGeom>
+            <a:solidFill>
+              <a:srgbClr val="000000">
+                <a:alpha val="0"/>
+              </a:srgbClr>
+            </a:solidFill>
+            <a:ln w="66675" cap="sq">
+              <a:solidFill>
+                <a:srgbClr val="8FA4E1"/>
+              </a:solidFill>
+              <a:prstDash val="solid"/>
+              <a:miter/>
+            </a:ln>
+          </p:spPr>
+        </p:sp>
+        <p:sp>
+          <p:nvSpPr>
+            <p:cNvPr name="TextBox 4" id="4"/>
+            <p:cNvSpPr txBox="true"/>
+            <p:nvPr/>
+          </p:nvSpPr>
+          <p:spPr>
+            <a:xfrm>
+              <a:off x="0" y="-47625"/>
+              <a:ext cx="2120236" cy="970265"/>
+            </a:xfrm>
+            <a:prstGeom prst="rect">
+              <a:avLst/>
+            </a:prstGeom>
+          </p:spPr>
+          <p:txBody>
+            <a:bodyPr anchor="ctr" rtlCol="false" tIns="48876" lIns="48876" bIns="48876" rIns="48876"/>
+            <a:lstStyle/>
+            <a:p>
+              <a:pPr algn="ctr">
+                <a:lnSpc>
+                  <a:spcPts val="1588"/>
+                </a:lnSpc>
+              </a:pPr>
+            </a:p>
+          </p:txBody>
+        </p:sp>
+      </p:grpSp>
+      <p:sp>
+        <p:nvSpPr>
+          <p:cNvPr name="AutoShape 5" id="5"/>
+          <p:cNvSpPr/>
+          <p:nvPr/>
+        </p:nvSpPr>
+        <p:spPr>
+          <a:xfrm rot="0">
+            <a:off x="4734594" y="767476"/>
+            <a:ext cx="8700205" cy="2450686"/>
+          </a:xfrm>
+          <a:prstGeom prst="rect">
+            <a:avLst/>
+          </a:prstGeom>
+          <a:solidFill>
+            <a:srgbClr val="CFDBFF"/>
+          </a:solidFill>
+        </p:spPr>
+      </p:sp>
+      <p:sp>
+        <p:nvSpPr>
+          <p:cNvPr name="AutoShape 6" id="6"/>
+          <p:cNvSpPr/>
+          <p:nvPr/>
+        </p:nvSpPr>
+        <p:spPr>
+          <a:xfrm rot="0">
+            <a:off x="-1379812" y="-1006101"/>
+            <a:ext cx="2596900" cy="12299202"/>
+          </a:xfrm>
+          <a:prstGeom prst="rect">
+            <a:avLst/>
+          </a:prstGeom>
+          <a:solidFill>
+            <a:srgbClr val="CFDBFF"/>
+          </a:solidFill>
+        </p:spPr>
+      </p:sp>
+      <p:sp>
+        <p:nvSpPr>
+          <p:cNvPr name="Freeform 7" id="7"/>
+          <p:cNvSpPr/>
+          <p:nvPr/>
+        </p:nvSpPr>
+        <p:spPr>
+          <a:xfrm flipH="false" flipV="false" rot="0">
+            <a:off x="1688575" y="5147324"/>
+            <a:ext cx="1241113" cy="1356057"/>
+          </a:xfrm>
+          <a:custGeom>
+            <a:avLst/>
+            <a:gdLst/>
+            <a:ahLst/>
+            <a:cxnLst/>
+            <a:rect r="r" b="b" t="t" l="l"/>
+            <a:pathLst>
+              <a:path h="1356057" w="1241113">
+                <a:moveTo>
+                  <a:pt x="0" y="0"/>
+                </a:moveTo>
+                <a:lnTo>
+                  <a:pt x="1241113" y="0"/>
+                </a:lnTo>
+                <a:lnTo>
+                  <a:pt x="1241113" y="1356056"/>
+                </a:lnTo>
+                <a:lnTo>
+                  <a:pt x="0" y="1356056"/>
+                </a:lnTo>
+                <a:lnTo>
+                  <a:pt x="0" y="0"/>
+                </a:lnTo>
+                <a:close/>
+              </a:path>
+            </a:pathLst>
+          </a:custGeom>
+          <a:blipFill>
+            <a:blip r:embed="rId2"/>
+            <a:stretch>
+              <a:fillRect l="-37989" t="-100020" r="-352536" b="-248926"/>
+            </a:stretch>
+          </a:blipFill>
+        </p:spPr>
+      </p:sp>
+      <p:sp>
+        <p:nvSpPr>
+          <p:cNvPr name="Freeform 8" id="8"/>
+          <p:cNvSpPr/>
+          <p:nvPr/>
+        </p:nvSpPr>
+        <p:spPr>
+          <a:xfrm flipH="false" flipV="false" rot="0">
+            <a:off x="11525983" y="5202093"/>
+            <a:ext cx="6083689" cy="1304767"/>
+          </a:xfrm>
+          <a:custGeom>
+            <a:avLst/>
+            <a:gdLst/>
+            <a:ahLst/>
+            <a:cxnLst/>
+            <a:rect r="r" b="b" t="t" l="l"/>
+            <a:pathLst>
+              <a:path h="1304767" w="6083689">
+                <a:moveTo>
+                  <a:pt x="0" y="0"/>
+                </a:moveTo>
+                <a:lnTo>
+                  <a:pt x="6083689" y="0"/>
+                </a:lnTo>
+                <a:lnTo>
+                  <a:pt x="6083689" y="1304767"/>
+                </a:lnTo>
+                <a:lnTo>
+                  <a:pt x="0" y="1304767"/>
+                </a:lnTo>
+                <a:lnTo>
+                  <a:pt x="0" y="0"/>
+                </a:lnTo>
+                <a:close/>
+              </a:path>
+            </a:pathLst>
+          </a:custGeom>
+          <a:blipFill>
+            <a:blip r:embed="rId3"/>
+            <a:stretch>
+              <a:fillRect l="-20301" t="-285801" r="-20814" b="-272176"/>
+            </a:stretch>
+          </a:blipFill>
+        </p:spPr>
+      </p:sp>
+      <p:sp>
+        <p:nvSpPr>
+          <p:cNvPr name="TextBox 9" id="9"/>
+          <p:cNvSpPr txBox="true"/>
+          <p:nvPr/>
+        </p:nvSpPr>
+        <p:spPr>
+          <a:xfrm rot="0">
+            <a:off x="4846156" y="1103418"/>
+            <a:ext cx="8700205" cy="1521627"/>
+          </a:xfrm>
+          <a:prstGeom prst="rect">
+            <a:avLst/>
+          </a:prstGeom>
+        </p:spPr>
+        <p:txBody>
+          <a:bodyPr anchor="t" rtlCol="false" tIns="0" lIns="0" bIns="0" rIns="0">
+            <a:spAutoFit/>
+          </a:bodyPr>
+          <a:lstStyle/>
+          <a:p>
+            <a:pPr algn="ctr">
+              <a:lnSpc>
+                <a:spcPts val="10967"/>
+              </a:lnSpc>
+            </a:pPr>
+            <a:r>
+              <a:rPr lang="en-US" sz="8308">
+                <a:solidFill>
+                  <a:srgbClr val="1C1B19"/>
+                </a:solidFill>
+                <a:latin typeface="Gill Sans Condensed"/>
+                <a:ea typeface="Gill Sans Condensed"/>
+                <a:cs typeface="Gill Sans Condensed"/>
+                <a:sym typeface="Gill Sans Condensed"/>
+              </a:rPr>
+              <a:t>OBJETIVOS Y METODOLOGÍA </a:t>
+            </a:r>
+          </a:p>
+        </p:txBody>
+      </p:sp>
+      <p:sp>
+        <p:nvSpPr>
+          <p:cNvPr name="TextBox 10" id="10"/>
+          <p:cNvSpPr txBox="true"/>
+          <p:nvPr/>
+        </p:nvSpPr>
+        <p:spPr>
+          <a:xfrm rot="0">
+            <a:off x="1688575" y="3837124"/>
+            <a:ext cx="4723711" cy="643670"/>
+          </a:xfrm>
+          <a:prstGeom prst="rect">
+            <a:avLst/>
+          </a:prstGeom>
+        </p:spPr>
+        <p:txBody>
+          <a:bodyPr anchor="t" rtlCol="false" tIns="0" lIns="0" bIns="0" rIns="0">
+            <a:spAutoFit/>
+          </a:bodyPr>
+          <a:lstStyle/>
+          <a:p>
+            <a:pPr algn="ctr">
+              <a:lnSpc>
+                <a:spcPts val="5299"/>
+              </a:lnSpc>
+            </a:pPr>
+            <a:r>
+              <a:rPr lang="en-US" b="true" sz="4014">
+                <a:solidFill>
+                  <a:srgbClr val="1C1B19"/>
+                </a:solidFill>
+                <a:latin typeface="TT Chocolates Bold"/>
+                <a:ea typeface="TT Chocolates Bold"/>
+                <a:cs typeface="TT Chocolates Bold"/>
+                <a:sym typeface="TT Chocolates Bold"/>
+              </a:rPr>
+              <a:t>NUESTRO OBJETIVO</a:t>
+            </a:r>
+          </a:p>
+        </p:txBody>
+      </p:sp>
+      <p:sp>
+        <p:nvSpPr>
+          <p:cNvPr name="TextBox 11" id="11"/>
+          <p:cNvSpPr txBox="true"/>
+          <p:nvPr/>
+        </p:nvSpPr>
+        <p:spPr>
+          <a:xfrm rot="0">
+            <a:off x="1688575" y="4585569"/>
+            <a:ext cx="2876727" cy="418880"/>
+          </a:xfrm>
+          <a:prstGeom prst="rect">
+            <a:avLst/>
+          </a:prstGeom>
+        </p:spPr>
+        <p:txBody>
+          <a:bodyPr anchor="t" rtlCol="false" tIns="0" lIns="0" bIns="0" rIns="0">
+            <a:spAutoFit/>
+          </a:bodyPr>
+          <a:lstStyle/>
+          <a:p>
+            <a:pPr algn="ctr">
+              <a:lnSpc>
+                <a:spcPts val="3319"/>
+              </a:lnSpc>
+            </a:pPr>
+            <a:r>
+              <a:rPr lang="en-US" sz="2514">
+                <a:solidFill>
+                  <a:srgbClr val="1C1B19"/>
+                </a:solidFill>
+                <a:latin typeface="TT Chocolates"/>
+                <a:ea typeface="TT Chocolates"/>
+                <a:cs typeface="TT Chocolates"/>
+                <a:sym typeface="TT Chocolates"/>
+              </a:rPr>
+              <a:t>OBJETIVO GENERAL</a:t>
+            </a:r>
+          </a:p>
+        </p:txBody>
+      </p:sp>
+      <p:sp>
+        <p:nvSpPr>
+          <p:cNvPr name="TextBox 12" id="12"/>
+          <p:cNvSpPr txBox="true"/>
+          <p:nvPr/>
+        </p:nvSpPr>
+        <p:spPr>
+          <a:xfrm rot="0">
+            <a:off x="3458678" y="5033507"/>
+            <a:ext cx="4031793" cy="1526540"/>
+          </a:xfrm>
+          <a:prstGeom prst="rect">
+            <a:avLst/>
+          </a:prstGeom>
+        </p:spPr>
+        <p:txBody>
+          <a:bodyPr anchor="t" rtlCol="false" tIns="0" lIns="0" bIns="0" rIns="0">
+            <a:spAutoFit/>
+          </a:bodyPr>
+          <a:lstStyle/>
+          <a:p>
+            <a:pPr algn="l" marL="0" indent="0" lvl="0">
+              <a:lnSpc>
+                <a:spcPts val="4060"/>
+              </a:lnSpc>
+            </a:pPr>
+            <a:r>
+              <a:rPr lang="en-US" sz="2900">
+                <a:solidFill>
+                  <a:srgbClr val="242424"/>
+                </a:solidFill>
+                <a:latin typeface="TT Chocolates"/>
+                <a:ea typeface="TT Chocolates"/>
+                <a:cs typeface="TT Chocolates"/>
+                <a:sym typeface="TT Chocolates"/>
+              </a:rPr>
+              <a:t>Desarollar la plataforma web VOILÁ para optimizar la gestion de agendas</a:t>
+            </a:r>
+          </a:p>
+        </p:txBody>
+      </p:sp>
+      <p:sp>
+        <p:nvSpPr>
+          <p:cNvPr name="TextBox 13" id="13"/>
+          <p:cNvSpPr txBox="true"/>
+          <p:nvPr/>
+        </p:nvSpPr>
+        <p:spPr>
+          <a:xfrm rot="0">
+            <a:off x="1699447" y="6816698"/>
+            <a:ext cx="3775128" cy="418880"/>
+          </a:xfrm>
+          <a:prstGeom prst="rect">
+            <a:avLst/>
+          </a:prstGeom>
+        </p:spPr>
+        <p:txBody>
+          <a:bodyPr anchor="t" rtlCol="false" tIns="0" lIns="0" bIns="0" rIns="0">
+            <a:spAutoFit/>
+          </a:bodyPr>
+          <a:lstStyle/>
+          <a:p>
+            <a:pPr algn="ctr">
+              <a:lnSpc>
+                <a:spcPts val="3319"/>
+              </a:lnSpc>
+            </a:pPr>
+            <a:r>
+              <a:rPr lang="en-US" b="true" sz="2514">
+                <a:solidFill>
+                  <a:srgbClr val="1C1B19"/>
+                </a:solidFill>
+                <a:latin typeface="TT Chocolates Bold"/>
+                <a:ea typeface="TT Chocolates Bold"/>
+                <a:cs typeface="TT Chocolates Bold"/>
+                <a:sym typeface="TT Chocolates Bold"/>
+              </a:rPr>
+              <a:t>OBJETIVOS ESPECIFICOS</a:t>
+            </a:r>
+          </a:p>
+        </p:txBody>
+      </p:sp>
+      <p:sp>
+        <p:nvSpPr>
+          <p:cNvPr name="Freeform 14" id="14"/>
+          <p:cNvSpPr/>
+          <p:nvPr/>
+        </p:nvSpPr>
+        <p:spPr>
+          <a:xfrm flipH="false" flipV="false" rot="0">
+            <a:off x="1688575" y="7378452"/>
+            <a:ext cx="631429" cy="2091264"/>
+          </a:xfrm>
+          <a:custGeom>
+            <a:avLst/>
+            <a:gdLst/>
+            <a:ahLst/>
+            <a:cxnLst/>
+            <a:rect r="r" b="b" t="t" l="l"/>
+            <a:pathLst>
+              <a:path h="2091264" w="631429">
+                <a:moveTo>
+                  <a:pt x="0" y="0"/>
+                </a:moveTo>
+                <a:lnTo>
+                  <a:pt x="631429" y="0"/>
+                </a:lnTo>
+                <a:lnTo>
+                  <a:pt x="631429" y="2091264"/>
+                </a:lnTo>
+                <a:lnTo>
+                  <a:pt x="0" y="2091264"/>
+                </a:lnTo>
+                <a:lnTo>
+                  <a:pt x="0" y="0"/>
+                </a:lnTo>
+                <a:close/>
+              </a:path>
+            </a:pathLst>
+          </a:custGeom>
+          <a:blipFill>
+            <a:blip r:embed="rId2"/>
+            <a:stretch>
+              <a:fillRect l="-74669" t="-178900" r="-789489" b="-12214"/>
+            </a:stretch>
+          </a:blipFill>
+        </p:spPr>
+      </p:sp>
+      <p:sp>
+        <p:nvSpPr>
+          <p:cNvPr name="TextBox 15" id="15"/>
+          <p:cNvSpPr txBox="true"/>
+          <p:nvPr/>
+        </p:nvSpPr>
+        <p:spPr>
+          <a:xfrm rot="0">
+            <a:off x="2309131" y="7526380"/>
+            <a:ext cx="2537025" cy="315124"/>
+          </a:xfrm>
+          <a:prstGeom prst="rect">
+            <a:avLst/>
+          </a:prstGeom>
+        </p:spPr>
+        <p:txBody>
+          <a:bodyPr anchor="t" rtlCol="false" tIns="0" lIns="0" bIns="0" rIns="0">
+            <a:spAutoFit/>
+          </a:bodyPr>
+          <a:lstStyle/>
+          <a:p>
+            <a:pPr algn="l" marL="0" indent="0" lvl="0">
+              <a:lnSpc>
+                <a:spcPts val="2580"/>
+              </a:lnSpc>
+            </a:pPr>
+            <a:r>
+              <a:rPr lang="en-US" sz="1843">
+                <a:solidFill>
+                  <a:srgbClr val="242424"/>
+                </a:solidFill>
+                <a:latin typeface="TT Chocolates"/>
+                <a:ea typeface="TT Chocolates"/>
+                <a:cs typeface="TT Chocolates"/>
+                <a:sym typeface="TT Chocolates"/>
+              </a:rPr>
+              <a:t>Analizar requerimientos </a:t>
+            </a:r>
+          </a:p>
+        </p:txBody>
+      </p:sp>
+      <p:sp>
+        <p:nvSpPr>
+          <p:cNvPr name="TextBox 16" id="16"/>
+          <p:cNvSpPr txBox="true"/>
+          <p:nvPr/>
+        </p:nvSpPr>
+        <p:spPr>
+          <a:xfrm rot="0">
+            <a:off x="2309131" y="7946279"/>
+            <a:ext cx="2537025" cy="315124"/>
+          </a:xfrm>
+          <a:prstGeom prst="rect">
+            <a:avLst/>
+          </a:prstGeom>
+        </p:spPr>
+        <p:txBody>
+          <a:bodyPr anchor="t" rtlCol="false" tIns="0" lIns="0" bIns="0" rIns="0">
+            <a:spAutoFit/>
+          </a:bodyPr>
+          <a:lstStyle/>
+          <a:p>
+            <a:pPr algn="l" marL="0" indent="0" lvl="0">
+              <a:lnSpc>
+                <a:spcPts val="2580"/>
+              </a:lnSpc>
+            </a:pPr>
+            <a:r>
+              <a:rPr lang="en-US" sz="1843">
+                <a:solidFill>
+                  <a:srgbClr val="242424"/>
+                </a:solidFill>
+                <a:latin typeface="TT Chocolates"/>
+                <a:ea typeface="TT Chocolates"/>
+                <a:cs typeface="TT Chocolates"/>
+                <a:sym typeface="TT Chocolates"/>
+              </a:rPr>
+              <a:t>Diseñar arquitectura</a:t>
+            </a:r>
+          </a:p>
+        </p:txBody>
+      </p:sp>
+      <p:sp>
+        <p:nvSpPr>
+          <p:cNvPr name="TextBox 17" id="17"/>
+          <p:cNvSpPr txBox="true"/>
+          <p:nvPr/>
+        </p:nvSpPr>
+        <p:spPr>
+          <a:xfrm rot="0">
+            <a:off x="2320004" y="8366177"/>
+            <a:ext cx="2919651" cy="315124"/>
+          </a:xfrm>
+          <a:prstGeom prst="rect">
+            <a:avLst/>
+          </a:prstGeom>
+        </p:spPr>
+        <p:txBody>
+          <a:bodyPr anchor="t" rtlCol="false" tIns="0" lIns="0" bIns="0" rIns="0">
+            <a:spAutoFit/>
+          </a:bodyPr>
+          <a:lstStyle/>
+          <a:p>
+            <a:pPr algn="l" marL="0" indent="0" lvl="0">
+              <a:lnSpc>
+                <a:spcPts val="2580"/>
+              </a:lnSpc>
+            </a:pPr>
+            <a:r>
+              <a:rPr lang="en-US" sz="1843">
+                <a:solidFill>
+                  <a:srgbClr val="242424"/>
+                </a:solidFill>
+                <a:latin typeface="TT Chocolates"/>
+                <a:ea typeface="TT Chocolates"/>
+                <a:cs typeface="TT Chocolates"/>
+                <a:sym typeface="TT Chocolates"/>
+              </a:rPr>
+              <a:t>Desarrollar backend/frontend</a:t>
+            </a:r>
+          </a:p>
+        </p:txBody>
+      </p:sp>
+      <p:sp>
+        <p:nvSpPr>
+          <p:cNvPr name="TextBox 18" id="18"/>
+          <p:cNvSpPr txBox="true"/>
+          <p:nvPr/>
+        </p:nvSpPr>
+        <p:spPr>
+          <a:xfrm rot="0">
+            <a:off x="2320004" y="8786076"/>
+            <a:ext cx="2537025" cy="315124"/>
+          </a:xfrm>
+          <a:prstGeom prst="rect">
+            <a:avLst/>
+          </a:prstGeom>
+        </p:spPr>
+        <p:txBody>
+          <a:bodyPr anchor="t" rtlCol="false" tIns="0" lIns="0" bIns="0" rIns="0">
+            <a:spAutoFit/>
+          </a:bodyPr>
+          <a:lstStyle/>
+          <a:p>
+            <a:pPr algn="l" marL="0" indent="0" lvl="0">
+              <a:lnSpc>
+                <a:spcPts val="2580"/>
+              </a:lnSpc>
+            </a:pPr>
+            <a:r>
+              <a:rPr lang="en-US" sz="1843">
+                <a:solidFill>
+                  <a:srgbClr val="242424"/>
+                </a:solidFill>
+                <a:latin typeface="TT Chocolates"/>
+                <a:ea typeface="TT Chocolates"/>
+                <a:cs typeface="TT Chocolates"/>
+                <a:sym typeface="TT Chocolates"/>
+              </a:rPr>
+              <a:t>Realizar pruebas</a:t>
+            </a:r>
+          </a:p>
+        </p:txBody>
+      </p:sp>
+      <p:sp>
+        <p:nvSpPr>
+          <p:cNvPr name="TextBox 19" id="19"/>
+          <p:cNvSpPr txBox="true"/>
+          <p:nvPr/>
+        </p:nvSpPr>
+        <p:spPr>
+          <a:xfrm rot="0">
+            <a:off x="11525983" y="3837124"/>
+            <a:ext cx="6083689" cy="643670"/>
+          </a:xfrm>
+          <a:prstGeom prst="rect">
+            <a:avLst/>
+          </a:prstGeom>
+        </p:spPr>
+        <p:txBody>
+          <a:bodyPr anchor="t" rtlCol="false" tIns="0" lIns="0" bIns="0" rIns="0">
+            <a:spAutoFit/>
+          </a:bodyPr>
+          <a:lstStyle/>
+          <a:p>
+            <a:pPr algn="ctr">
+              <a:lnSpc>
+                <a:spcPts val="5299"/>
+              </a:lnSpc>
+            </a:pPr>
+            <a:r>
+              <a:rPr lang="en-US" b="true" sz="4014">
+                <a:solidFill>
+                  <a:srgbClr val="1C1B19"/>
+                </a:solidFill>
+                <a:latin typeface="TT Chocolates Bold"/>
+                <a:ea typeface="TT Chocolates Bold"/>
+                <a:cs typeface="TT Chocolates Bold"/>
+                <a:sym typeface="TT Chocolates Bold"/>
+              </a:rPr>
+              <a:t>NUESTRA METODOLOGIA</a:t>
+            </a:r>
+          </a:p>
+        </p:txBody>
+      </p:sp>
+      <p:sp>
+        <p:nvSpPr>
+          <p:cNvPr name="TextBox 20" id="20"/>
+          <p:cNvSpPr txBox="true"/>
+          <p:nvPr/>
+        </p:nvSpPr>
+        <p:spPr>
+          <a:xfrm rot="0">
+            <a:off x="12725635" y="4585569"/>
+            <a:ext cx="3684385" cy="418880"/>
+          </a:xfrm>
+          <a:prstGeom prst="rect">
+            <a:avLst/>
+          </a:prstGeom>
+        </p:spPr>
+        <p:txBody>
+          <a:bodyPr anchor="t" rtlCol="false" tIns="0" lIns="0" bIns="0" rIns="0">
+            <a:spAutoFit/>
+          </a:bodyPr>
+          <a:lstStyle/>
+          <a:p>
+            <a:pPr algn="ctr">
+              <a:lnSpc>
+                <a:spcPts val="3319"/>
+              </a:lnSpc>
+            </a:pPr>
+            <a:r>
+              <a:rPr lang="en-US" sz="2514">
+                <a:solidFill>
+                  <a:srgbClr val="1C1B19"/>
+                </a:solidFill>
+                <a:latin typeface="TT Chocolates"/>
+                <a:ea typeface="TT Chocolates"/>
+                <a:cs typeface="TT Chocolates"/>
+                <a:sym typeface="TT Chocolates"/>
+              </a:rPr>
+              <a:t>ÁGIL(SCRUM Y KANBAN)</a:t>
+            </a:r>
+          </a:p>
+        </p:txBody>
+      </p:sp>
+      <p:sp>
+        <p:nvSpPr>
+          <p:cNvPr name="TextBox 21" id="21"/>
+          <p:cNvSpPr txBox="true"/>
+          <p:nvPr/>
+        </p:nvSpPr>
+        <p:spPr>
+          <a:xfrm rot="0">
+            <a:off x="11525983" y="6724926"/>
+            <a:ext cx="1674022" cy="835039"/>
+          </a:xfrm>
+          <a:prstGeom prst="rect">
+            <a:avLst/>
+          </a:prstGeom>
+        </p:spPr>
+        <p:txBody>
+          <a:bodyPr anchor="t" rtlCol="false" tIns="0" lIns="0" bIns="0" rIns="0">
+            <a:spAutoFit/>
+          </a:bodyPr>
+          <a:lstStyle/>
+          <a:p>
+            <a:pPr algn="ctr">
+              <a:lnSpc>
+                <a:spcPts val="3382"/>
+              </a:lnSpc>
+            </a:pPr>
+            <a:r>
+              <a:rPr lang="en-US" sz="2415">
+                <a:solidFill>
+                  <a:srgbClr val="242424"/>
+                </a:solidFill>
+                <a:latin typeface="TT Chocolates"/>
+                <a:ea typeface="TT Chocolates"/>
+                <a:cs typeface="TT Chocolates"/>
+                <a:sym typeface="TT Chocolates"/>
+              </a:rPr>
+              <a:t>Fase 1:</a:t>
+            </a:r>
+          </a:p>
+          <a:p>
+            <a:pPr algn="ctr" marL="0" indent="0" lvl="0">
+              <a:lnSpc>
+                <a:spcPts val="3382"/>
+              </a:lnSpc>
+            </a:pPr>
+            <a:r>
+              <a:rPr lang="en-US" sz="2415">
+                <a:solidFill>
+                  <a:srgbClr val="242424"/>
+                </a:solidFill>
+                <a:latin typeface="TT Chocolates"/>
+                <a:ea typeface="TT Chocolates"/>
+                <a:cs typeface="TT Chocolates"/>
+                <a:sym typeface="TT Chocolates"/>
+              </a:rPr>
+              <a:t>Planificación</a:t>
+            </a:r>
+          </a:p>
+        </p:txBody>
+      </p:sp>
+      <p:sp>
+        <p:nvSpPr>
+          <p:cNvPr name="TextBox 22" id="22"/>
+          <p:cNvSpPr txBox="true"/>
+          <p:nvPr/>
+        </p:nvSpPr>
+        <p:spPr>
+          <a:xfrm rot="0">
+            <a:off x="13636876" y="6724926"/>
+            <a:ext cx="1674022" cy="1259427"/>
+          </a:xfrm>
+          <a:prstGeom prst="rect">
+            <a:avLst/>
+          </a:prstGeom>
+        </p:spPr>
+        <p:txBody>
+          <a:bodyPr anchor="t" rtlCol="false" tIns="0" lIns="0" bIns="0" rIns="0">
+            <a:spAutoFit/>
+          </a:bodyPr>
+          <a:lstStyle/>
+          <a:p>
+            <a:pPr algn="ctr">
+              <a:lnSpc>
+                <a:spcPts val="3382"/>
+              </a:lnSpc>
+            </a:pPr>
+            <a:r>
+              <a:rPr lang="en-US" sz="2415">
+                <a:solidFill>
+                  <a:srgbClr val="242424"/>
+                </a:solidFill>
+                <a:latin typeface="TT Chocolates"/>
+                <a:ea typeface="TT Chocolates"/>
+                <a:cs typeface="TT Chocolates"/>
+                <a:sym typeface="TT Chocolates"/>
+              </a:rPr>
+              <a:t>Fase 2:</a:t>
+            </a:r>
+          </a:p>
+          <a:p>
+            <a:pPr algn="ctr" marL="0" indent="0" lvl="0">
+              <a:lnSpc>
+                <a:spcPts val="3382"/>
+              </a:lnSpc>
+            </a:pPr>
+            <a:r>
+              <a:rPr lang="en-US" sz="2415">
+                <a:solidFill>
+                  <a:srgbClr val="242424"/>
+                </a:solidFill>
+                <a:latin typeface="TT Chocolates"/>
+                <a:ea typeface="TT Chocolates"/>
+                <a:cs typeface="TT Chocolates"/>
+                <a:sym typeface="TT Chocolates"/>
+              </a:rPr>
+              <a:t>Desarrollo iterativo</a:t>
+            </a:r>
+          </a:p>
+        </p:txBody>
+      </p:sp>
+      <p:sp>
+        <p:nvSpPr>
+          <p:cNvPr name="TextBox 23" id="23"/>
+          <p:cNvSpPr txBox="true"/>
+          <p:nvPr/>
+        </p:nvSpPr>
+        <p:spPr>
+          <a:xfrm rot="0">
+            <a:off x="15752248" y="6724926"/>
+            <a:ext cx="1857424" cy="1259427"/>
+          </a:xfrm>
+          <a:prstGeom prst="rect">
+            <a:avLst/>
+          </a:prstGeom>
+        </p:spPr>
+        <p:txBody>
+          <a:bodyPr anchor="t" rtlCol="false" tIns="0" lIns="0" bIns="0" rIns="0">
+            <a:spAutoFit/>
+          </a:bodyPr>
+          <a:lstStyle/>
+          <a:p>
+            <a:pPr algn="ctr">
+              <a:lnSpc>
+                <a:spcPts val="3382"/>
+              </a:lnSpc>
+            </a:pPr>
+            <a:r>
+              <a:rPr lang="en-US" sz="2415">
+                <a:solidFill>
+                  <a:srgbClr val="242424"/>
+                </a:solidFill>
+                <a:latin typeface="TT Chocolates"/>
+                <a:ea typeface="TT Chocolates"/>
+                <a:cs typeface="TT Chocolates"/>
+                <a:sym typeface="TT Chocolates"/>
+              </a:rPr>
+              <a:t>Fase 3:</a:t>
+            </a:r>
+          </a:p>
+          <a:p>
+            <a:pPr algn="ctr" marL="0" indent="0" lvl="0">
+              <a:lnSpc>
+                <a:spcPts val="3382"/>
+              </a:lnSpc>
+            </a:pPr>
+            <a:r>
+              <a:rPr lang="en-US" sz="2415">
+                <a:solidFill>
+                  <a:srgbClr val="242424"/>
+                </a:solidFill>
+                <a:latin typeface="TT Chocolates"/>
+                <a:ea typeface="TT Chocolates"/>
+                <a:cs typeface="TT Chocolates"/>
+                <a:sym typeface="TT Chocolates"/>
+              </a:rPr>
+              <a:t>Estabilizacion y despliegue</a:t>
+            </a:r>
+          </a:p>
+        </p:txBody>
+      </p:sp>
+    </p:spTree>
+  </p:cSld>
+  <p:clrMapOvr>
+    <a:masterClrMapping/>
+  </p:clrMapOvr>
+</p:sld>
+</file>
+
+<file path=ppt/slides/slide6.xml><?xml version="1.0" encoding="utf-8"?>
+<p:sld xmlns:p="http://schemas.openxmlformats.org/presentationml/2006/main" xmlns:a="http://schemas.openxmlformats.org/drawingml/2006/main">
+  <p:cSld>
+    <p:bg>
+      <p:bgPr>
+        <a:solidFill>
+          <a:srgbClr val="F8FAFF"/>
+        </a:solidFill>
+      </p:bgPr>
+    </p:bg>
+    <p:spTree>
+      <p:nvGrpSpPr>
+        <p:cNvPr id="1" name=""/>
+        <p:cNvGrpSpPr/>
+        <p:nvPr/>
+      </p:nvGrpSpPr>
+      <p:grpSpPr>
+        <a:xfrm>
+          <a:off x="0" y="0"/>
+          <a:ext cx="0" cy="0"/>
+          <a:chOff x="0" y="0"/>
+          <a:chExt cx="0" cy="0"/>
+        </a:xfrm>
+      </p:grpSpPr>
+      <p:sp>
+        <p:nvSpPr>
+          <p:cNvPr name="AutoShape 2" id="2"/>
+          <p:cNvSpPr/>
+          <p:nvPr/>
+        </p:nvSpPr>
+        <p:spPr>
+          <a:xfrm rot="0">
+            <a:off x="-1379812" y="-1006101"/>
+            <a:ext cx="2759625" cy="12299202"/>
+          </a:xfrm>
+          <a:prstGeom prst="rect">
+            <a:avLst/>
+          </a:prstGeom>
+          <a:solidFill>
+            <a:srgbClr val="CFDBFF"/>
+          </a:solidFill>
+        </p:spPr>
+      </p:sp>
+      <p:sp>
+        <p:nvSpPr>
+          <p:cNvPr name="TextBox 3" id="3"/>
+          <p:cNvSpPr txBox="true"/>
+          <p:nvPr/>
+        </p:nvSpPr>
+        <p:spPr>
+          <a:xfrm rot="0">
+            <a:off x="2563846" y="5509728"/>
+            <a:ext cx="6835513" cy="3657600"/>
+          </a:xfrm>
+          <a:prstGeom prst="rect">
+            <a:avLst/>
+          </a:prstGeom>
+        </p:spPr>
+        <p:txBody>
+          <a:bodyPr anchor="t" rtlCol="false" tIns="0" lIns="0" bIns="0" rIns="0">
+            <a:spAutoFit/>
+          </a:bodyPr>
+          <a:lstStyle/>
+          <a:p>
+            <a:pPr algn="l" marL="647698" indent="-323849" lvl="1">
+              <a:lnSpc>
+                <a:spcPts val="4199"/>
+              </a:lnSpc>
+              <a:buFont typeface="Arial"/>
+              <a:buChar char="•"/>
+            </a:pPr>
+            <a:r>
+              <a:rPr lang="en-US" sz="2999">
+                <a:solidFill>
+                  <a:srgbClr val="242424"/>
+                </a:solidFill>
+                <a:latin typeface="TT Chocolates"/>
+                <a:ea typeface="TT Chocolates"/>
+                <a:cs typeface="TT Chocolates"/>
+                <a:sym typeface="TT Chocolates"/>
+              </a:rPr>
+              <a:t>Fase 1 (4 semanas): Planificación y Diseño (Backlog, arquitectura, wireframes).</a:t>
+            </a:r>
+          </a:p>
+          <a:p>
+            <a:pPr algn="l" marL="647698" indent="-323849" lvl="1">
+              <a:lnSpc>
+                <a:spcPts val="4199"/>
+              </a:lnSpc>
+              <a:buFont typeface="Arial"/>
+              <a:buChar char="•"/>
+            </a:pPr>
+            <a:r>
+              <a:rPr lang="en-US" sz="2999">
+                <a:solidFill>
+                  <a:srgbClr val="242424"/>
+                </a:solidFill>
+                <a:latin typeface="TT Chocolates"/>
+                <a:ea typeface="TT Chocolates"/>
+                <a:cs typeface="TT Chocolates"/>
+                <a:sym typeface="TT Chocolates"/>
+              </a:rPr>
+              <a:t>Fase 2 (10 semanas): Desarrollo Iterativo (Backend, Frontend).</a:t>
+            </a:r>
+          </a:p>
+          <a:p>
+            <a:pPr algn="l" marL="647698" indent="-323849" lvl="1">
+              <a:lnSpc>
+                <a:spcPts val="4199"/>
+              </a:lnSpc>
+              <a:buFont typeface="Arial"/>
+              <a:buChar char="•"/>
+            </a:pPr>
+            <a:r>
+              <a:rPr lang="en-US" sz="2999">
+                <a:solidFill>
+                  <a:srgbClr val="242424"/>
+                </a:solidFill>
+                <a:latin typeface="TT Chocolates"/>
+                <a:ea typeface="TT Chocolates"/>
+                <a:cs typeface="TT Chocolates"/>
+                <a:sym typeface="TT Chocolates"/>
+              </a:rPr>
+              <a:t>Fase 3 (4 semanas): Estabilización y Despliegue (Pruebas, despliegue).</a:t>
+            </a:r>
+          </a:p>
+        </p:txBody>
+      </p:sp>
+      <p:grpSp>
+        <p:nvGrpSpPr>
+          <p:cNvPr name="Group 4" id="4"/>
+          <p:cNvGrpSpPr/>
+          <p:nvPr/>
+        </p:nvGrpSpPr>
+        <p:grpSpPr>
+          <a:xfrm rot="0">
+            <a:off x="2563846" y="4297920"/>
+            <a:ext cx="4535280" cy="791414"/>
+            <a:chOff x="0" y="0"/>
+            <a:chExt cx="3020773" cy="527130"/>
+          </a:xfrm>
+        </p:grpSpPr>
+        <p:sp>
+          <p:nvSpPr>
+            <p:cNvPr name="Freeform 5" id="5"/>
+            <p:cNvSpPr/>
+            <p:nvPr/>
+          </p:nvSpPr>
+          <p:spPr>
+            <a:xfrm flipH="false" flipV="false" rot="0">
+              <a:off x="0" y="0"/>
+              <a:ext cx="3020774" cy="527130"/>
+            </a:xfrm>
+            <a:custGeom>
+              <a:avLst/>
+              <a:gdLst/>
+              <a:ahLst/>
+              <a:cxnLst/>
+              <a:rect r="r" b="b" t="t" l="l"/>
+              <a:pathLst>
+                <a:path h="527130" w="3020774">
+                  <a:moveTo>
+                    <a:pt x="0" y="0"/>
+                  </a:moveTo>
+                  <a:lnTo>
+                    <a:pt x="3020774" y="0"/>
+                  </a:lnTo>
+                  <a:lnTo>
+                    <a:pt x="3020774" y="527130"/>
+                  </a:lnTo>
+                  <a:lnTo>
+                    <a:pt x="0" y="527130"/>
+                  </a:lnTo>
+                  <a:close/>
+                </a:path>
+              </a:pathLst>
+            </a:custGeom>
+            <a:solidFill>
+              <a:srgbClr val="000000">
+                <a:alpha val="0"/>
+              </a:srgbClr>
+            </a:solidFill>
+            <a:ln w="66675" cap="sq">
+              <a:solidFill>
+                <a:srgbClr val="8FA4E1"/>
+              </a:solidFill>
+              <a:prstDash val="solid"/>
+              <a:miter/>
+            </a:ln>
+          </p:spPr>
+        </p:sp>
+        <p:sp>
+          <p:nvSpPr>
+            <p:cNvPr name="TextBox 6" id="6"/>
+            <p:cNvSpPr txBox="true"/>
+            <p:nvPr/>
+          </p:nvSpPr>
+          <p:spPr>
+            <a:xfrm>
+              <a:off x="0" y="-57150"/>
+              <a:ext cx="3020773" cy="584280"/>
+            </a:xfrm>
+            <a:prstGeom prst="rect">
+              <a:avLst/>
+            </a:prstGeom>
+          </p:spPr>
+          <p:txBody>
+            <a:bodyPr anchor="ctr" rtlCol="false" tIns="48876" lIns="48876" bIns="48876" rIns="48876"/>
+            <a:lstStyle/>
+            <a:p>
+              <a:pPr algn="ctr">
+                <a:lnSpc>
+                  <a:spcPts val="2252"/>
+                </a:lnSpc>
+              </a:pPr>
+            </a:p>
+          </p:txBody>
+        </p:sp>
+      </p:grpSp>
+      <p:sp>
+        <p:nvSpPr>
+          <p:cNvPr name="TextBox 7" id="7"/>
+          <p:cNvSpPr txBox="true"/>
+          <p:nvPr/>
+        </p:nvSpPr>
+        <p:spPr>
+          <a:xfrm rot="0">
+            <a:off x="3229592" y="4404602"/>
+            <a:ext cx="3260937" cy="532257"/>
+          </a:xfrm>
+          <a:prstGeom prst="rect">
+            <a:avLst/>
+          </a:prstGeom>
+        </p:spPr>
+        <p:txBody>
+          <a:bodyPr anchor="t" rtlCol="false" tIns="0" lIns="0" bIns="0" rIns="0">
+            <a:spAutoFit/>
+          </a:bodyPr>
+          <a:lstStyle/>
+          <a:p>
+            <a:pPr algn="ctr">
+              <a:lnSpc>
+                <a:spcPts val="4224"/>
+              </a:lnSpc>
+            </a:pPr>
+            <a:r>
+              <a:rPr lang="en-US" sz="3200" b="true">
+                <a:solidFill>
+                  <a:srgbClr val="1C1B19"/>
+                </a:solidFill>
+                <a:latin typeface="DM Sans Bold"/>
+                <a:ea typeface="DM Sans Bold"/>
+                <a:cs typeface="DM Sans Bold"/>
+                <a:sym typeface="DM Sans Bold"/>
+              </a:rPr>
+              <a:t>Plan de trabajo</a:t>
+            </a:r>
+          </a:p>
+        </p:txBody>
+      </p:sp>
+      <p:grpSp>
+        <p:nvGrpSpPr>
+          <p:cNvPr name="Group 8" id="8"/>
+          <p:cNvGrpSpPr/>
+          <p:nvPr/>
+        </p:nvGrpSpPr>
+        <p:grpSpPr>
+          <a:xfrm rot="0">
+            <a:off x="2563846" y="521239"/>
+            <a:ext cx="14318678" cy="2541067"/>
+            <a:chOff x="0" y="0"/>
+            <a:chExt cx="6778587" cy="1202963"/>
+          </a:xfrm>
+        </p:grpSpPr>
+        <p:sp>
+          <p:nvSpPr>
+            <p:cNvPr name="Freeform 9" id="9"/>
+            <p:cNvSpPr/>
+            <p:nvPr/>
+          </p:nvSpPr>
+          <p:spPr>
+            <a:xfrm flipH="false" flipV="false" rot="0">
+              <a:off x="0" y="0"/>
+              <a:ext cx="6778587" cy="1202963"/>
+            </a:xfrm>
+            <a:custGeom>
+              <a:avLst/>
+              <a:gdLst/>
+              <a:ahLst/>
+              <a:cxnLst/>
+              <a:rect r="r" b="b" t="t" l="l"/>
+              <a:pathLst>
+                <a:path h="1202963" w="6778587">
+                  <a:moveTo>
+                    <a:pt x="0" y="0"/>
+                  </a:moveTo>
+                  <a:lnTo>
+                    <a:pt x="6778587" y="0"/>
+                  </a:lnTo>
+                  <a:lnTo>
+                    <a:pt x="6778587" y="1202963"/>
+                  </a:lnTo>
+                  <a:lnTo>
+                    <a:pt x="0" y="1202963"/>
+                  </a:lnTo>
+                  <a:close/>
+                </a:path>
+              </a:pathLst>
+            </a:custGeom>
+            <a:solidFill>
+              <a:srgbClr val="000000">
+                <a:alpha val="0"/>
+              </a:srgbClr>
+            </a:solidFill>
+            <a:ln w="66675" cap="sq">
+              <a:solidFill>
+                <a:srgbClr val="8FA4E1"/>
+              </a:solidFill>
+              <a:prstDash val="solid"/>
+              <a:miter/>
+            </a:ln>
+          </p:spPr>
+        </p:sp>
+        <p:sp>
+          <p:nvSpPr>
+            <p:cNvPr name="TextBox 10" id="10"/>
+            <p:cNvSpPr txBox="true"/>
+            <p:nvPr/>
+          </p:nvSpPr>
+          <p:spPr>
+            <a:xfrm>
+              <a:off x="0" y="-47625"/>
+              <a:ext cx="6778587" cy="1250588"/>
+            </a:xfrm>
+            <a:prstGeom prst="rect">
+              <a:avLst/>
+            </a:prstGeom>
+          </p:spPr>
+          <p:txBody>
+            <a:bodyPr anchor="ctr" rtlCol="false" tIns="48876" lIns="48876" bIns="48876" rIns="48876"/>
+            <a:lstStyle/>
+            <a:p>
+              <a:pPr algn="ctr">
+                <a:lnSpc>
+                  <a:spcPts val="1588"/>
+                </a:lnSpc>
+              </a:pPr>
+            </a:p>
+          </p:txBody>
+        </p:sp>
+      </p:grpSp>
+      <p:sp>
+        <p:nvSpPr>
+          <p:cNvPr name="AutoShape 11" id="11"/>
+          <p:cNvSpPr/>
+          <p:nvPr/>
+        </p:nvSpPr>
+        <p:spPr>
+          <a:xfrm rot="0">
+            <a:off x="3193456" y="0"/>
+            <a:ext cx="13073008" cy="3583545"/>
+          </a:xfrm>
+          <a:prstGeom prst="rect">
+            <a:avLst/>
+          </a:prstGeom>
+          <a:solidFill>
+            <a:srgbClr val="CFDBFF"/>
+          </a:solidFill>
+        </p:spPr>
+      </p:sp>
+      <p:sp>
+        <p:nvSpPr>
+          <p:cNvPr name="TextBox 12" id="12"/>
+          <p:cNvSpPr txBox="true"/>
+          <p:nvPr/>
+        </p:nvSpPr>
+        <p:spPr>
+          <a:xfrm rot="0">
+            <a:off x="2862855" y="-137301"/>
+            <a:ext cx="13073008" cy="4071364"/>
+          </a:xfrm>
+          <a:prstGeom prst="rect">
+            <a:avLst/>
+          </a:prstGeom>
+        </p:spPr>
+        <p:txBody>
+          <a:bodyPr anchor="t" rtlCol="false" tIns="0" lIns="0" bIns="0" rIns="0">
+            <a:spAutoFit/>
+          </a:bodyPr>
+          <a:lstStyle/>
+          <a:p>
+            <a:pPr algn="ctr">
+              <a:lnSpc>
+                <a:spcPts val="15312"/>
+              </a:lnSpc>
+            </a:pPr>
+            <a:r>
+              <a:rPr lang="en-US" sz="11600">
+                <a:solidFill>
+                  <a:srgbClr val="1C1B19"/>
+                </a:solidFill>
+                <a:latin typeface="Gill Sans Condensed"/>
+                <a:ea typeface="Gill Sans Condensed"/>
+                <a:cs typeface="Gill Sans Condensed"/>
+                <a:sym typeface="Gill Sans Condensed"/>
+              </a:rPr>
+              <a:t>PLAN DE TRABAJO Y EVIDENCIAS</a:t>
+            </a:r>
+          </a:p>
+        </p:txBody>
+      </p:sp>
+      <p:sp>
+        <p:nvSpPr>
+          <p:cNvPr name="TextBox 13" id="13"/>
+          <p:cNvSpPr txBox="true"/>
+          <p:nvPr/>
+        </p:nvSpPr>
+        <p:spPr>
+          <a:xfrm rot="0">
+            <a:off x="10874215" y="5509728"/>
+            <a:ext cx="6008308" cy="3133725"/>
+          </a:xfrm>
+          <a:prstGeom prst="rect">
+            <a:avLst/>
+          </a:prstGeom>
+        </p:spPr>
+        <p:txBody>
+          <a:bodyPr anchor="t" rtlCol="false" tIns="0" lIns="0" bIns="0" rIns="0">
+            <a:spAutoFit/>
+          </a:bodyPr>
+          <a:lstStyle/>
+          <a:p>
+            <a:pPr algn="l" marL="647698" indent="-323849" lvl="1">
+              <a:lnSpc>
+                <a:spcPts val="4199"/>
+              </a:lnSpc>
+              <a:buFont typeface="Arial"/>
+              <a:buChar char="•"/>
+            </a:pPr>
+            <a:r>
+              <a:rPr lang="en-US" sz="2999">
+                <a:solidFill>
+                  <a:srgbClr val="242424"/>
+                </a:solidFill>
+                <a:latin typeface="TT Chocolates"/>
+                <a:ea typeface="TT Chocolates"/>
+                <a:cs typeface="TT Chocolates"/>
+                <a:sym typeface="TT Chocolates"/>
+              </a:rPr>
+              <a:t>Avance: Documento de Arquitectura y Modelo de Datos.</a:t>
+            </a:r>
+          </a:p>
+          <a:p>
+            <a:pPr algn="l" marL="647698" indent="-323849" lvl="1">
+              <a:lnSpc>
+                <a:spcPts val="4199"/>
+              </a:lnSpc>
+              <a:buFont typeface="Arial"/>
+              <a:buChar char="•"/>
+            </a:pPr>
+            <a:r>
+              <a:rPr lang="en-US" sz="2999">
+                <a:solidFill>
+                  <a:srgbClr val="242424"/>
+                </a:solidFill>
+                <a:latin typeface="TT Chocolates"/>
+                <a:ea typeface="TT Chocolates"/>
+                <a:cs typeface="TT Chocolates"/>
+                <a:sym typeface="TT Chocolates"/>
+              </a:rPr>
+              <a:t>Av</a:t>
+            </a:r>
+            <a:r>
+              <a:rPr lang="en-US" sz="2999">
+                <a:solidFill>
+                  <a:srgbClr val="242424"/>
+                </a:solidFill>
+                <a:latin typeface="TT Chocolates"/>
+                <a:ea typeface="TT Chocolates"/>
+                <a:cs typeface="TT Chocolates"/>
+                <a:sym typeface="TT Chocolates"/>
+              </a:rPr>
+              <a:t>ance: Repositorio Git con prueba de concepto.</a:t>
+            </a:r>
+          </a:p>
+          <a:p>
+            <a:pPr algn="l" marL="647698" indent="-323849" lvl="1">
+              <a:lnSpc>
+                <a:spcPts val="4199"/>
+              </a:lnSpc>
+              <a:buFont typeface="Arial"/>
+              <a:buChar char="•"/>
+            </a:pPr>
+            <a:r>
+              <a:rPr lang="en-US" sz="2999">
+                <a:solidFill>
+                  <a:srgbClr val="242424"/>
+                </a:solidFill>
+                <a:latin typeface="TT Chocolates"/>
+                <a:ea typeface="TT Chocolates"/>
+                <a:cs typeface="TT Chocolates"/>
+                <a:sym typeface="TT Chocolates"/>
+              </a:rPr>
+              <a:t>Final: Manual de Usuario y Despliegue.</a:t>
+            </a:r>
+          </a:p>
+        </p:txBody>
+      </p:sp>
+      <p:grpSp>
+        <p:nvGrpSpPr>
+          <p:cNvPr name="Group 14" id="14"/>
+          <p:cNvGrpSpPr/>
+          <p:nvPr/>
+        </p:nvGrpSpPr>
+        <p:grpSpPr>
+          <a:xfrm rot="0">
+            <a:off x="10874215" y="4321467"/>
+            <a:ext cx="3996953" cy="791414"/>
+            <a:chOff x="0" y="0"/>
+            <a:chExt cx="2662214" cy="527130"/>
+          </a:xfrm>
+        </p:grpSpPr>
+        <p:sp>
+          <p:nvSpPr>
+            <p:cNvPr name="Freeform 15" id="15"/>
+            <p:cNvSpPr/>
+            <p:nvPr/>
+          </p:nvSpPr>
+          <p:spPr>
+            <a:xfrm flipH="false" flipV="false" rot="0">
+              <a:off x="0" y="0"/>
+              <a:ext cx="2662214" cy="527130"/>
+            </a:xfrm>
+            <a:custGeom>
+              <a:avLst/>
+              <a:gdLst/>
+              <a:ahLst/>
+              <a:cxnLst/>
+              <a:rect r="r" b="b" t="t" l="l"/>
+              <a:pathLst>
+                <a:path h="527130" w="2662214">
+                  <a:moveTo>
+                    <a:pt x="0" y="0"/>
+                  </a:moveTo>
+                  <a:lnTo>
+                    <a:pt x="2662214" y="0"/>
+                  </a:lnTo>
+                  <a:lnTo>
+                    <a:pt x="2662214" y="527130"/>
+                  </a:lnTo>
+                  <a:lnTo>
+                    <a:pt x="0" y="527130"/>
+                  </a:lnTo>
+                  <a:close/>
+                </a:path>
+              </a:pathLst>
+            </a:custGeom>
+            <a:solidFill>
+              <a:srgbClr val="000000">
+                <a:alpha val="0"/>
+              </a:srgbClr>
+            </a:solidFill>
+            <a:ln w="66675" cap="sq">
+              <a:solidFill>
+                <a:srgbClr val="8FA4E1"/>
+              </a:solidFill>
+              <a:prstDash val="solid"/>
+              <a:miter/>
+            </a:ln>
+          </p:spPr>
+        </p:sp>
+        <p:sp>
+          <p:nvSpPr>
+            <p:cNvPr name="TextBox 16" id="16"/>
+            <p:cNvSpPr txBox="true"/>
+            <p:nvPr/>
+          </p:nvSpPr>
+          <p:spPr>
+            <a:xfrm>
+              <a:off x="0" y="-57150"/>
+              <a:ext cx="2662214" cy="584280"/>
+            </a:xfrm>
+            <a:prstGeom prst="rect">
+              <a:avLst/>
+            </a:prstGeom>
+          </p:spPr>
+          <p:txBody>
+            <a:bodyPr anchor="ctr" rtlCol="false" tIns="48876" lIns="48876" bIns="48876" rIns="48876"/>
+            <a:lstStyle/>
+            <a:p>
+              <a:pPr algn="ctr">
+                <a:lnSpc>
+                  <a:spcPts val="2252"/>
+                </a:lnSpc>
+              </a:pPr>
+            </a:p>
+          </p:txBody>
+        </p:sp>
+      </p:grpSp>
+      <p:sp>
+        <p:nvSpPr>
+          <p:cNvPr name="TextBox 17" id="17"/>
+          <p:cNvSpPr txBox="true"/>
+          <p:nvPr/>
+        </p:nvSpPr>
+        <p:spPr>
+          <a:xfrm rot="0">
+            <a:off x="11515530" y="4436717"/>
+            <a:ext cx="2714324" cy="532257"/>
+          </a:xfrm>
+          <a:prstGeom prst="rect">
+            <a:avLst/>
+          </a:prstGeom>
+        </p:spPr>
+        <p:txBody>
+          <a:bodyPr anchor="t" rtlCol="false" tIns="0" lIns="0" bIns="0" rIns="0">
+            <a:spAutoFit/>
+          </a:bodyPr>
+          <a:lstStyle/>
+          <a:p>
+            <a:pPr algn="ctr">
+              <a:lnSpc>
+                <a:spcPts val="4224"/>
+              </a:lnSpc>
+            </a:pPr>
+            <a:r>
+              <a:rPr lang="en-US" sz="3200" b="true">
+                <a:solidFill>
+                  <a:srgbClr val="1C1B19"/>
+                </a:solidFill>
+                <a:latin typeface="DM Sans Bold"/>
+                <a:ea typeface="DM Sans Bold"/>
+                <a:cs typeface="DM Sans Bold"/>
+                <a:sym typeface="DM Sans Bold"/>
+              </a:rPr>
+              <a:t>Evidencias</a:t>
+            </a:r>
+          </a:p>
+        </p:txBody>
+      </p:sp>
+    </p:spTree>
+  </p:cSld>
+  <p:clrMapOvr>
+    <a:masterClrMapping/>
+  </p:clrMapOvr>
+</p:sld>
+</file>
+
+<file path=ppt/slides/slide7.xml><?xml version="1.0" encoding="utf-8"?>
+<p:sld xmlns:p="http://schemas.openxmlformats.org/presentationml/2006/main" xmlns:a="http://schemas.openxmlformats.org/drawingml/2006/main" xmlns:r="http://schemas.openxmlformats.org/officeDocument/2006/relationships">
+  <p:cSld>
+    <p:bg>
+      <p:bgPr>
+        <a:solidFill>
+          <a:srgbClr val="F8FAFF"/>
+        </a:solidFill>
+      </p:bgPr>
+    </p:bg>
+    <p:spTree>
+      <p:nvGrpSpPr>
+        <p:cNvPr id="1" name=""/>
+        <p:cNvGrpSpPr/>
+        <p:nvPr/>
+      </p:nvGrpSpPr>
+      <p:grpSpPr>
+        <a:xfrm>
+          <a:off x="0" y="0"/>
+          <a:ext cx="0" cy="0"/>
+          <a:chOff x="0" y="0"/>
+          <a:chExt cx="0" cy="0"/>
+        </a:xfrm>
+      </p:grpSpPr>
+      <p:sp>
+        <p:nvSpPr>
+          <p:cNvPr name="Freeform 2" id="2"/>
+          <p:cNvSpPr/>
+          <p:nvPr/>
+        </p:nvSpPr>
+        <p:spPr>
+          <a:xfrm flipH="false" flipV="false" rot="0">
+            <a:off x="10556722" y="243048"/>
+            <a:ext cx="7327127" cy="4744315"/>
+          </a:xfrm>
+          <a:custGeom>
+            <a:avLst/>
+            <a:gdLst/>
+            <a:ahLst/>
+            <a:cxnLst/>
+            <a:rect r="r" b="b" t="t" l="l"/>
+            <a:pathLst>
+              <a:path h="4744315" w="7327127">
+                <a:moveTo>
+                  <a:pt x="0" y="0"/>
+                </a:moveTo>
+                <a:lnTo>
+                  <a:pt x="7327128" y="0"/>
+                </a:lnTo>
+                <a:lnTo>
+                  <a:pt x="7327128" y="4744315"/>
+                </a:lnTo>
+                <a:lnTo>
+                  <a:pt x="0" y="4744315"/>
+                </a:lnTo>
+                <a:lnTo>
+                  <a:pt x="0" y="0"/>
+                </a:lnTo>
+                <a:close/>
+              </a:path>
+            </a:pathLst>
+          </a:custGeom>
+          <a:blipFill>
+            <a:blip r:embed="rId2"/>
+            <a:stretch>
+              <a:fillRect l="0" t="0" r="0" b="0"/>
+            </a:stretch>
+          </a:blipFill>
+        </p:spPr>
+      </p:sp>
+      <p:sp>
+        <p:nvSpPr>
+          <p:cNvPr name="AutoShape 3" id="3"/>
+          <p:cNvSpPr/>
+          <p:nvPr/>
+        </p:nvSpPr>
+        <p:spPr>
+          <a:xfrm rot="0">
+            <a:off x="-1379812" y="-1006101"/>
+            <a:ext cx="2596900" cy="12299202"/>
+          </a:xfrm>
+          <a:prstGeom prst="rect">
+            <a:avLst/>
+          </a:prstGeom>
+          <a:solidFill>
+            <a:srgbClr val="CFDBFF"/>
+          </a:solidFill>
+        </p:spPr>
+      </p:sp>
+      <p:sp>
+        <p:nvSpPr>
+          <p:cNvPr name="Freeform 4" id="4"/>
+          <p:cNvSpPr/>
+          <p:nvPr/>
+        </p:nvSpPr>
+        <p:spPr>
+          <a:xfrm flipH="false" flipV="false" rot="0">
+            <a:off x="1217088" y="5494380"/>
+            <a:ext cx="7009713" cy="4153255"/>
+          </a:xfrm>
+          <a:custGeom>
+            <a:avLst/>
+            <a:gdLst/>
+            <a:ahLst/>
+            <a:cxnLst/>
+            <a:rect r="r" b="b" t="t" l="l"/>
+            <a:pathLst>
+              <a:path h="4153255" w="7009713">
+                <a:moveTo>
+                  <a:pt x="0" y="0"/>
+                </a:moveTo>
+                <a:lnTo>
+                  <a:pt x="7009713" y="0"/>
+                </a:lnTo>
+                <a:lnTo>
+                  <a:pt x="7009713" y="4153255"/>
+                </a:lnTo>
+                <a:lnTo>
+                  <a:pt x="0" y="4153255"/>
+                </a:lnTo>
+                <a:lnTo>
+                  <a:pt x="0" y="0"/>
+                </a:lnTo>
+                <a:close/>
+              </a:path>
+            </a:pathLst>
+          </a:custGeom>
+          <a:blipFill>
+            <a:blip r:embed="rId3"/>
+            <a:stretch>
+              <a:fillRect l="0" t="0" r="0" b="0"/>
+            </a:stretch>
+          </a:blipFill>
+        </p:spPr>
+      </p:sp>
+      <p:sp>
+        <p:nvSpPr>
+          <p:cNvPr name="Freeform 5" id="5"/>
+          <p:cNvSpPr/>
+          <p:nvPr/>
+        </p:nvSpPr>
+        <p:spPr>
+          <a:xfrm flipH="false" flipV="false" rot="0">
+            <a:off x="9140155" y="5494380"/>
+            <a:ext cx="8743695" cy="4153255"/>
+          </a:xfrm>
+          <a:custGeom>
+            <a:avLst/>
+            <a:gdLst/>
+            <a:ahLst/>
+            <a:cxnLst/>
+            <a:rect r="r" b="b" t="t" l="l"/>
+            <a:pathLst>
+              <a:path h="4153255" w="8743695">
+                <a:moveTo>
+                  <a:pt x="0" y="0"/>
+                </a:moveTo>
+                <a:lnTo>
+                  <a:pt x="8743695" y="0"/>
+                </a:lnTo>
+                <a:lnTo>
+                  <a:pt x="8743695" y="4153255"/>
+                </a:lnTo>
+                <a:lnTo>
+                  <a:pt x="0" y="4153255"/>
+                </a:lnTo>
+                <a:lnTo>
+                  <a:pt x="0" y="0"/>
+                </a:lnTo>
+                <a:close/>
+              </a:path>
+            </a:pathLst>
+          </a:custGeom>
+          <a:blipFill>
+            <a:blip r:embed="rId4"/>
+            <a:stretch>
+              <a:fillRect l="0" t="0" r="0" b="0"/>
+            </a:stretch>
+          </a:blipFill>
+        </p:spPr>
+      </p:sp>
+      <p:grpSp>
+        <p:nvGrpSpPr>
+          <p:cNvPr name="Group 6" id="6"/>
+          <p:cNvGrpSpPr/>
+          <p:nvPr/>
+        </p:nvGrpSpPr>
+        <p:grpSpPr>
+          <a:xfrm rot="0">
+            <a:off x="1217088" y="1839683"/>
+            <a:ext cx="8739991" cy="1551044"/>
+            <a:chOff x="0" y="0"/>
+            <a:chExt cx="6778587" cy="1202963"/>
+          </a:xfrm>
+        </p:grpSpPr>
+        <p:sp>
+          <p:nvSpPr>
+            <p:cNvPr name="Freeform 7" id="7"/>
+            <p:cNvSpPr/>
+            <p:nvPr/>
+          </p:nvSpPr>
+          <p:spPr>
+            <a:xfrm flipH="false" flipV="false" rot="0">
+              <a:off x="0" y="0"/>
+              <a:ext cx="6778587" cy="1202963"/>
+            </a:xfrm>
+            <a:custGeom>
+              <a:avLst/>
+              <a:gdLst/>
+              <a:ahLst/>
+              <a:cxnLst/>
+              <a:rect r="r" b="b" t="t" l="l"/>
+              <a:pathLst>
+                <a:path h="1202963" w="6778587">
+                  <a:moveTo>
+                    <a:pt x="0" y="0"/>
+                  </a:moveTo>
+                  <a:lnTo>
+                    <a:pt x="6778587" y="0"/>
+                  </a:lnTo>
+                  <a:lnTo>
+                    <a:pt x="6778587" y="1202963"/>
+                  </a:lnTo>
+                  <a:lnTo>
+                    <a:pt x="0" y="1202963"/>
+                  </a:lnTo>
+                  <a:close/>
+                </a:path>
+              </a:pathLst>
+            </a:custGeom>
+            <a:solidFill>
+              <a:srgbClr val="000000">
+                <a:alpha val="0"/>
+              </a:srgbClr>
+            </a:solidFill>
+            <a:ln w="66675" cap="sq">
+              <a:solidFill>
+                <a:srgbClr val="8FA4E1"/>
+              </a:solidFill>
+              <a:prstDash val="solid"/>
+              <a:miter/>
+            </a:ln>
+          </p:spPr>
+        </p:sp>
+        <p:sp>
+          <p:nvSpPr>
+            <p:cNvPr name="TextBox 8" id="8"/>
+            <p:cNvSpPr txBox="true"/>
+            <p:nvPr/>
+          </p:nvSpPr>
+          <p:spPr>
+            <a:xfrm>
+              <a:off x="0" y="-47625"/>
+              <a:ext cx="6778587" cy="1250588"/>
+            </a:xfrm>
+            <a:prstGeom prst="rect">
+              <a:avLst/>
+            </a:prstGeom>
+          </p:spPr>
+          <p:txBody>
+            <a:bodyPr anchor="ctr" rtlCol="false" tIns="48876" lIns="48876" bIns="48876" rIns="48876"/>
+            <a:lstStyle/>
+            <a:p>
+              <a:pPr algn="ctr">
+                <a:lnSpc>
+                  <a:spcPts val="1588"/>
+                </a:lnSpc>
+              </a:pPr>
+            </a:p>
+          </p:txBody>
+        </p:sp>
+      </p:grpSp>
+      <p:sp>
+        <p:nvSpPr>
+          <p:cNvPr name="AutoShape 9" id="9"/>
+          <p:cNvSpPr/>
+          <p:nvPr/>
+        </p:nvSpPr>
+        <p:spPr>
+          <a:xfrm rot="0">
+            <a:off x="1601396" y="1521523"/>
+            <a:ext cx="7979645" cy="2187364"/>
+          </a:xfrm>
+          <a:prstGeom prst="rect">
+            <a:avLst/>
+          </a:prstGeom>
+          <a:solidFill>
+            <a:srgbClr val="CFDBFF"/>
+          </a:solidFill>
+        </p:spPr>
+      </p:sp>
+      <p:sp>
+        <p:nvSpPr>
+          <p:cNvPr name="TextBox 10" id="10"/>
+          <p:cNvSpPr txBox="true"/>
+          <p:nvPr/>
+        </p:nvSpPr>
+        <p:spPr>
+          <a:xfrm rot="0">
+            <a:off x="1595124" y="1857059"/>
+            <a:ext cx="7979645" cy="1297217"/>
+          </a:xfrm>
+          <a:prstGeom prst="rect">
+            <a:avLst/>
+          </a:prstGeom>
+        </p:spPr>
+        <p:txBody>
+          <a:bodyPr anchor="t" rtlCol="false" tIns="0" lIns="0" bIns="0" rIns="0">
+            <a:spAutoFit/>
+          </a:bodyPr>
+          <a:lstStyle/>
+          <a:p>
+            <a:pPr algn="ctr">
+              <a:lnSpc>
+                <a:spcPts val="9346"/>
+              </a:lnSpc>
+            </a:pPr>
+            <a:r>
+              <a:rPr lang="en-US" sz="7080">
+                <a:solidFill>
+                  <a:srgbClr val="1C1B19"/>
+                </a:solidFill>
+                <a:latin typeface="Gill Sans Condensed"/>
+                <a:ea typeface="Gill Sans Condensed"/>
+                <a:cs typeface="Gill Sans Condensed"/>
+                <a:sym typeface="Gill Sans Condensed"/>
+              </a:rPr>
+              <a:t>EVIDENCIAS GITHUB</a:t>
+            </a:r>
+          </a:p>
+        </p:txBody>
+      </p:sp>
+    </p:spTree>
+  </p:cSld>
+  <p:clrMapOvr>
+    <a:masterClrMapping/>
+  </p:clrMapOvr>
+</p:sld>
+</file>
+
+<file path=ppt/slides/slide8.xml><?xml version="1.0" encoding="utf-8"?>
+<p:sld xmlns:p="http://schemas.openxmlformats.org/presentationml/2006/main" xmlns:a="http://schemas.openxmlformats.org/drawingml/2006/main" xmlns:r="http://schemas.openxmlformats.org/officeDocument/2006/relationships">
+  <p:cSld>
+    <p:bg>
+      <p:bgPr>
+        <a:solidFill>
+          <a:srgbClr val="F8FAFF"/>
+        </a:solidFill>
+      </p:bgPr>
+    </p:bg>
+    <p:spTree>
+      <p:nvGrpSpPr>
+        <p:cNvPr id="1" name=""/>
+        <p:cNvGrpSpPr/>
+        <p:nvPr/>
+      </p:nvGrpSpPr>
+      <p:grpSpPr>
+        <a:xfrm>
+          <a:off x="0" y="0"/>
+          <a:ext cx="0" cy="0"/>
+          <a:chOff x="0" y="0"/>
+          <a:chExt cx="0" cy="0"/>
+        </a:xfrm>
+      </p:grpSpPr>
+      <p:sp>
+        <p:nvSpPr>
+          <p:cNvPr name="AutoShape 2" id="2"/>
+          <p:cNvSpPr/>
+          <p:nvPr/>
+        </p:nvSpPr>
+        <p:spPr>
+          <a:xfrm rot="0">
+            <a:off x="-1379812" y="-1006101"/>
+            <a:ext cx="2596900" cy="12299202"/>
+          </a:xfrm>
+          <a:prstGeom prst="rect">
+            <a:avLst/>
+          </a:prstGeom>
+          <a:solidFill>
+            <a:srgbClr val="CFDBFF"/>
+          </a:solidFill>
+        </p:spPr>
+      </p:sp>
+      <p:grpSp>
+        <p:nvGrpSpPr>
+          <p:cNvPr name="Group 3" id="3"/>
+          <p:cNvGrpSpPr/>
+          <p:nvPr/>
+        </p:nvGrpSpPr>
+        <p:grpSpPr>
+          <a:xfrm rot="0">
+            <a:off x="1712096" y="1232343"/>
+            <a:ext cx="8739991" cy="1551044"/>
+            <a:chOff x="0" y="0"/>
+            <a:chExt cx="6778587" cy="1202963"/>
+          </a:xfrm>
+        </p:grpSpPr>
+        <p:sp>
+          <p:nvSpPr>
+            <p:cNvPr name="Freeform 4" id="4"/>
+            <p:cNvSpPr/>
+            <p:nvPr/>
+          </p:nvSpPr>
+          <p:spPr>
+            <a:xfrm flipH="false" flipV="false" rot="0">
+              <a:off x="0" y="0"/>
+              <a:ext cx="6778587" cy="1202963"/>
+            </a:xfrm>
+            <a:custGeom>
+              <a:avLst/>
+              <a:gdLst/>
+              <a:ahLst/>
+              <a:cxnLst/>
+              <a:rect r="r" b="b" t="t" l="l"/>
+              <a:pathLst>
+                <a:path h="1202963" w="6778587">
+                  <a:moveTo>
+                    <a:pt x="0" y="0"/>
+                  </a:moveTo>
+                  <a:lnTo>
+                    <a:pt x="6778587" y="0"/>
+                  </a:lnTo>
+                  <a:lnTo>
+                    <a:pt x="6778587" y="1202963"/>
+                  </a:lnTo>
+                  <a:lnTo>
+                    <a:pt x="0" y="1202963"/>
+                  </a:lnTo>
+                  <a:close/>
+                </a:path>
+              </a:pathLst>
+            </a:custGeom>
+            <a:solidFill>
+              <a:srgbClr val="000000">
+                <a:alpha val="0"/>
+              </a:srgbClr>
+            </a:solidFill>
+            <a:ln w="66675" cap="sq">
+              <a:solidFill>
+                <a:srgbClr val="8FA4E1"/>
+              </a:solidFill>
+              <a:prstDash val="solid"/>
+              <a:miter/>
+            </a:ln>
+          </p:spPr>
+        </p:sp>
+        <p:sp>
+          <p:nvSpPr>
+            <p:cNvPr name="TextBox 5" id="5"/>
+            <p:cNvSpPr txBox="true"/>
+            <p:nvPr/>
+          </p:nvSpPr>
+          <p:spPr>
+            <a:xfrm>
+              <a:off x="0" y="-47625"/>
+              <a:ext cx="6778587" cy="1250588"/>
+            </a:xfrm>
+            <a:prstGeom prst="rect">
+              <a:avLst/>
+            </a:prstGeom>
+          </p:spPr>
+          <p:txBody>
+            <a:bodyPr anchor="ctr" rtlCol="false" tIns="48876" lIns="48876" bIns="48876" rIns="48876"/>
+            <a:lstStyle/>
+            <a:p>
+              <a:pPr algn="ctr">
+                <a:lnSpc>
+                  <a:spcPts val="1588"/>
+                </a:lnSpc>
+              </a:pPr>
+            </a:p>
+          </p:txBody>
+        </p:sp>
+      </p:grpSp>
+      <p:sp>
+        <p:nvSpPr>
+          <p:cNvPr name="AutoShape 6" id="6"/>
+          <p:cNvSpPr/>
+          <p:nvPr/>
+        </p:nvSpPr>
+        <p:spPr>
+          <a:xfrm rot="0">
+            <a:off x="2096404" y="914183"/>
+            <a:ext cx="7979645" cy="2187364"/>
+          </a:xfrm>
+          <a:prstGeom prst="rect">
+            <a:avLst/>
+          </a:prstGeom>
+          <a:solidFill>
+            <a:srgbClr val="CFDBFF"/>
+          </a:solidFill>
+        </p:spPr>
+      </p:sp>
+      <p:sp>
+        <p:nvSpPr>
+          <p:cNvPr name="Freeform 7" id="7"/>
+          <p:cNvSpPr/>
+          <p:nvPr/>
+        </p:nvSpPr>
+        <p:spPr>
+          <a:xfrm flipH="false" flipV="false" rot="0">
+            <a:off x="5183541" y="0"/>
+            <a:ext cx="13104459" cy="10287000"/>
+          </a:xfrm>
+          <a:custGeom>
+            <a:avLst/>
+            <a:gdLst/>
+            <a:ahLst/>
+            <a:cxnLst/>
+            <a:rect r="r" b="b" t="t" l="l"/>
+            <a:pathLst>
+              <a:path h="10287000" w="13104459">
+                <a:moveTo>
+                  <a:pt x="0" y="0"/>
+                </a:moveTo>
+                <a:lnTo>
+                  <a:pt x="13104459" y="0"/>
+                </a:lnTo>
+                <a:lnTo>
+                  <a:pt x="13104459" y="10287000"/>
+                </a:lnTo>
+                <a:lnTo>
+                  <a:pt x="0" y="10287000"/>
+                </a:lnTo>
+                <a:lnTo>
+                  <a:pt x="0" y="0"/>
+                </a:lnTo>
+                <a:close/>
+              </a:path>
+            </a:pathLst>
+          </a:custGeom>
+          <a:blipFill>
+            <a:blip r:embed="rId2"/>
+            <a:stretch>
+              <a:fillRect l="0" t="0" r="0" b="0"/>
+            </a:stretch>
+          </a:blipFill>
+        </p:spPr>
+      </p:sp>
+      <p:sp>
+        <p:nvSpPr>
+          <p:cNvPr name="TextBox 8" id="8"/>
+          <p:cNvSpPr txBox="true"/>
+          <p:nvPr/>
+        </p:nvSpPr>
+        <p:spPr>
+          <a:xfrm rot="0">
+            <a:off x="2090132" y="1249718"/>
+            <a:ext cx="7979645" cy="1297217"/>
+          </a:xfrm>
+          <a:prstGeom prst="rect">
+            <a:avLst/>
+          </a:prstGeom>
+        </p:spPr>
+        <p:txBody>
+          <a:bodyPr anchor="t" rtlCol="false" tIns="0" lIns="0" bIns="0" rIns="0">
+            <a:spAutoFit/>
+          </a:bodyPr>
+          <a:lstStyle/>
+          <a:p>
+            <a:pPr algn="ctr">
+              <a:lnSpc>
+                <a:spcPts val="9346"/>
+              </a:lnSpc>
+            </a:pPr>
+            <a:r>
+              <a:rPr lang="en-US" sz="7080">
+                <a:solidFill>
+                  <a:srgbClr val="1C1B19"/>
+                </a:solidFill>
+                <a:latin typeface="Gill Sans Condensed"/>
+                <a:ea typeface="Gill Sans Condensed"/>
+                <a:cs typeface="Gill Sans Condensed"/>
+                <a:sym typeface="Gill Sans Condensed"/>
+              </a:rPr>
+              <a:t>EVIDENCIA BASE DE DATOS</a:t>
+            </a:r>
+          </a:p>
+        </p:txBody>
+      </p:sp>
+    </p:spTree>
+  </p:cSld>
+  <p:clrMapOvr>
+    <a:masterClrMapping/>
+  </p:clrMapOvr>
+</p:sld>
+</file>
+
+<file path=ppt/slides/slide9.xml><?xml version="1.0" encoding="utf-8"?>
+<p:sld xmlns:p="http://schemas.openxmlformats.org/presentationml/2006/main" xmlns:a="http://schemas.openxmlformats.org/drawingml/2006/main" xmlns:r="http://schemas.openxmlformats.org/officeDocument/2006/relationships">
+  <p:cSld>
+    <p:bg>
+      <p:bgPr>
+        <a:solidFill>
+          <a:srgbClr val="F8FAFF"/>
+        </a:solidFill>
+      </p:bgPr>
+    </p:bg>
+    <p:spTree>
+      <p:nvGrpSpPr>
+        <p:cNvPr id="1" name=""/>
+        <p:cNvGrpSpPr/>
+        <p:nvPr/>
+      </p:nvGrpSpPr>
+      <p:grpSpPr>
+        <a:xfrm>
+          <a:off x="0" y="0"/>
+          <a:ext cx="0" cy="0"/>
+          <a:chOff x="0" y="0"/>
+          <a:chExt cx="0" cy="0"/>
+        </a:xfrm>
+      </p:grpSpPr>
+      <p:sp>
+        <p:nvSpPr>
+          <p:cNvPr name="AutoShape 2" id="2"/>
+          <p:cNvSpPr/>
+          <p:nvPr/>
+        </p:nvSpPr>
+        <p:spPr>
+          <a:xfrm rot="0">
+            <a:off x="-1379812" y="-1006101"/>
+            <a:ext cx="2596900" cy="12299202"/>
+          </a:xfrm>
+          <a:prstGeom prst="rect">
+            <a:avLst/>
+          </a:prstGeom>
+          <a:solidFill>
+            <a:srgbClr val="CFDBFF"/>
+          </a:solidFill>
+        </p:spPr>
+      </p:sp>
+      <p:grpSp>
+        <p:nvGrpSpPr>
+          <p:cNvPr name="Group 3" id="3"/>
+          <p:cNvGrpSpPr/>
+          <p:nvPr/>
+        </p:nvGrpSpPr>
+        <p:grpSpPr>
+          <a:xfrm rot="0">
+            <a:off x="1963736" y="1108590"/>
+            <a:ext cx="8739991" cy="1551044"/>
+            <a:chOff x="0" y="0"/>
+            <a:chExt cx="6778587" cy="1202963"/>
+          </a:xfrm>
+        </p:grpSpPr>
+        <p:sp>
+          <p:nvSpPr>
+            <p:cNvPr name="Freeform 4" id="4"/>
+            <p:cNvSpPr/>
+            <p:nvPr/>
+          </p:nvSpPr>
+          <p:spPr>
+            <a:xfrm flipH="false" flipV="false" rot="0">
+              <a:off x="0" y="0"/>
+              <a:ext cx="6778587" cy="1202963"/>
+            </a:xfrm>
+            <a:custGeom>
+              <a:avLst/>
+              <a:gdLst/>
+              <a:ahLst/>
+              <a:cxnLst/>
+              <a:rect r="r" b="b" t="t" l="l"/>
+              <a:pathLst>
+                <a:path h="1202963" w="6778587">
+                  <a:moveTo>
+                    <a:pt x="0" y="0"/>
+                  </a:moveTo>
+                  <a:lnTo>
+                    <a:pt x="6778587" y="0"/>
+                  </a:lnTo>
+                  <a:lnTo>
+                    <a:pt x="6778587" y="1202963"/>
+                  </a:lnTo>
+                  <a:lnTo>
+                    <a:pt x="0" y="1202963"/>
+                  </a:lnTo>
+                  <a:close/>
+                </a:path>
+              </a:pathLst>
+            </a:custGeom>
+            <a:solidFill>
+              <a:srgbClr val="000000">
+                <a:alpha val="0"/>
+              </a:srgbClr>
+            </a:solidFill>
+            <a:ln w="66675" cap="sq">
+              <a:solidFill>
+                <a:srgbClr val="8FA4E1"/>
+              </a:solidFill>
+              <a:prstDash val="solid"/>
+              <a:miter/>
+            </a:ln>
+          </p:spPr>
+        </p:sp>
+        <p:sp>
+          <p:nvSpPr>
+            <p:cNvPr name="TextBox 5" id="5"/>
+            <p:cNvSpPr txBox="true"/>
+            <p:nvPr/>
+          </p:nvSpPr>
+          <p:spPr>
+            <a:xfrm>
+              <a:off x="0" y="-47625"/>
+              <a:ext cx="6778587" cy="1250588"/>
+            </a:xfrm>
+            <a:prstGeom prst="rect">
+              <a:avLst/>
+            </a:prstGeom>
+          </p:spPr>
+          <p:txBody>
+            <a:bodyPr anchor="ctr" rtlCol="false" tIns="48876" lIns="48876" bIns="48876" rIns="48876"/>
+            <a:lstStyle/>
+            <a:p>
+              <a:pPr algn="ctr">
+                <a:lnSpc>
+                  <a:spcPts val="1588"/>
+                </a:lnSpc>
+              </a:pPr>
+            </a:p>
+          </p:txBody>
+        </p:sp>
+      </p:grpSp>
+      <p:sp>
+        <p:nvSpPr>
+          <p:cNvPr name="AutoShape 6" id="6"/>
+          <p:cNvSpPr/>
+          <p:nvPr/>
+        </p:nvSpPr>
+        <p:spPr>
+          <a:xfrm rot="0">
+            <a:off x="2348044" y="790431"/>
+            <a:ext cx="7979645" cy="2187364"/>
+          </a:xfrm>
+          <a:prstGeom prst="rect">
+            <a:avLst/>
+          </a:prstGeom>
+          <a:solidFill>
+            <a:srgbClr val="CFDBFF"/>
+          </a:solidFill>
+        </p:spPr>
+      </p:sp>
+      <p:sp>
+        <p:nvSpPr>
+          <p:cNvPr name="Freeform 7" id="7"/>
+          <p:cNvSpPr/>
+          <p:nvPr/>
+        </p:nvSpPr>
+        <p:spPr>
+          <a:xfrm flipH="false" flipV="false" rot="0">
+            <a:off x="3121810" y="3397159"/>
+            <a:ext cx="6432114" cy="6246166"/>
+          </a:xfrm>
+          <a:custGeom>
+            <a:avLst/>
+            <a:gdLst/>
+            <a:ahLst/>
+            <a:cxnLst/>
+            <a:rect r="r" b="b" t="t" l="l"/>
+            <a:pathLst>
+              <a:path h="6246166" w="6432114">
+                <a:moveTo>
+                  <a:pt x="0" y="0"/>
+                </a:moveTo>
+                <a:lnTo>
+                  <a:pt x="6432113" y="0"/>
+                </a:lnTo>
+                <a:lnTo>
+                  <a:pt x="6432113" y="6246166"/>
+                </a:lnTo>
+                <a:lnTo>
+                  <a:pt x="0" y="6246166"/>
+                </a:lnTo>
+                <a:lnTo>
+                  <a:pt x="0" y="0"/>
+                </a:lnTo>
+                <a:close/>
+              </a:path>
+            </a:pathLst>
+          </a:custGeom>
+          <a:blipFill>
+            <a:blip r:embed="rId2"/>
+            <a:stretch>
+              <a:fillRect l="0" t="0" r="0" b="0"/>
+            </a:stretch>
+          </a:blipFill>
+        </p:spPr>
+      </p:sp>
+      <p:sp>
+        <p:nvSpPr>
+          <p:cNvPr name="Freeform 8" id="8"/>
+          <p:cNvSpPr/>
+          <p:nvPr/>
+        </p:nvSpPr>
+        <p:spPr>
+          <a:xfrm flipH="false" flipV="false" rot="0">
+            <a:off x="11000282" y="574199"/>
+            <a:ext cx="6703717" cy="3956313"/>
+          </a:xfrm>
+          <a:custGeom>
+            <a:avLst/>
+            <a:gdLst/>
+            <a:ahLst/>
+            <a:cxnLst/>
+            <a:rect r="r" b="b" t="t" l="l"/>
+            <a:pathLst>
+              <a:path h="3956313" w="6703717">
+                <a:moveTo>
+                  <a:pt x="0" y="0"/>
+                </a:moveTo>
+                <a:lnTo>
+                  <a:pt x="6703717" y="0"/>
+                </a:lnTo>
+                <a:lnTo>
+                  <a:pt x="6703717" y="3956313"/>
+                </a:lnTo>
+                <a:lnTo>
+                  <a:pt x="0" y="3956313"/>
+                </a:lnTo>
+                <a:lnTo>
+                  <a:pt x="0" y="0"/>
+                </a:lnTo>
+                <a:close/>
+              </a:path>
+            </a:pathLst>
+          </a:custGeom>
+          <a:blipFill>
+            <a:blip r:embed="rId3"/>
+            <a:stretch>
+              <a:fillRect l="0" t="0" r="-1728" b="-2636"/>
+            </a:stretch>
+          </a:blipFill>
+        </p:spPr>
+      </p:sp>
+      <p:sp>
+        <p:nvSpPr>
+          <p:cNvPr name="Freeform 9" id="9"/>
+          <p:cNvSpPr/>
+          <p:nvPr/>
+        </p:nvSpPr>
+        <p:spPr>
+          <a:xfrm flipH="false" flipV="false" rot="0">
+            <a:off x="9789243" y="4990278"/>
+            <a:ext cx="8083737" cy="5070901"/>
+          </a:xfrm>
+          <a:custGeom>
+            <a:avLst/>
+            <a:gdLst/>
+            <a:ahLst/>
+            <a:cxnLst/>
+            <a:rect r="r" b="b" t="t" l="l"/>
+            <a:pathLst>
+              <a:path h="5070901" w="8083737">
+                <a:moveTo>
+                  <a:pt x="0" y="0"/>
+                </a:moveTo>
+                <a:lnTo>
+                  <a:pt x="8083737" y="0"/>
+                </a:lnTo>
+                <a:lnTo>
+                  <a:pt x="8083737" y="5070901"/>
+                </a:lnTo>
+                <a:lnTo>
+                  <a:pt x="0" y="5070901"/>
+                </a:lnTo>
+                <a:lnTo>
+                  <a:pt x="0" y="0"/>
+                </a:lnTo>
+                <a:close/>
+              </a:path>
+            </a:pathLst>
+          </a:custGeom>
+          <a:blipFill>
+            <a:blip r:embed="rId4"/>
+            <a:stretch>
+              <a:fillRect l="0" t="0" r="0" b="0"/>
+            </a:stretch>
+          </a:blipFill>
+        </p:spPr>
+      </p:sp>
+      <p:sp>
+        <p:nvSpPr>
+          <p:cNvPr name="TextBox 10" id="10"/>
+          <p:cNvSpPr txBox="true"/>
+          <p:nvPr/>
+        </p:nvSpPr>
+        <p:spPr>
+          <a:xfrm rot="0">
+            <a:off x="2341772" y="1125966"/>
+            <a:ext cx="7979645" cy="2473367"/>
+          </a:xfrm>
+          <a:prstGeom prst="rect">
+            <a:avLst/>
+          </a:prstGeom>
+        </p:spPr>
+        <p:txBody>
+          <a:bodyPr anchor="t" rtlCol="false" tIns="0" lIns="0" bIns="0" rIns="0">
+            <a:spAutoFit/>
+          </a:bodyPr>
+          <a:lstStyle/>
+          <a:p>
+            <a:pPr algn="ctr">
+              <a:lnSpc>
+                <a:spcPts val="9346"/>
+              </a:lnSpc>
+            </a:pPr>
+            <a:r>
+              <a:rPr lang="en-US" sz="7080">
+                <a:solidFill>
+                  <a:srgbClr val="1C1B19"/>
+                </a:solidFill>
+                <a:latin typeface="Gill Sans Condensed"/>
+                <a:ea typeface="Gill Sans Condensed"/>
+                <a:cs typeface="Gill Sans Condensed"/>
+                <a:sym typeface="Gill Sans Condensed"/>
+              </a:rPr>
+              <a:t>EVIDENCIA </a:t>
+            </a:r>
+            <a:r>
+              <a:rPr lang="en-US" sz="7080">
+                <a:solidFill>
+                  <a:srgbClr val="1C1B19"/>
+                </a:solidFill>
+                <a:latin typeface="Gill Sans Condensed"/>
+                <a:ea typeface="Gill Sans Condensed"/>
+                <a:cs typeface="Gill Sans Condensed"/>
+                <a:sym typeface="Gill Sans Condensed"/>
+                <a:hlinkClick r:id="rId5" tooltip="https://www.google.com/aclk?sa=l&amp;ai=DChsSEwjNoZLgubaPAxV6QkgAHTNCLeIYACICCAEQARoCY2U&amp;ae=2&amp;aspm=1&amp;co=1&amp;ase=2&amp;gclid=Cj0KCQjw5c_FBhDJARIsAIcmHK_JdaAUgqaCKGUKyWM78sKAAoP2WGmEyI9JOtVWXeWX0yFbYw437IIaAkFUEALw_wcB&amp;category=acrcp_v1_51&amp;sig=AOD64_1N8p9qehcCy7xG1QyE5LAoZj7Ktg&amp;q&amp;nis=4&amp;adurl&amp;ved=2ahUKEwjUyozgubaPAxUjppUCHZpqCUkQ0Qx6BAgpEAE"/>
+              </a:rPr>
+              <a:t>MOCKUPS</a:t>
+            </a:r>
+          </a:p>
+          <a:p>
+            <a:pPr algn="ctr">
+              <a:lnSpc>
+                <a:spcPts val="9346"/>
+              </a:lnSpc>
+            </a:pPr>
+          </a:p>
+        </p:txBody>
+      </p:sp>
+    </p:spTree>
   </p:cSld>
   <p:clrMapOvr>
     <a:masterClrMapping/>
@@ -3413,7 +8819,7 @@
 </file>
 
 <file path=ppt/theme/theme1.xml><?xml version="1.0" encoding="utf-8"?>
-<a:theme xmlns:a="http://schemas.openxmlformats.org/drawingml/2006/main" name="Tema de Office">
+<a:theme xmlns:a="http://schemas.openxmlformats.org/drawingml/2006/main" name="Office Theme">
   <a:themeElements>
     <a:clrScheme name="Office">
       <a:dk1>
@@ -3423,44 +8829,44 @@
         <a:sysClr val="window" lastClr="FFFFFF"/>
       </a:lt1>
       <a:dk2>
-        <a:srgbClr val="0E2841"/>
+        <a:srgbClr val="1F497D"/>
       </a:dk2>
       <a:lt2>
-        <a:srgbClr val="E8E8E8"/>
+        <a:srgbClr val="EEECE1"/>
       </a:lt2>
       <a:accent1>
-        <a:srgbClr val="156082"/>
+        <a:srgbClr val="4F81BD"/>
       </a:accent1>
       <a:accent2>
-        <a:srgbClr val="E97132"/>
+        <a:srgbClr val="C0504D"/>
       </a:accent2>
       <a:accent3>
-        <a:srgbClr val="196B24"/>
+        <a:srgbClr val="9BBB59"/>
       </a:accent3>
       <a:accent4>
-        <a:srgbClr val="0F9ED5"/>
+        <a:srgbClr val="8064A2"/>
       </a:accent4>
       <a:accent5>
-        <a:srgbClr val="A02B93"/>
+        <a:srgbClr val="4BACC6"/>
       </a:accent5>
       <a:accent6>
-        <a:srgbClr val="4EA72E"/>
+        <a:srgbClr val="F79646"/>
       </a:accent6>
       <a:hlink>
-        <a:srgbClr val="467886"/>
+        <a:srgbClr val="0000FF"/>
       </a:hlink>
       <a:folHlink>
-        <a:srgbClr val="96607D"/>
+        <a:srgbClr val="800080"/>
       </a:folHlink>
     </a:clrScheme>
     <a:fontScheme name="Office">
       <a:majorFont>
-        <a:latin typeface="Aptos Display" panose="02110004020202020204"/>
+        <a:latin typeface="Calibri"/>
         <a:ea typeface=""/>
         <a:cs typeface=""/>
-        <a:font script="Jpan" typeface="游ゴシック Light"/>
+        <a:font script="Jpan" typeface="ＭＳ Ｐゴシック"/>
         <a:font script="Hang" typeface="맑은 고딕"/>
-        <a:font script="Hans" typeface="等线 Light"/>
+        <a:font script="Hans" typeface="宋体"/>
         <a:font script="Hant" typeface="新細明體"/>
         <a:font script="Arab" typeface="Times New Roman"/>
         <a:font script="Hebr" typeface="Times New Roman"/>
@@ -3487,32 +8893,14 @@
         <a:font script="Mong" typeface="Mongolian Baiti"/>
         <a:font script="Viet" typeface="Times New Roman"/>
         <a:font script="Uigh" typeface="Microsoft Uighur"/>
-        <a:font script="Geor" typeface="Sylfaen"/>
-        <a:font script="Armn" typeface="Arial"/>
-        <a:font script="Bugi" typeface="Leelawadee UI"/>
-        <a:font script="Bopo" typeface="Microsoft JhengHei"/>
-        <a:font script="Java" typeface="Javanese Text"/>
-        <a:font script="Lisu" typeface="Segoe UI"/>
-        <a:font script="Mymr" typeface="Myanmar Text"/>
-        <a:font script="Nkoo" typeface="Ebrima"/>
-        <a:font script="Olck" typeface="Nirmala UI"/>
-        <a:font script="Osma" typeface="Ebrima"/>
-        <a:font script="Phag" typeface="Phagspa"/>
-        <a:font script="Syrn" typeface="Estrangelo Edessa"/>
-        <a:font script="Syrj" typeface="Estrangelo Edessa"/>
-        <a:font script="Syre" typeface="Estrangelo Edessa"/>
-        <a:font script="Sora" typeface="Nirmala UI"/>
-        <a:font script="Tale" typeface="Microsoft Tai Le"/>
-        <a:font script="Talu" typeface="Microsoft New Tai Lue"/>
-        <a:font script="Tfng" typeface="Ebrima"/>
       </a:majorFont>
       <a:minorFont>
-        <a:latin typeface="Aptos" panose="02110004020202020204"/>
+        <a:latin typeface="Calibri"/>
         <a:ea typeface=""/>
         <a:cs typeface=""/>
-        <a:font script="Jpan" typeface="游ゴシック"/>
+        <a:font script="Jpan" typeface="ＭＳ Ｐゴシック"/>
         <a:font script="Hang" typeface="맑은 고딕"/>
-        <a:font script="Hans" typeface="等线"/>
+        <a:font script="Hans" typeface="宋体"/>
         <a:font script="Hant" typeface="新細明體"/>
         <a:font script="Arab" typeface="Arial"/>
         <a:font script="Hebr" typeface="Arial"/>
@@ -3539,24 +8927,6 @@
         <a:font script="Mong" typeface="Mongolian Baiti"/>
         <a:font script="Viet" typeface="Arial"/>
         <a:font script="Uigh" typeface="Microsoft Uighur"/>
-        <a:font script="Geor" typeface="Sylfaen"/>
-        <a:font script="Armn" typeface="Arial"/>
-        <a:font script="Bugi" typeface="Leelawadee UI"/>
-        <a:font script="Bopo" typeface="Microsoft JhengHei"/>
-        <a:font script="Java" typeface="Javanese Text"/>
-        <a:font script="Lisu" typeface="Segoe UI"/>
-        <a:font script="Mymr" typeface="Myanmar Text"/>
-        <a:font script="Nkoo" typeface="Ebrima"/>
-        <a:font script="Olck" typeface="Nirmala UI"/>
-        <a:font script="Osma" typeface="Ebrima"/>
-        <a:font script="Phag" typeface="Phagspa"/>
-        <a:font script="Syrn" typeface="Estrangelo Edessa"/>
-        <a:font script="Syrj" typeface="Estrangelo Edessa"/>
-        <a:font script="Syre" typeface="Estrangelo Edessa"/>
-        <a:font script="Sora" typeface="Nirmala UI"/>
-        <a:font script="Tale" typeface="Microsoft Tai Le"/>
-        <a:font script="Talu" typeface="Microsoft New Tai Lue"/>
-        <a:font script="Tfng" typeface="Ebrima"/>
       </a:minorFont>
     </a:fontScheme>
     <a:fmtScheme name="Office">
@@ -3568,161 +8938,165 @@
           <a:gsLst>
             <a:gs pos="0">
               <a:schemeClr val="phClr">
-                <a:lumMod val="110000"/>
-                <a:satMod val="105000"/>
-                <a:tint val="67000"/>
+                <a:tint val="50000"/>
+                <a:satMod val="300000"/>
               </a:schemeClr>
             </a:gs>
-            <a:gs pos="50000">
+            <a:gs pos="35000">
               <a:schemeClr val="phClr">
-                <a:lumMod val="105000"/>
-                <a:satMod val="103000"/>
-                <a:tint val="73000"/>
+                <a:tint val="37000"/>
+                <a:satMod val="300000"/>
               </a:schemeClr>
             </a:gs>
             <a:gs pos="100000">
               <a:schemeClr val="phClr">
-                <a:lumMod val="105000"/>
-                <a:satMod val="109000"/>
-                <a:tint val="81000"/>
+                <a:tint val="15000"/>
+                <a:satMod val="350000"/>
               </a:schemeClr>
             </a:gs>
           </a:gsLst>
-          <a:lin ang="5400000" scaled="0"/>
+          <a:lin ang="16200000" scaled="1"/>
         </a:gradFill>
         <a:gradFill rotWithShape="1">
           <a:gsLst>
             <a:gs pos="0">
               <a:schemeClr val="phClr">
-                <a:satMod val="103000"/>
-                <a:lumMod val="102000"/>
-                <a:tint val="94000"/>
+                <a:shade val="51000"/>
+                <a:satMod val="130000"/>
               </a:schemeClr>
             </a:gs>
-            <a:gs pos="50000">
+            <a:gs pos="80000">
               <a:schemeClr val="phClr">
-                <a:satMod val="110000"/>
-                <a:lumMod val="100000"/>
-                <a:shade val="100000"/>
+                <a:shade val="93000"/>
+                <a:satMod val="130000"/>
               </a:schemeClr>
             </a:gs>
             <a:gs pos="100000">
               <a:schemeClr val="phClr">
-                <a:lumMod val="99000"/>
-                <a:satMod val="120000"/>
-                <a:shade val="78000"/>
+                <a:shade val="94000"/>
+                <a:satMod val="135000"/>
               </a:schemeClr>
             </a:gs>
           </a:gsLst>
-          <a:lin ang="5400000" scaled="0"/>
+          <a:lin ang="16200000" scaled="0"/>
         </a:gradFill>
       </a:fillStyleLst>
       <a:lnStyleLst>
-        <a:ln w="12700" cap="flat" cmpd="sng" algn="ctr">
+        <a:ln w="9525" cap="flat" cmpd="sng" algn="ctr">
           <a:solidFill>
-            <a:schemeClr val="phClr"/>
+            <a:schemeClr val="phClr">
+              <a:shade val="95000"/>
+              <a:satMod val="105000"/>
+            </a:schemeClr>
           </a:solidFill>
           <a:prstDash val="solid"/>
-          <a:miter lim="800000"/>
-        </a:ln>
-        <a:ln w="19050" cap="flat" cmpd="sng" algn="ctr">
-          <a:solidFill>
-            <a:schemeClr val="phClr"/>
-          </a:solidFill>
-          <a:prstDash val="solid"/>
-          <a:miter lim="800000"/>
         </a:ln>
         <a:ln w="25400" cap="flat" cmpd="sng" algn="ctr">
           <a:solidFill>
             <a:schemeClr val="phClr"/>
           </a:solidFill>
           <a:prstDash val="solid"/>
-          <a:miter lim="800000"/>
+        </a:ln>
+        <a:ln w="38100" cap="flat" cmpd="sng" algn="ctr">
+          <a:solidFill>
+            <a:schemeClr val="phClr"/>
+          </a:solidFill>
+          <a:prstDash val="solid"/>
         </a:ln>
       </a:lnStyleLst>
       <a:effectStyleLst>
         <a:effectStyle>
-          <a:effectLst/>
-        </a:effectStyle>
-        <a:effectStyle>
-          <a:effectLst/>
+          <a:effectLst>
+            <a:outerShdw blurRad="40000" dist="20000" dir="5400000" rotWithShape="0">
+              <a:srgbClr val="000000">
+                <a:alpha val="38000"/>
+              </a:srgbClr>
+            </a:outerShdw>
+          </a:effectLst>
         </a:effectStyle>
         <a:effectStyle>
           <a:effectLst>
-            <a:outerShdw blurRad="57150" dist="19050" dir="5400000" algn="ctr" rotWithShape="0">
+            <a:outerShdw blurRad="40000" dist="23000" dir="5400000" rotWithShape="0">
               <a:srgbClr val="000000">
-                <a:alpha val="63000"/>
+                <a:alpha val="35000"/>
               </a:srgbClr>
             </a:outerShdw>
           </a:effectLst>
+        </a:effectStyle>
+        <a:effectStyle>
+          <a:effectLst>
+            <a:outerShdw blurRad="40000" dist="23000" dir="5400000" rotWithShape="0">
+              <a:srgbClr val="000000">
+                <a:alpha val="35000"/>
+              </a:srgbClr>
+            </a:outerShdw>
+          </a:effectLst>
+          <a:scene3d>
+            <a:camera prst="orthographicFront">
+              <a:rot lat="0" lon="0" rev="0"/>
+            </a:camera>
+            <a:lightRig rig="threePt" dir="t">
+              <a:rot lat="0" lon="0" rev="1200000"/>
+            </a:lightRig>
+          </a:scene3d>
+          <a:sp3d>
+            <a:bevelT w="63500" h="25400"/>
+          </a:sp3d>
         </a:effectStyle>
       </a:effectStyleLst>
       <a:bgFillStyleLst>
         <a:solidFill>
           <a:schemeClr val="phClr"/>
         </a:solidFill>
-        <a:solidFill>
-          <a:schemeClr val="phClr">
-            <a:tint val="95000"/>
-            <a:satMod val="170000"/>
-          </a:schemeClr>
-        </a:solidFill>
         <a:gradFill rotWithShape="1">
           <a:gsLst>
             <a:gs pos="0">
               <a:schemeClr val="phClr">
-                <a:tint val="93000"/>
-                <a:satMod val="150000"/>
-                <a:shade val="98000"/>
-                <a:lumMod val="102000"/>
+                <a:tint val="40000"/>
+                <a:satMod val="350000"/>
               </a:schemeClr>
             </a:gs>
-            <a:gs pos="50000">
+            <a:gs pos="40000">
               <a:schemeClr val="phClr">
-                <a:tint val="98000"/>
-                <a:satMod val="130000"/>
-                <a:shade val="90000"/>
-                <a:lumMod val="103000"/>
+                <a:tint val="45000"/>
+                <a:shade val="99000"/>
+                <a:satMod val="350000"/>
               </a:schemeClr>
             </a:gs>
             <a:gs pos="100000">
               <a:schemeClr val="phClr">
-                <a:shade val="63000"/>
-                <a:satMod val="120000"/>
+                <a:shade val="20000"/>
+                <a:satMod val="255000"/>
               </a:schemeClr>
             </a:gs>
           </a:gsLst>
-          <a:lin ang="5400000" scaled="0"/>
+          <a:path path="circle">
+            <a:fillToRect l="50000" t="-80000" r="50000" b="180000"/>
+          </a:path>
+        </a:gradFill>
+        <a:gradFill rotWithShape="1">
+          <a:gsLst>
+            <a:gs pos="0">
+              <a:schemeClr val="phClr">
+                <a:tint val="80000"/>
+                <a:satMod val="300000"/>
+              </a:schemeClr>
+            </a:gs>
+            <a:gs pos="100000">
+              <a:schemeClr val="phClr">
+                <a:shade val="30000"/>
+                <a:satMod val="200000"/>
+              </a:schemeClr>
+            </a:gs>
+          </a:gsLst>
+          <a:path path="circle">
+            <a:fillToRect l="50000" t="50000" r="50000" b="50000"/>
+          </a:path>
         </a:gradFill>
       </a:bgFillStyleLst>
     </a:fmtScheme>
   </a:themeElements>
-  <a:objectDefaults>
-    <a:lnDef>
-      <a:spPr/>
-      <a:bodyPr/>
-      <a:lstStyle/>
-      <a:style>
-        <a:lnRef idx="2">
-          <a:schemeClr val="accent1"/>
-        </a:lnRef>
-        <a:fillRef idx="0">
-          <a:schemeClr val="accent1"/>
-        </a:fillRef>
-        <a:effectRef idx="1">
-          <a:schemeClr val="accent1"/>
-        </a:effectRef>
-        <a:fontRef idx="minor">
-          <a:schemeClr val="tx1"/>
-        </a:fontRef>
-      </a:style>
-    </a:lnDef>
-  </a:objectDefaults>
+  <a:objectDefaults/>
   <a:extraClrSchemeLst/>
-  <a:extLst>
-    <a:ext uri="{05A4C25C-085E-4340-85A3-A5531E510DB2}">
-      <thm15:themeFamily xmlns:thm15="http://schemas.microsoft.com/office/thememl/2012/main" name="Office Theme" id="{2E142A2C-CD16-42D6-873A-C26D2A0506FA}" vid="{1BDDFF52-6CD6-40A5-AB3C-68EB2F1E4D0A}"/>
-    </a:ext>
-  </a:extLst>
 </a:theme>
 </file>
--- a/Fase 1/Evidencias Grupales/Presentación Proyecto.pptx
+++ b/Fase 1/Evidencias Grupales/Presentación Proyecto.pptx
@@ -4268,182 +4268,9 @@
           </a:solidFill>
         </p:spPr>
       </p:sp>
-      <p:sp>
-        <p:nvSpPr>
-          <p:cNvPr name="TextBox 3" id="3"/>
-          <p:cNvSpPr txBox="true"/>
-          <p:nvPr/>
-        </p:nvSpPr>
-        <p:spPr>
-          <a:xfrm rot="0">
-            <a:off x="2450813" y="5519253"/>
-            <a:ext cx="14318678" cy="1416050"/>
-          </a:xfrm>
-          <a:prstGeom prst="rect">
-            <a:avLst/>
-          </a:prstGeom>
-        </p:spPr>
-        <p:txBody>
-          <a:bodyPr anchor="t" rtlCol="false" tIns="0" lIns="0" bIns="0" rIns="0">
-            <a:spAutoFit/>
-          </a:bodyPr>
-          <a:lstStyle/>
-          <a:p>
-            <a:pPr algn="l" marL="0" indent="0" lvl="0">
-              <a:lnSpc>
-                <a:spcPts val="2800"/>
-              </a:lnSpc>
-            </a:pPr>
-            <a:r>
-              <a:rPr lang="en-US" sz="2000">
-                <a:solidFill>
-                  <a:srgbClr val="242424"/>
-                </a:solidFill>
-                <a:latin typeface="TT Chocolates"/>
-                <a:ea typeface="TT Chocolates"/>
-                <a:cs typeface="TT Chocolates"/>
-                <a:sym typeface="TT Chocolates"/>
-              </a:rPr>
-              <a:t>Lorem ipsum dolor sit amet, consectetur adipiscing elit, sed do eiusmod tempor incididunt ut labore et dolore magna aliqua. Ut enim ad minim veniam, quis nostrud exercitation ullamco laboris nisi ut aliquip ex ea commodo consequat. Duis aute irure dolor in reprehenderit in voluptate velit esse cillum dolore eu fugiat nulla pariatur. Excepteur sint occaecat cupidatat non proident, sunt in culpa qui officia deserunt mollit anim id est laborum.</a:t>
-            </a:r>
-          </a:p>
-        </p:txBody>
-      </p:sp>
       <p:grpSp>
         <p:nvGrpSpPr>
-          <p:cNvPr name="Group 4" id="4"/>
-          <p:cNvGrpSpPr/>
-          <p:nvPr/>
-        </p:nvGrpSpPr>
-        <p:grpSpPr>
-          <a:xfrm rot="0">
-            <a:off x="2450813" y="4297920"/>
-            <a:ext cx="14318678" cy="791414"/>
-            <a:chOff x="0" y="0"/>
-            <a:chExt cx="9537113" cy="527130"/>
-          </a:xfrm>
-        </p:grpSpPr>
-        <p:sp>
-          <p:nvSpPr>
-            <p:cNvPr name="Freeform 5" id="5"/>
-            <p:cNvSpPr/>
-            <p:nvPr/>
-          </p:nvSpPr>
-          <p:spPr>
-            <a:xfrm flipH="false" flipV="false" rot="0">
-              <a:off x="0" y="0"/>
-              <a:ext cx="9537113" cy="527130"/>
-            </a:xfrm>
-            <a:custGeom>
-              <a:avLst/>
-              <a:gdLst/>
-              <a:ahLst/>
-              <a:cxnLst/>
-              <a:rect r="r" b="b" t="t" l="l"/>
-              <a:pathLst>
-                <a:path h="527130" w="9537113">
-                  <a:moveTo>
-                    <a:pt x="0" y="0"/>
-                  </a:moveTo>
-                  <a:lnTo>
-                    <a:pt x="9537113" y="0"/>
-                  </a:lnTo>
-                  <a:lnTo>
-                    <a:pt x="9537113" y="527130"/>
-                  </a:lnTo>
-                  <a:lnTo>
-                    <a:pt x="0" y="527130"/>
-                  </a:lnTo>
-                  <a:close/>
-                </a:path>
-              </a:pathLst>
-            </a:custGeom>
-            <a:solidFill>
-              <a:srgbClr val="000000">
-                <a:alpha val="0"/>
-              </a:srgbClr>
-            </a:solidFill>
-            <a:ln w="66675" cap="sq">
-              <a:solidFill>
-                <a:srgbClr val="8FA4E1"/>
-              </a:solidFill>
-              <a:prstDash val="solid"/>
-              <a:miter/>
-            </a:ln>
-          </p:spPr>
-        </p:sp>
-        <p:sp>
-          <p:nvSpPr>
-            <p:cNvPr name="TextBox 6" id="6"/>
-            <p:cNvSpPr txBox="true"/>
-            <p:nvPr/>
-          </p:nvSpPr>
-          <p:spPr>
-            <a:xfrm>
-              <a:off x="0" y="-47625"/>
-              <a:ext cx="9537113" cy="574755"/>
-            </a:xfrm>
-            <a:prstGeom prst="rect">
-              <a:avLst/>
-            </a:prstGeom>
-          </p:spPr>
-          <p:txBody>
-            <a:bodyPr anchor="ctr" rtlCol="false" tIns="48876" lIns="48876" bIns="48876" rIns="48876"/>
-            <a:lstStyle/>
-            <a:p>
-              <a:pPr algn="ctr">
-                <a:lnSpc>
-                  <a:spcPts val="1588"/>
-                </a:lnSpc>
-              </a:pPr>
-            </a:p>
-          </p:txBody>
-        </p:sp>
-      </p:grpSp>
-      <p:sp>
-        <p:nvSpPr>
-          <p:cNvPr name="TextBox 7" id="7"/>
-          <p:cNvSpPr txBox="true"/>
-          <p:nvPr/>
-        </p:nvSpPr>
-        <p:spPr>
-          <a:xfrm rot="0">
-            <a:off x="3177027" y="4537262"/>
-            <a:ext cx="13203457" cy="331247"/>
-          </a:xfrm>
-          <a:prstGeom prst="rect">
-            <a:avLst/>
-          </a:prstGeom>
-        </p:spPr>
-        <p:txBody>
-          <a:bodyPr anchor="t" rtlCol="false" tIns="0" lIns="0" bIns="0" rIns="0">
-            <a:spAutoFit/>
-          </a:bodyPr>
-          <a:lstStyle/>
-          <a:p>
-            <a:pPr algn="l">
-              <a:lnSpc>
-                <a:spcPts val="2659"/>
-              </a:lnSpc>
-            </a:pPr>
-            <a:r>
-              <a:rPr lang="en-US" sz="2014" b="true">
-                <a:solidFill>
-                  <a:srgbClr val="1C1B19"/>
-                </a:solidFill>
-                <a:latin typeface="DM Sans Bold"/>
-                <a:ea typeface="DM Sans Bold"/>
-                <a:cs typeface="DM Sans Bold"/>
-                <a:sym typeface="DM Sans Bold"/>
-              </a:rPr>
-              <a:t>Resultados Obtenidos en el Proyecto</a:t>
-            </a:r>
-          </a:p>
-        </p:txBody>
-      </p:sp>
-      <p:grpSp>
-        <p:nvGrpSpPr>
-          <p:cNvPr name="Group 8" id="8"/>
+          <p:cNvPr name="Group 3" id="3"/>
           <p:cNvGrpSpPr/>
           <p:nvPr/>
         </p:nvGrpSpPr>
@@ -4457,7 +4284,7 @@
         </p:grpSpPr>
         <p:sp>
           <p:nvSpPr>
-            <p:cNvPr name="Freeform 9" id="9"/>
+            <p:cNvPr name="Freeform 4" id="4"/>
             <p:cNvSpPr/>
             <p:nvPr/>
           </p:nvSpPr>
@@ -4506,7 +4333,7 @@
         </p:sp>
         <p:sp>
           <p:nvSpPr>
-            <p:cNvPr name="TextBox 10" id="10"/>
+            <p:cNvPr name="TextBox 5" id="5"/>
             <p:cNvSpPr txBox="true"/>
             <p:nvPr/>
           </p:nvSpPr>
@@ -4534,7 +4361,7 @@
       </p:grpSp>
       <p:sp>
         <p:nvSpPr>
-          <p:cNvPr name="AutoShape 11" id="11"/>
+          <p:cNvPr name="AutoShape 6" id="6"/>
           <p:cNvSpPr/>
           <p:nvPr/>
         </p:nvSpPr>
@@ -4553,7 +4380,7 @@
       </p:sp>
       <p:sp>
         <p:nvSpPr>
-          <p:cNvPr name="TextBox 12" id="12"/>
+          <p:cNvPr name="TextBox 7" id="7"/>
           <p:cNvSpPr txBox="true"/>
           <p:nvPr/>
         </p:nvSpPr>
@@ -4588,47 +4415,6 @@
                 <a:sym typeface="Gill Sans Condensed"/>
               </a:rPr>
               <a:t>CONCLUSIONES</a:t>
-            </a:r>
-          </a:p>
-        </p:txBody>
-      </p:sp>
-      <p:sp>
-        <p:nvSpPr>
-          <p:cNvPr name="TextBox 13" id="13"/>
-          <p:cNvSpPr txBox="true"/>
-          <p:nvPr/>
-        </p:nvSpPr>
-        <p:spPr>
-          <a:xfrm rot="0">
-            <a:off x="2450813" y="7096406"/>
-            <a:ext cx="14318678" cy="1416050"/>
-          </a:xfrm>
-          <a:prstGeom prst="rect">
-            <a:avLst/>
-          </a:prstGeom>
-        </p:spPr>
-        <p:txBody>
-          <a:bodyPr anchor="t" rtlCol="false" tIns="0" lIns="0" bIns="0" rIns="0">
-            <a:spAutoFit/>
-          </a:bodyPr>
-          <a:lstStyle/>
-          <a:p>
-            <a:pPr algn="l" marL="0" indent="0" lvl="0">
-              <a:lnSpc>
-                <a:spcPts val="2800"/>
-              </a:lnSpc>
-            </a:pPr>
-            <a:r>
-              <a:rPr lang="en-US" sz="2000">
-                <a:solidFill>
-                  <a:srgbClr val="242424"/>
-                </a:solidFill>
-                <a:latin typeface="TT Chocolates"/>
-                <a:ea typeface="TT Chocolates"/>
-                <a:cs typeface="TT Chocolates"/>
-                <a:sym typeface="TT Chocolates"/>
-              </a:rPr>
-              <a:t>Lorem ipsum dolor sit amet, consectetur adipiscing elit, sed do eiusmod tempor incididunt ut labore et dolore magna aliqua. Ut enim ad minim veniam, quis nostrud exercitation ullamco laboris nisi ut aliquip ex ea commodo consequat. Duis aute irure dolor in reprehenderit in voluptate velit esse cillum dolore eu fugiat nulla pariatur. Excepteur sint occaecat cupidatat non proident, sunt in culpa qui officia deserunt mollit anim id est laborum.</a:t>
             </a:r>
           </a:p>
         </p:txBody>
@@ -5847,8 +5633,8 @@
         </p:nvSpPr>
         <p:spPr>
           <a:xfrm rot="0">
-            <a:off x="1953899" y="4339907"/>
-            <a:ext cx="3629069" cy="1559560"/>
+            <a:off x="1953899" y="4322589"/>
+            <a:ext cx="3550045" cy="2731800"/>
           </a:xfrm>
           <a:prstGeom prst="rect">
             <a:avLst/>
@@ -5862,11 +5648,11 @@
           <a:p>
             <a:pPr algn="ctr">
               <a:lnSpc>
-                <a:spcPts val="3499"/>
+                <a:spcPts val="3983"/>
               </a:lnSpc>
             </a:pPr>
             <a:r>
-              <a:rPr lang="en-US" b="true" sz="2499">
+              <a:rPr lang="en-US" b="true" sz="2845">
                 <a:solidFill>
                   <a:srgbClr val="242424"/>
                 </a:solidFill>
@@ -5879,15 +5665,15 @@
             </a:r>
           </a:p>
           <a:p>
-            <a:pPr algn="l" marL="453390" indent="-226695" lvl="1">
+            <a:pPr algn="l" marL="529875" indent="-264938" lvl="1">
               <a:lnSpc>
-                <a:spcPts val="2940"/>
+                <a:spcPts val="3435"/>
               </a:lnSpc>
               <a:buFont typeface="Arial"/>
               <a:buChar char="•"/>
             </a:pPr>
             <a:r>
-              <a:rPr lang="en-US" sz="2100">
+              <a:rPr lang="en-US" sz="2454">
                 <a:solidFill>
                   <a:srgbClr val="242424"/>
                 </a:solidFill>
@@ -5900,15 +5686,15 @@
             </a:r>
           </a:p>
           <a:p>
-            <a:pPr algn="l" marL="453390" indent="-226695" lvl="1">
+            <a:pPr algn="l" marL="529875" indent="-264938" lvl="1">
               <a:lnSpc>
-                <a:spcPts val="2940"/>
+                <a:spcPts val="3435"/>
               </a:lnSpc>
               <a:buFont typeface="Arial"/>
               <a:buChar char="•"/>
             </a:pPr>
             <a:r>
-              <a:rPr lang="en-US" sz="2100">
+              <a:rPr lang="en-US" sz="2454">
                 <a:solidFill>
                   <a:srgbClr val="242424"/>
                 </a:solidFill>
@@ -5923,7 +5709,7 @@
           <a:p>
             <a:pPr algn="l" marL="0" indent="0" lvl="0">
               <a:lnSpc>
-                <a:spcPts val="3079"/>
+                <a:spcPts val="3572"/>
               </a:lnSpc>
             </a:pPr>
           </a:p>
@@ -5956,8 +5742,8 @@
         </p:nvSpPr>
         <p:spPr>
           <a:xfrm rot="0">
-            <a:off x="12586425" y="3982000"/>
-            <a:ext cx="5013573" cy="2310936"/>
+            <a:off x="11877790" y="3972475"/>
+            <a:ext cx="5858619" cy="2673575"/>
           </a:xfrm>
           <a:prstGeom prst="rect">
             <a:avLst/>
@@ -5971,14 +5757,14 @@
           <a:p>
             <a:pPr algn="ctr">
               <a:lnSpc>
-                <a:spcPts val="3496"/>
+                <a:spcPts val="3980"/>
               </a:lnSpc>
               <a:spcBef>
                 <a:spcPct val="0"/>
               </a:spcBef>
             </a:pPr>
             <a:r>
-              <a:rPr lang="en-US" b="true" sz="2497">
+              <a:rPr lang="en-US" b="true" sz="2843">
                 <a:solidFill>
                   <a:srgbClr val="000000"/>
                 </a:solidFill>
@@ -5991,9 +5777,9 @@
             </a:r>
           </a:p>
           <a:p>
-            <a:pPr algn="l" marL="453390" indent="-226695" lvl="1">
+            <a:pPr algn="l" marL="529875" indent="-264938" lvl="1">
               <a:lnSpc>
-                <a:spcPts val="2940"/>
+                <a:spcPts val="3435"/>
               </a:lnSpc>
               <a:spcBef>
                 <a:spcPct val="0"/>
@@ -6002,7 +5788,7 @@
               <a:buChar char="•"/>
             </a:pPr>
             <a:r>
-              <a:rPr lang="en-US" sz="2100">
+              <a:rPr lang="en-US" sz="2454">
                 <a:solidFill>
                   <a:srgbClr val="000000"/>
                 </a:solidFill>
@@ -6015,9 +5801,9 @@
             </a:r>
           </a:p>
           <a:p>
-            <a:pPr algn="l" marL="453390" indent="-226695" lvl="1">
+            <a:pPr algn="l" marL="529875" indent="-264938" lvl="1">
               <a:lnSpc>
-                <a:spcPts val="2940"/>
+                <a:spcPts val="3435"/>
               </a:lnSpc>
               <a:spcBef>
                 <a:spcPct val="0"/>
@@ -6026,7 +5812,7 @@
               <a:buChar char="•"/>
             </a:pPr>
             <a:r>
-              <a:rPr lang="en-US" sz="2100">
+              <a:rPr lang="en-US" sz="2454">
                 <a:solidFill>
                   <a:srgbClr val="000000"/>
                 </a:solidFill>
@@ -6039,9 +5825,9 @@
             </a:r>
           </a:p>
           <a:p>
-            <a:pPr algn="l" marL="453390" indent="-226695" lvl="1">
+            <a:pPr algn="l" marL="529875" indent="-264938" lvl="1">
               <a:lnSpc>
-                <a:spcPts val="2940"/>
+                <a:spcPts val="3435"/>
               </a:lnSpc>
               <a:spcBef>
                 <a:spcPct val="0"/>
@@ -6050,7 +5836,7 @@
               <a:buChar char="•"/>
             </a:pPr>
             <a:r>
-              <a:rPr lang="en-US" sz="2100">
+              <a:rPr lang="en-US" sz="2454">
                 <a:solidFill>
                   <a:srgbClr val="000000"/>
                 </a:solidFill>
@@ -6063,9 +5849,9 @@
             </a:r>
           </a:p>
           <a:p>
-            <a:pPr algn="l" marL="453390" indent="-226695" lvl="1">
+            <a:pPr algn="l" marL="529875" indent="-264938" lvl="1">
               <a:lnSpc>
-                <a:spcPts val="2940"/>
+                <a:spcPts val="3435"/>
               </a:lnSpc>
               <a:spcBef>
                 <a:spcPct val="0"/>
@@ -6074,7 +5860,7 @@
               <a:buChar char="•"/>
             </a:pPr>
             <a:r>
-              <a:rPr lang="en-US" sz="2100">
+              <a:rPr lang="en-US" sz="2454">
                 <a:solidFill>
                   <a:srgbClr val="000000"/>
                 </a:solidFill>
@@ -6089,7 +5875,7 @@
           <a:p>
             <a:pPr algn="ctr">
               <a:lnSpc>
-                <a:spcPts val="3204"/>
+                <a:spcPts val="3694"/>
               </a:lnSpc>
               <a:spcBef>
                 <a:spcPct val="0"/>
@@ -6106,8 +5892,8 @@
         </p:nvSpPr>
         <p:spPr>
           <a:xfrm rot="0">
-            <a:off x="6172422" y="5851843"/>
-            <a:ext cx="6047673" cy="2293165"/>
+            <a:off x="6080563" y="5801601"/>
+            <a:ext cx="5915984" cy="3084401"/>
           </a:xfrm>
           <a:prstGeom prst="rect">
             <a:avLst/>
@@ -6121,14 +5907,14 @@
           <a:p>
             <a:pPr algn="ctr">
               <a:lnSpc>
-                <a:spcPts val="3493"/>
+                <a:spcPts val="3977"/>
               </a:lnSpc>
               <a:spcBef>
                 <a:spcPct val="0"/>
               </a:spcBef>
             </a:pPr>
             <a:r>
-              <a:rPr lang="en-US" b="true" sz="2495">
+              <a:rPr lang="en-US" b="true" sz="2840">
                 <a:solidFill>
                   <a:srgbClr val="000000"/>
                 </a:solidFill>
@@ -6140,7 +5926,7 @@
               <a:t>Fac</a:t>
             </a:r>
             <a:r>
-              <a:rPr lang="en-US" b="true" sz="2495">
+              <a:rPr lang="en-US" b="true" sz="2840">
                 <a:solidFill>
                   <a:srgbClr val="000000"/>
                 </a:solidFill>
@@ -6153,9 +5939,9 @@
             </a:r>
           </a:p>
           <a:p>
-            <a:pPr algn="l" marL="452371" indent="-226186" lvl="1">
+            <a:pPr algn="l" marL="528879" indent="-264440" lvl="1">
               <a:lnSpc>
-                <a:spcPts val="2933"/>
+                <a:spcPts val="3429"/>
               </a:lnSpc>
               <a:spcBef>
                 <a:spcPct val="0"/>
@@ -6164,7 +5950,7 @@
               <a:buChar char="•"/>
             </a:pPr>
             <a:r>
-              <a:rPr lang="en-US" sz="2095">
+              <a:rPr lang="en-US" sz="2449">
                 <a:solidFill>
                   <a:srgbClr val="000000"/>
                 </a:solidFill>
@@ -6176,7 +5962,7 @@
               <a:t>Tim</a:t>
             </a:r>
             <a:r>
-              <a:rPr lang="en-US" sz="2095">
+              <a:rPr lang="en-US" sz="2449">
                 <a:solidFill>
                   <a:srgbClr val="000000"/>
                 </a:solidFill>
@@ -6189,9 +5975,9 @@
             </a:r>
           </a:p>
           <a:p>
-            <a:pPr algn="l" marL="452371" indent="-226186" lvl="1">
+            <a:pPr algn="l" marL="528879" indent="-264440" lvl="1">
               <a:lnSpc>
-                <a:spcPts val="2933"/>
+                <a:spcPts val="3429"/>
               </a:lnSpc>
               <a:spcBef>
                 <a:spcPct val="0"/>
@@ -6200,7 +5986,7 @@
               <a:buChar char="•"/>
             </a:pPr>
             <a:r>
-              <a:rPr lang="en-US" sz="2095">
+              <a:rPr lang="en-US" sz="2449">
                 <a:solidFill>
                   <a:srgbClr val="000000"/>
                 </a:solidFill>
@@ -6212,7 +5998,7 @@
               <a:t>🏪 </a:t>
             </a:r>
             <a:r>
-              <a:rPr lang="en-US" sz="2095">
+              <a:rPr lang="en-US" sz="2449">
                 <a:solidFill>
                   <a:srgbClr val="000000"/>
                 </a:solidFill>
@@ -6225,9 +6011,9 @@
             </a:r>
           </a:p>
           <a:p>
-            <a:pPr algn="l" marL="452371" indent="-226186" lvl="1">
+            <a:pPr algn="l" marL="528879" indent="-264440" lvl="1">
               <a:lnSpc>
-                <a:spcPts val="2933"/>
+                <a:spcPts val="3429"/>
               </a:lnSpc>
               <a:spcBef>
                 <a:spcPct val="0"/>
@@ -6236,7 +6022,7 @@
               <a:buChar char="•"/>
             </a:pPr>
             <a:r>
-              <a:rPr lang="en-US" sz="2095">
+              <a:rPr lang="en-US" sz="2449">
                 <a:solidFill>
                   <a:srgbClr val="000000"/>
                 </a:solidFill>
@@ -6249,9 +6035,9 @@
             </a:r>
           </a:p>
           <a:p>
-            <a:pPr algn="l" marL="452371" indent="-226186" lvl="1">
+            <a:pPr algn="l" marL="528879" indent="-264440" lvl="1">
               <a:lnSpc>
-                <a:spcPts val="2933"/>
+                <a:spcPts val="3429"/>
               </a:lnSpc>
               <a:spcBef>
                 <a:spcPct val="0"/>
@@ -6260,7 +6046,7 @@
               <a:buChar char="•"/>
             </a:pPr>
             <a:r>
-              <a:rPr lang="en-US" sz="2095">
+              <a:rPr lang="en-US" sz="2449">
                 <a:solidFill>
                   <a:srgbClr val="000000"/>
                 </a:solidFill>
@@ -6275,7 +6061,7 @@
           <a:p>
             <a:pPr algn="ctr">
               <a:lnSpc>
-                <a:spcPts val="3066"/>
+                <a:spcPts val="3559"/>
               </a:lnSpc>
               <a:spcBef>
                 <a:spcPct val="0"/>
